--- a/doc/Презентация.pptx
+++ b/doc/Презентация.pptx
@@ -2,22 +2,23 @@
 <file path=ppt/presentation.xml><?xml version="1.0" encoding="utf-8"?>
 <p:presentation xmlns:a="http://schemas.openxmlformats.org/drawingml/2006/main" xmlns:r="http://schemas.openxmlformats.org/officeDocument/2006/relationships" xmlns:p="http://schemas.openxmlformats.org/presentationml/2006/main" showSpecialPlsOnTitleSld="0" saveSubsetFonts="1">
   <p:sldMasterIdLst>
-    <p:sldMasterId id="2147483672" r:id="rId1"/>
+    <p:sldMasterId id="2147483684" r:id="rId1"/>
   </p:sldMasterIdLst>
   <p:notesMasterIdLst>
-    <p:notesMasterId r:id="rId12"/>
+    <p:notesMasterId r:id="rId13"/>
   </p:notesMasterIdLst>
   <p:sldIdLst>
     <p:sldId id="256" r:id="rId2"/>
-    <p:sldId id="257" r:id="rId3"/>
-    <p:sldId id="258" r:id="rId4"/>
+    <p:sldId id="266" r:id="rId3"/>
+    <p:sldId id="267" r:id="rId4"/>
     <p:sldId id="259" r:id="rId5"/>
-    <p:sldId id="260" r:id="rId6"/>
-    <p:sldId id="261" r:id="rId7"/>
-    <p:sldId id="262" r:id="rId8"/>
-    <p:sldId id="263" r:id="rId9"/>
-    <p:sldId id="264" r:id="rId10"/>
-    <p:sldId id="265" r:id="rId11"/>
+    <p:sldId id="261" r:id="rId6"/>
+    <p:sldId id="268" r:id="rId7"/>
+    <p:sldId id="269" r:id="rId8"/>
+    <p:sldId id="262" r:id="rId9"/>
+    <p:sldId id="263" r:id="rId10"/>
+    <p:sldId id="264" r:id="rId11"/>
+    <p:sldId id="265" r:id="rId12"/>
   </p:sldIdLst>
   <p:sldSz cx="9144000" cy="6858000" type="screen4x3"/>
   <p:notesSz cx="6858000" cy="9144000"/>
@@ -201,7 +202,7 @@
           <a:p>
             <a:fld id="{0BB6A121-4B1C-4688-8295-756180A547FA}" type="datetimeFigureOut">
               <a:rPr lang="ru-RU" smtClean="0"/>
-              <a:t>09.12.2020</a:t>
+              <a:t>16.12.2020</a:t>
             </a:fld>
             <a:endParaRPr lang="ru-RU"/>
           </a:p>
@@ -470,7 +471,7 @@
 </file>
 
 <file path=ppt/slideLayouts/slideLayout1.xml><?xml version="1.0" encoding="utf-8"?>
-<p:sldLayout xmlns:a="http://schemas.openxmlformats.org/drawingml/2006/main" xmlns:r="http://schemas.openxmlformats.org/officeDocument/2006/relationships" xmlns:p="http://schemas.openxmlformats.org/presentationml/2006/main" showMasterSp="0" type="title" preserve="1">
+<p:sldLayout xmlns:a="http://schemas.openxmlformats.org/drawingml/2006/main" xmlns:r="http://schemas.openxmlformats.org/officeDocument/2006/relationships" xmlns:p="http://schemas.openxmlformats.org/presentationml/2006/main" type="title" preserve="1">
   <p:cSld name="Титульный слайд">
     <p:spTree>
       <p:nvGrpSpPr>
@@ -488,495 +489,58 @@
       </p:grpSpPr>
       <p:sp>
         <p:nvSpPr>
-          <p:cNvPr id="7" name="Rectangle 6"/>
-          <p:cNvSpPr/>
-          <p:nvPr/>
+          <p:cNvPr id="2" name="Заголовок 1"/>
+          <p:cNvSpPr>
+            <a:spLocks noGrp="1"/>
+          </p:cNvSpPr>
+          <p:nvPr>
+            <p:ph type="ctrTitle"/>
+          </p:nvPr>
         </p:nvSpPr>
         <p:spPr>
           <a:xfrm>
-            <a:off x="0" y="0"/>
-            <a:ext cx="9144000" cy="6858000"/>
+            <a:off x="685800" y="2130425"/>
+            <a:ext cx="7772400" cy="1470025"/>
           </a:xfrm>
-          <a:prstGeom prst="rect">
-            <a:avLst/>
-          </a:prstGeom>
-          <a:solidFill>
-            <a:srgbClr val="FFFFFF"/>
-          </a:solidFill>
-          <a:ln>
-            <a:noFill/>
-          </a:ln>
         </p:spPr>
-        <p:style>
-          <a:lnRef idx="2">
-            <a:schemeClr val="accent1">
-              <a:shade val="50000"/>
-            </a:schemeClr>
-          </a:lnRef>
-          <a:fillRef idx="1">
-            <a:schemeClr val="accent1"/>
-          </a:fillRef>
-          <a:effectRef idx="0">
-            <a:schemeClr val="accent1"/>
-          </a:effectRef>
-          <a:fontRef idx="minor">
-            <a:schemeClr val="lt1"/>
-          </a:fontRef>
-        </p:style>
-        <p:txBody>
-          <a:bodyPr rtlCol="0" anchor="ctr"/>
-          <a:lstStyle/>
-          <a:p>
-            <a:pPr algn="ctr"/>
-            <a:endParaRPr lang="en-US"/>
-          </a:p>
-        </p:txBody>
-      </p:sp>
-      <p:sp useBgFill="1">
-        <p:nvSpPr>
-          <p:cNvPr id="8" name="Rounded Rectangle 7"/>
-          <p:cNvSpPr/>
-          <p:nvPr/>
+        <p:txBody>
+          <a:bodyPr/>
+          <a:lstStyle/>
+          <a:p>
+            <a:r>
+              <a:rPr lang="ru-RU" smtClean="0"/>
+              <a:t>Образец заголовка</a:t>
+            </a:r>
+            <a:endParaRPr lang="ru-RU"/>
+          </a:p>
+        </p:txBody>
+      </p:sp>
+      <p:sp>
+        <p:nvSpPr>
+          <p:cNvPr id="3" name="Подзаголовок 2"/>
+          <p:cNvSpPr>
+            <a:spLocks noGrp="1"/>
+          </p:cNvSpPr>
+          <p:nvPr>
+            <p:ph type="subTitle" idx="1"/>
+          </p:nvPr>
         </p:nvSpPr>
         <p:spPr>
           <a:xfrm>
-            <a:off x="91440" y="101600"/>
-            <a:ext cx="8961120" cy="6664960"/>
-          </a:xfrm>
-          <a:prstGeom prst="roundRect">
-            <a:avLst>
-              <a:gd name="adj" fmla="val 1735"/>
-            </a:avLst>
-          </a:prstGeom>
-          <a:ln w="12700" cmpd="sng">
-            <a:noFill/>
-          </a:ln>
-        </p:spPr>
-        <p:style>
-          <a:lnRef idx="2">
-            <a:schemeClr val="accent1">
-              <a:shade val="50000"/>
-            </a:schemeClr>
-          </a:lnRef>
-          <a:fillRef idx="1">
-            <a:schemeClr val="accent1"/>
-          </a:fillRef>
-          <a:effectRef idx="0">
-            <a:schemeClr val="accent1"/>
-          </a:effectRef>
-          <a:fontRef idx="minor">
-            <a:schemeClr val="lt1"/>
-          </a:fontRef>
-        </p:style>
-        <p:txBody>
-          <a:bodyPr rtlCol="0" anchor="ctr"/>
-          <a:lstStyle/>
-          <a:p>
-            <a:pPr algn="ctr"/>
-            <a:endParaRPr lang="en-US"/>
-          </a:p>
-        </p:txBody>
-      </p:sp>
-      <p:sp>
-        <p:nvSpPr>
-          <p:cNvPr id="4" name="Date Placeholder 3"/>
-          <p:cNvSpPr>
-            <a:spLocks noGrp="1"/>
-          </p:cNvSpPr>
-          <p:nvPr>
-            <p:ph type="dt" sz="half" idx="10"/>
-          </p:nvPr>
-        </p:nvSpPr>
-        <p:spPr/>
-        <p:txBody>
-          <a:bodyPr/>
-          <a:lstStyle/>
-          <a:p>
-            <a:fld id="{5F6C5042-ECD1-4B20-BBEC-1C5A65B9AFEA}" type="datetime1">
-              <a:rPr lang="ru-RU" smtClean="0"/>
-              <a:t>09.12.2020</a:t>
-            </a:fld>
-            <a:endParaRPr lang="ru-RU"/>
-          </a:p>
-        </p:txBody>
-      </p:sp>
-      <p:sp>
-        <p:nvSpPr>
-          <p:cNvPr id="5" name="Footer Placeholder 4"/>
-          <p:cNvSpPr>
-            <a:spLocks noGrp="1"/>
-          </p:cNvSpPr>
-          <p:nvPr>
-            <p:ph type="ftr" sz="quarter" idx="11"/>
-          </p:nvPr>
-        </p:nvSpPr>
-        <p:spPr/>
-        <p:txBody>
-          <a:bodyPr/>
-          <a:lstStyle/>
-          <a:p>
-            <a:endParaRPr lang="ru-RU"/>
-          </a:p>
-        </p:txBody>
-      </p:sp>
-      <p:sp>
-        <p:nvSpPr>
-          <p:cNvPr id="9" name="Rectangle 8"/>
-          <p:cNvSpPr/>
-          <p:nvPr/>
-        </p:nvSpPr>
-        <p:spPr>
-          <a:xfrm>
-            <a:off x="345440" y="2942602"/>
-            <a:ext cx="7147931" cy="2463800"/>
-          </a:xfrm>
-          <a:prstGeom prst="rect">
-            <a:avLst/>
-          </a:prstGeom>
-          <a:solidFill>
-            <a:srgbClr val="FFFFFF">
-              <a:alpha val="83000"/>
-            </a:srgbClr>
-          </a:solidFill>
-          <a:ln>
-            <a:noFill/>
-          </a:ln>
-          <a:effectLst>
-            <a:softEdge rad="12700"/>
-          </a:effectLst>
-        </p:spPr>
-        <p:style>
-          <a:lnRef idx="2">
-            <a:schemeClr val="accent1">
-              <a:shade val="50000"/>
-            </a:schemeClr>
-          </a:lnRef>
-          <a:fillRef idx="1">
-            <a:schemeClr val="accent1"/>
-          </a:fillRef>
-          <a:effectRef idx="0">
-            <a:schemeClr val="accent1"/>
-          </a:effectRef>
-          <a:fontRef idx="minor">
-            <a:schemeClr val="lt1"/>
-          </a:fontRef>
-        </p:style>
-        <p:txBody>
-          <a:bodyPr rtlCol="0" anchor="ctr"/>
-          <a:lstStyle/>
-          <a:p>
-            <a:pPr algn="ctr"/>
-            <a:endParaRPr lang="en-US"/>
-          </a:p>
-        </p:txBody>
-      </p:sp>
-      <p:sp>
-        <p:nvSpPr>
-          <p:cNvPr id="12" name="Rectangle 11"/>
-          <p:cNvSpPr/>
-          <p:nvPr/>
-        </p:nvSpPr>
-        <p:spPr>
-          <a:xfrm>
-            <a:off x="7572652" y="2944634"/>
-            <a:ext cx="1190348" cy="2459736"/>
-          </a:xfrm>
-          <a:prstGeom prst="rect">
-            <a:avLst/>
-          </a:prstGeom>
-          <a:solidFill>
-            <a:srgbClr val="FFFFFF">
-              <a:alpha val="83000"/>
-            </a:srgbClr>
-          </a:solidFill>
-          <a:ln>
-            <a:noFill/>
-          </a:ln>
-          <a:effectLst>
-            <a:softEdge rad="12700"/>
-          </a:effectLst>
-        </p:spPr>
-        <p:style>
-          <a:lnRef idx="2">
-            <a:schemeClr val="accent1">
-              <a:shade val="50000"/>
-            </a:schemeClr>
-          </a:lnRef>
-          <a:fillRef idx="1">
-            <a:schemeClr val="accent1"/>
-          </a:fillRef>
-          <a:effectRef idx="0">
-            <a:schemeClr val="accent1"/>
-          </a:effectRef>
-          <a:fontRef idx="minor">
-            <a:schemeClr val="lt1"/>
-          </a:fontRef>
-        </p:style>
-        <p:txBody>
-          <a:bodyPr rtlCol="0" anchor="ctr"/>
-          <a:lstStyle/>
-          <a:p>
-            <a:pPr algn="ctr"/>
-            <a:endParaRPr lang="en-US"/>
-          </a:p>
-        </p:txBody>
-      </p:sp>
-      <p:sp>
-        <p:nvSpPr>
-          <p:cNvPr id="13" name="Rectangle 12"/>
-          <p:cNvSpPr/>
-          <p:nvPr/>
-        </p:nvSpPr>
-        <p:spPr>
-          <a:xfrm>
-            <a:off x="7712714" y="3136658"/>
-            <a:ext cx="910224" cy="2075688"/>
-          </a:xfrm>
-          <a:prstGeom prst="rect">
-            <a:avLst/>
-          </a:prstGeom>
-          <a:solidFill>
-            <a:schemeClr val="accent3">
-              <a:alpha val="70000"/>
-            </a:schemeClr>
-          </a:solidFill>
-          <a:ln w="6350">
-            <a:solidFill>
-              <a:schemeClr val="accent1">
-                <a:lumMod val="75000"/>
-              </a:schemeClr>
-            </a:solidFill>
-          </a:ln>
-        </p:spPr>
-        <p:style>
-          <a:lnRef idx="2">
-            <a:schemeClr val="accent1">
-              <a:shade val="50000"/>
-            </a:schemeClr>
-          </a:lnRef>
-          <a:fillRef idx="1">
-            <a:schemeClr val="accent1"/>
-          </a:fillRef>
-          <a:effectRef idx="0">
-            <a:schemeClr val="accent1"/>
-          </a:effectRef>
-          <a:fontRef idx="minor">
-            <a:schemeClr val="lt1"/>
-          </a:fontRef>
-        </p:style>
-        <p:txBody>
-          <a:bodyPr rtlCol="0" anchor="ctr"/>
-          <a:lstStyle/>
-          <a:p>
-            <a:pPr algn="ctr"/>
-            <a:endParaRPr lang="en-US"/>
-          </a:p>
-        </p:txBody>
-      </p:sp>
-      <p:sp>
-        <p:nvSpPr>
-          <p:cNvPr id="14" name="Rectangle 13"/>
-          <p:cNvSpPr/>
-          <p:nvPr/>
-        </p:nvSpPr>
-        <p:spPr>
-          <a:xfrm>
-            <a:off x="445483" y="3055621"/>
-            <a:ext cx="6947845" cy="2245359"/>
-          </a:xfrm>
-          <a:prstGeom prst="rect">
-            <a:avLst/>
-          </a:prstGeom>
-          <a:solidFill>
-            <a:srgbClr val="FFFFFF"/>
-          </a:solidFill>
-          <a:ln w="6350" cmpd="dbl">
-            <a:noFill/>
-          </a:ln>
-        </p:spPr>
-        <p:style>
-          <a:lnRef idx="2">
-            <a:schemeClr val="accent1">
-              <a:shade val="50000"/>
-            </a:schemeClr>
-          </a:lnRef>
-          <a:fillRef idx="1">
-            <a:schemeClr val="accent1"/>
-          </a:fillRef>
-          <a:effectRef idx="0">
-            <a:schemeClr val="accent1"/>
-          </a:effectRef>
-          <a:fontRef idx="minor">
-            <a:schemeClr val="lt1"/>
-          </a:fontRef>
-        </p:style>
-        <p:txBody>
-          <a:bodyPr rtlCol="0" anchor="ctr"/>
-          <a:lstStyle/>
-          <a:p>
-            <a:pPr algn="ctr"/>
-            <a:endParaRPr lang="en-US"/>
-          </a:p>
-        </p:txBody>
-      </p:sp>
-      <p:sp>
-        <p:nvSpPr>
-          <p:cNvPr id="6" name="Slide Number Placeholder 5"/>
-          <p:cNvSpPr>
-            <a:spLocks noGrp="1"/>
-          </p:cNvSpPr>
-          <p:nvPr>
-            <p:ph type="sldNum" sz="quarter" idx="12"/>
-          </p:nvPr>
-        </p:nvSpPr>
-        <p:spPr>
-          <a:xfrm>
-            <a:off x="7786826" y="4625268"/>
-            <a:ext cx="762000" cy="457200"/>
+            <a:off x="1371600" y="3886200"/>
+            <a:ext cx="6400800" cy="1752600"/>
           </a:xfrm>
         </p:spPr>
         <p:txBody>
           <a:bodyPr/>
           <a:lstStyle>
-            <a:lvl1pPr algn="ctr">
-              <a:defRPr sz="2800">
-                <a:solidFill>
-                  <a:schemeClr val="accent1">
-                    <a:lumMod val="50000"/>
+            <a:lvl1pPr marL="0" indent="0" algn="ctr">
+              <a:buNone/>
+              <a:defRPr>
+                <a:solidFill>
+                  <a:schemeClr val="tx1">
+                    <a:tint val="75000"/>
                   </a:schemeClr>
-                </a:solidFill>
-              </a:defRPr>
-            </a:lvl1pPr>
-          </a:lstStyle>
-          <a:p>
-            <a:fld id="{B19B0651-EE4F-4900-A07F-96A6BFA9D0F0}" type="slidenum">
-              <a:rPr lang="ru-RU" smtClean="0"/>
-              <a:t>‹#›</a:t>
-            </a:fld>
-            <a:endParaRPr lang="ru-RU"/>
-          </a:p>
-        </p:txBody>
-      </p:sp>
-      <p:sp>
-        <p:nvSpPr>
-          <p:cNvPr id="11" name="Rectangle 10"/>
-          <p:cNvSpPr/>
-          <p:nvPr/>
-        </p:nvSpPr>
-        <p:spPr>
-          <a:xfrm>
-            <a:off x="541822" y="4559276"/>
-            <a:ext cx="6755166" cy="664367"/>
-          </a:xfrm>
-          <a:prstGeom prst="rect">
-            <a:avLst/>
-          </a:prstGeom>
-          <a:solidFill>
-            <a:schemeClr val="accent1"/>
-          </a:solidFill>
-          <a:ln w="6350">
-            <a:noFill/>
-          </a:ln>
-        </p:spPr>
-        <p:style>
-          <a:lnRef idx="2">
-            <a:schemeClr val="accent1">
-              <a:shade val="50000"/>
-            </a:schemeClr>
-          </a:lnRef>
-          <a:fillRef idx="1">
-            <a:schemeClr val="accent1"/>
-          </a:fillRef>
-          <a:effectRef idx="0">
-            <a:schemeClr val="accent1"/>
-          </a:effectRef>
-          <a:fontRef idx="minor">
-            <a:schemeClr val="lt1"/>
-          </a:fontRef>
-        </p:style>
-        <p:txBody>
-          <a:bodyPr rtlCol="0" anchor="ctr"/>
-          <a:lstStyle/>
-          <a:p>
-            <a:pPr algn="ctr"/>
-            <a:endParaRPr lang="en-US"/>
-          </a:p>
-        </p:txBody>
-      </p:sp>
-      <p:sp>
-        <p:nvSpPr>
-          <p:cNvPr id="10" name="Rectangle 9"/>
-          <p:cNvSpPr/>
-          <p:nvPr/>
-        </p:nvSpPr>
-        <p:spPr>
-          <a:xfrm>
-            <a:off x="538971" y="3139440"/>
-            <a:ext cx="6760868" cy="2077720"/>
-          </a:xfrm>
-          <a:prstGeom prst="rect">
-            <a:avLst/>
-          </a:prstGeom>
-          <a:noFill/>
-          <a:ln w="6350" cmpd="dbl">
-            <a:solidFill>
-              <a:schemeClr val="accent1">
-                <a:lumMod val="75000"/>
-              </a:schemeClr>
-            </a:solidFill>
-          </a:ln>
-        </p:spPr>
-        <p:style>
-          <a:lnRef idx="2">
-            <a:schemeClr val="accent1">
-              <a:shade val="50000"/>
-            </a:schemeClr>
-          </a:lnRef>
-          <a:fillRef idx="1">
-            <a:schemeClr val="accent1"/>
-          </a:fillRef>
-          <a:effectRef idx="0">
-            <a:schemeClr val="accent1"/>
-          </a:effectRef>
-          <a:fontRef idx="minor">
-            <a:schemeClr val="lt1"/>
-          </a:fontRef>
-        </p:style>
-        <p:txBody>
-          <a:bodyPr rtlCol="0" anchor="ctr"/>
-          <a:lstStyle/>
-          <a:p>
-            <a:pPr algn="ctr"/>
-            <a:endParaRPr lang="en-US"/>
-          </a:p>
-        </p:txBody>
-      </p:sp>
-      <p:sp>
-        <p:nvSpPr>
-          <p:cNvPr id="3" name="Subtitle 2"/>
-          <p:cNvSpPr>
-            <a:spLocks noGrp="1"/>
-          </p:cNvSpPr>
-          <p:nvPr>
-            <p:ph type="subTitle" idx="1"/>
-          </p:nvPr>
-        </p:nvSpPr>
-        <p:spPr>
-          <a:xfrm>
-            <a:off x="642805" y="4648200"/>
-            <a:ext cx="6553200" cy="457200"/>
-          </a:xfrm>
-        </p:spPr>
-        <p:txBody>
-          <a:bodyPr>
-            <a:normAutofit/>
-          </a:bodyPr>
-          <a:lstStyle>
-            <a:lvl1pPr marL="0" indent="0" algn="ctr">
-              <a:buNone/>
-              <a:defRPr sz="1800" cap="all" spc="300" baseline="0">
-                <a:solidFill>
-                  <a:srgbClr val="FFFFFF"/>
                 </a:solidFill>
               </a:defRPr>
             </a:lvl1pPr>
@@ -1066,51 +630,81 @@
               <a:rPr lang="ru-RU" smtClean="0"/>
               <a:t>Образец подзаголовка</a:t>
             </a:r>
-            <a:endParaRPr lang="en-US" dirty="0"/>
-          </a:p>
-        </p:txBody>
-      </p:sp>
-      <p:sp>
-        <p:nvSpPr>
-          <p:cNvPr id="2" name="Title 1"/>
-          <p:cNvSpPr>
-            <a:spLocks noGrp="1"/>
-          </p:cNvSpPr>
-          <p:nvPr>
-            <p:ph type="ctrTitle"/>
-          </p:nvPr>
-        </p:nvSpPr>
-        <p:spPr>
-          <a:xfrm>
-            <a:off x="604705" y="3227033"/>
-            <a:ext cx="6629400" cy="1219201"/>
-          </a:xfrm>
-        </p:spPr>
-        <p:txBody>
-          <a:bodyPr anchor="b" anchorCtr="0">
-            <a:noAutofit/>
-          </a:bodyPr>
-          <a:lstStyle>
-            <a:lvl1pPr>
-              <a:defRPr sz="4000">
-                <a:solidFill>
-                  <a:schemeClr val="accent1">
-                    <a:lumMod val="50000"/>
-                  </a:schemeClr>
-                </a:solidFill>
-              </a:defRPr>
-            </a:lvl1pPr>
-          </a:lstStyle>
-          <a:p>
-            <a:r>
-              <a:rPr lang="ru-RU" smtClean="0"/>
-              <a:t>Образец заголовка</a:t>
-            </a:r>
-            <a:endParaRPr lang="en-US" dirty="0"/>
+            <a:endParaRPr lang="ru-RU"/>
+          </a:p>
+        </p:txBody>
+      </p:sp>
+      <p:sp>
+        <p:nvSpPr>
+          <p:cNvPr id="4" name="Дата 3"/>
+          <p:cNvSpPr>
+            <a:spLocks noGrp="1"/>
+          </p:cNvSpPr>
+          <p:nvPr>
+            <p:ph type="dt" sz="half" idx="10"/>
+          </p:nvPr>
+        </p:nvSpPr>
+        <p:spPr/>
+        <p:txBody>
+          <a:bodyPr/>
+          <a:lstStyle/>
+          <a:p>
+            <a:fld id="{5F6C5042-ECD1-4B20-BBEC-1C5A65B9AFEA}" type="datetime1">
+              <a:rPr lang="ru-RU" smtClean="0"/>
+              <a:t>16.12.2020</a:t>
+            </a:fld>
+            <a:endParaRPr lang="ru-RU"/>
+          </a:p>
+        </p:txBody>
+      </p:sp>
+      <p:sp>
+        <p:nvSpPr>
+          <p:cNvPr id="5" name="Нижний колонтитул 4"/>
+          <p:cNvSpPr>
+            <a:spLocks noGrp="1"/>
+          </p:cNvSpPr>
+          <p:nvPr>
+            <p:ph type="ftr" sz="quarter" idx="11"/>
+          </p:nvPr>
+        </p:nvSpPr>
+        <p:spPr/>
+        <p:txBody>
+          <a:bodyPr/>
+          <a:lstStyle/>
+          <a:p>
+            <a:endParaRPr lang="ru-RU"/>
+          </a:p>
+        </p:txBody>
+      </p:sp>
+      <p:sp>
+        <p:nvSpPr>
+          <p:cNvPr id="6" name="Номер слайда 5"/>
+          <p:cNvSpPr>
+            <a:spLocks noGrp="1"/>
+          </p:cNvSpPr>
+          <p:nvPr>
+            <p:ph type="sldNum" sz="quarter" idx="12"/>
+          </p:nvPr>
+        </p:nvSpPr>
+        <p:spPr/>
+        <p:txBody>
+          <a:bodyPr/>
+          <a:lstStyle/>
+          <a:p>
+            <a:fld id="{B19B0651-EE4F-4900-A07F-96A6BFA9D0F0}" type="slidenum">
+              <a:rPr lang="ru-RU" smtClean="0"/>
+              <a:t>‹#›</a:t>
+            </a:fld>
+            <a:endParaRPr lang="ru-RU"/>
           </a:p>
         </p:txBody>
       </p:sp>
     </p:spTree>
+    <p:extLst>
+      <p:ext uri="{BB962C8B-B14F-4D97-AF65-F5344CB8AC3E}">
+        <p14:creationId xmlns:p14="http://schemas.microsoft.com/office/powerpoint/2010/main" val="3031467829"/>
+      </p:ext>
+    </p:extLst>
   </p:cSld>
   <p:clrMapOvr>
     <a:masterClrMapping/>
@@ -1137,7 +731,7 @@
       </p:grpSpPr>
       <p:sp>
         <p:nvSpPr>
-          <p:cNvPr id="2" name="Title 1"/>
+          <p:cNvPr id="2" name="Заголовок 1"/>
           <p:cNvSpPr>
             <a:spLocks noGrp="1"/>
           </p:cNvSpPr>
@@ -1154,13 +748,13 @@
               <a:rPr lang="ru-RU" smtClean="0"/>
               <a:t>Образец заголовка</a:t>
             </a:r>
-            <a:endParaRPr lang="en-US"/>
-          </a:p>
-        </p:txBody>
-      </p:sp>
-      <p:sp>
-        <p:nvSpPr>
-          <p:cNvPr id="3" name="Vertical Text Placeholder 2"/>
+            <a:endParaRPr lang="ru-RU"/>
+          </a:p>
+        </p:txBody>
+      </p:sp>
+      <p:sp>
+        <p:nvSpPr>
+          <p:cNvPr id="3" name="Вертикальный текст 2"/>
           <p:cNvSpPr>
             <a:spLocks noGrp="1"/>
           </p:cNvSpPr>
@@ -1206,13 +800,13 @@
               <a:rPr lang="ru-RU" smtClean="0"/>
               <a:t>Пятый уровень</a:t>
             </a:r>
-            <a:endParaRPr lang="en-US"/>
-          </a:p>
-        </p:txBody>
-      </p:sp>
-      <p:sp>
-        <p:nvSpPr>
-          <p:cNvPr id="4" name="Date Placeholder 3"/>
+            <a:endParaRPr lang="ru-RU"/>
+          </a:p>
+        </p:txBody>
+      </p:sp>
+      <p:sp>
+        <p:nvSpPr>
+          <p:cNvPr id="4" name="Дата 3"/>
           <p:cNvSpPr>
             <a:spLocks noGrp="1"/>
           </p:cNvSpPr>
@@ -1227,7 +821,7 @@
           <a:p>
             <a:fld id="{1401684B-235C-433A-831C-959DCAA4692E}" type="datetime1">
               <a:rPr lang="ru-RU" smtClean="0"/>
-              <a:t>09.12.2020</a:t>
+              <a:t>16.12.2020</a:t>
             </a:fld>
             <a:endParaRPr lang="ru-RU"/>
           </a:p>
@@ -1235,7 +829,7 @@
       </p:sp>
       <p:sp>
         <p:nvSpPr>
-          <p:cNvPr id="5" name="Footer Placeholder 4"/>
+          <p:cNvPr id="5" name="Нижний колонтитул 4"/>
           <p:cNvSpPr>
             <a:spLocks noGrp="1"/>
           </p:cNvSpPr>
@@ -1254,7 +848,7 @@
       </p:sp>
       <p:sp>
         <p:nvSpPr>
-          <p:cNvPr id="6" name="Slide Number Placeholder 5"/>
+          <p:cNvPr id="6" name="Номер слайда 5"/>
           <p:cNvSpPr>
             <a:spLocks noGrp="1"/>
           </p:cNvSpPr>
@@ -1276,6 +870,11 @@
         </p:txBody>
       </p:sp>
     </p:spTree>
+    <p:extLst>
+      <p:ext uri="{BB962C8B-B14F-4D97-AF65-F5344CB8AC3E}">
+        <p14:creationId xmlns:p14="http://schemas.microsoft.com/office/powerpoint/2010/main" val="169849661"/>
+      </p:ext>
+    </p:extLst>
   </p:cSld>
   <p:clrMapOvr>
     <a:masterClrMapping/>
@@ -1284,7 +883,7 @@
 </file>
 
 <file path=ppt/slideLayouts/slideLayout11.xml><?xml version="1.0" encoding="utf-8"?>
-<p:sldLayout xmlns:a="http://schemas.openxmlformats.org/drawingml/2006/main" xmlns:r="http://schemas.openxmlformats.org/officeDocument/2006/relationships" xmlns:p="http://schemas.openxmlformats.org/presentationml/2006/main" showMasterSp="0" type="vertTitleAndTx" preserve="1">
+<p:sldLayout xmlns:a="http://schemas.openxmlformats.org/drawingml/2006/main" xmlns:r="http://schemas.openxmlformats.org/officeDocument/2006/relationships" xmlns:p="http://schemas.openxmlformats.org/presentationml/2006/main" type="vertTitleAndTx" preserve="1">
   <p:cSld name="Вертикальный заголовок и текст">
     <p:spTree>
       <p:nvGrpSpPr>
@@ -1302,154 +901,52 @@
       </p:grpSpPr>
       <p:sp>
         <p:nvSpPr>
-          <p:cNvPr id="7" name="Rectangle 6"/>
-          <p:cNvSpPr/>
-          <p:nvPr/>
+          <p:cNvPr id="2" name="Вертикальный заголовок 1"/>
+          <p:cNvSpPr>
+            <a:spLocks noGrp="1"/>
+          </p:cNvSpPr>
+          <p:nvPr>
+            <p:ph type="title" orient="vert"/>
+          </p:nvPr>
         </p:nvSpPr>
         <p:spPr>
           <a:xfrm>
-            <a:off x="6861702" y="228600"/>
-            <a:ext cx="1859280" cy="6122634"/>
+            <a:off x="6629400" y="274638"/>
+            <a:ext cx="2057400" cy="5851525"/>
           </a:xfrm>
-          <a:prstGeom prst="rect">
-            <a:avLst/>
-          </a:prstGeom>
-          <a:solidFill>
-            <a:srgbClr val="FFFFFF">
-              <a:alpha val="85000"/>
-            </a:srgbClr>
-          </a:solidFill>
-          <a:ln>
-            <a:noFill/>
-          </a:ln>
-          <a:effectLst/>
         </p:spPr>
-        <p:style>
-          <a:lnRef idx="2">
-            <a:schemeClr val="accent1">
-              <a:shade val="50000"/>
-            </a:schemeClr>
-          </a:lnRef>
-          <a:fillRef idx="1">
-            <a:schemeClr val="accent1"/>
-          </a:fillRef>
-          <a:effectRef idx="0">
-            <a:schemeClr val="accent1"/>
-          </a:effectRef>
-          <a:fontRef idx="minor">
-            <a:schemeClr val="lt1"/>
-          </a:fontRef>
-        </p:style>
-        <p:txBody>
-          <a:bodyPr rtlCol="0" anchor="ctr"/>
-          <a:lstStyle/>
-          <a:p>
-            <a:pPr marL="0" algn="ctr" defTabSz="914400" rtl="0" eaLnBrk="1" latinLnBrk="0" hangingPunct="1"/>
-            <a:endParaRPr lang="en-US" sz="1800" kern="1200">
-              <a:solidFill>
-                <a:schemeClr val="lt1"/>
-              </a:solidFill>
-              <a:latin typeface="+mn-lt"/>
-              <a:ea typeface="+mn-ea"/>
-              <a:cs typeface="+mn-cs"/>
-            </a:endParaRPr>
-          </a:p>
-        </p:txBody>
-      </p:sp>
-      <p:sp>
-        <p:nvSpPr>
-          <p:cNvPr id="8" name="Rectangle 7"/>
-          <p:cNvSpPr/>
-          <p:nvPr/>
+        <p:txBody>
+          <a:bodyPr vert="eaVert"/>
+          <a:lstStyle/>
+          <a:p>
+            <a:r>
+              <a:rPr lang="ru-RU" smtClean="0"/>
+              <a:t>Образец заголовка</a:t>
+            </a:r>
+            <a:endParaRPr lang="ru-RU"/>
+          </a:p>
+        </p:txBody>
+      </p:sp>
+      <p:sp>
+        <p:nvSpPr>
+          <p:cNvPr id="3" name="Вертикальный текст 2"/>
+          <p:cNvSpPr>
+            <a:spLocks noGrp="1"/>
+          </p:cNvSpPr>
+          <p:nvPr>
+            <p:ph type="body" orient="vert" idx="1"/>
+          </p:nvPr>
         </p:nvSpPr>
         <p:spPr>
           <a:xfrm>
-            <a:off x="6955225" y="351409"/>
-            <a:ext cx="1672235" cy="5877017"/>
-          </a:xfrm>
-          <a:prstGeom prst="rect">
-            <a:avLst/>
-          </a:prstGeom>
-          <a:solidFill>
-            <a:srgbClr val="FFFFFF"/>
-          </a:solidFill>
-          <a:ln w="6350">
-            <a:noFill/>
-          </a:ln>
-        </p:spPr>
-        <p:style>
-          <a:lnRef idx="2">
-            <a:schemeClr val="accent1">
-              <a:shade val="50000"/>
-            </a:schemeClr>
-          </a:lnRef>
-          <a:fillRef idx="1">
-            <a:schemeClr val="accent1"/>
-          </a:fillRef>
-          <a:effectRef idx="0">
-            <a:schemeClr val="accent1"/>
-          </a:effectRef>
-          <a:fontRef idx="minor">
-            <a:schemeClr val="lt1"/>
-          </a:fontRef>
-        </p:style>
-        <p:txBody>
-          <a:bodyPr rtlCol="0" anchor="ctr"/>
-          <a:lstStyle/>
-          <a:p>
-            <a:pPr algn="ctr"/>
-            <a:endParaRPr lang="en-US"/>
-          </a:p>
-        </p:txBody>
-      </p:sp>
-      <p:sp>
-        <p:nvSpPr>
-          <p:cNvPr id="2" name="Vertical Title 1"/>
-          <p:cNvSpPr>
-            <a:spLocks noGrp="1"/>
-          </p:cNvSpPr>
-          <p:nvPr>
-            <p:ph type="title" orient="vert"/>
-          </p:nvPr>
-        </p:nvSpPr>
-        <p:spPr>
-          <a:xfrm>
-            <a:off x="7048577" y="395427"/>
-            <a:ext cx="1485531" cy="5788981"/>
+            <a:off x="457200" y="274638"/>
+            <a:ext cx="6019800" cy="5851525"/>
           </a:xfrm>
         </p:spPr>
         <p:txBody>
           <a:bodyPr vert="eaVert"/>
           <a:lstStyle/>
           <a:p>
-            <a:r>
-              <a:rPr lang="ru-RU" smtClean="0"/>
-              <a:t>Образец заголовка</a:t>
-            </a:r>
-            <a:endParaRPr lang="en-US" dirty="0"/>
-          </a:p>
-        </p:txBody>
-      </p:sp>
-      <p:sp>
-        <p:nvSpPr>
-          <p:cNvPr id="3" name="Vertical Text Placeholder 2"/>
-          <p:cNvSpPr>
-            <a:spLocks noGrp="1"/>
-          </p:cNvSpPr>
-          <p:nvPr>
-            <p:ph type="body" orient="vert" idx="1"/>
-          </p:nvPr>
-        </p:nvSpPr>
-        <p:spPr>
-          <a:xfrm>
-            <a:off x="457200" y="380999"/>
-            <a:ext cx="6172200" cy="5791201"/>
-          </a:xfrm>
-        </p:spPr>
-        <p:txBody>
-          <a:bodyPr vert="eaVert"/>
-          <a:lstStyle/>
-          <a:p>
             <a:pPr lvl="0"/>
             <a:r>
               <a:rPr lang="ru-RU" smtClean="0"/>
@@ -1483,13 +980,13 @@
               <a:rPr lang="ru-RU" smtClean="0"/>
               <a:t>Пятый уровень</a:t>
             </a:r>
-            <a:endParaRPr lang="en-US" dirty="0"/>
-          </a:p>
-        </p:txBody>
-      </p:sp>
-      <p:sp>
-        <p:nvSpPr>
-          <p:cNvPr id="4" name="Date Placeholder 3"/>
+            <a:endParaRPr lang="ru-RU"/>
+          </a:p>
+        </p:txBody>
+      </p:sp>
+      <p:sp>
+        <p:nvSpPr>
+          <p:cNvPr id="4" name="Дата 3"/>
           <p:cNvSpPr>
             <a:spLocks noGrp="1"/>
           </p:cNvSpPr>
@@ -1504,7 +1001,7 @@
           <a:p>
             <a:fld id="{8B6C5AB1-64E6-495A-AD39-CE393F44990E}" type="datetime1">
               <a:rPr lang="ru-RU" smtClean="0"/>
-              <a:t>09.12.2020</a:t>
+              <a:t>16.12.2020</a:t>
             </a:fld>
             <a:endParaRPr lang="ru-RU"/>
           </a:p>
@@ -1512,7 +1009,7 @@
       </p:sp>
       <p:sp>
         <p:nvSpPr>
-          <p:cNvPr id="5" name="Footer Placeholder 4"/>
+          <p:cNvPr id="5" name="Нижний колонтитул 4"/>
           <p:cNvSpPr>
             <a:spLocks noGrp="1"/>
           </p:cNvSpPr>
@@ -1531,7 +1028,7 @@
       </p:sp>
       <p:sp>
         <p:nvSpPr>
-          <p:cNvPr id="6" name="Slide Number Placeholder 5"/>
+          <p:cNvPr id="6" name="Номер слайда 5"/>
           <p:cNvSpPr>
             <a:spLocks noGrp="1"/>
           </p:cNvSpPr>
@@ -1553,6 +1050,11 @@
         </p:txBody>
       </p:sp>
     </p:spTree>
+    <p:extLst>
+      <p:ext uri="{BB962C8B-B14F-4D97-AF65-F5344CB8AC3E}">
+        <p14:creationId xmlns:p14="http://schemas.microsoft.com/office/powerpoint/2010/main" val="2195489905"/>
+      </p:ext>
+    </p:extLst>
   </p:cSld>
   <p:clrMapOvr>
     <a:masterClrMapping/>
@@ -1579,7 +1081,7 @@
       </p:grpSpPr>
       <p:sp>
         <p:nvSpPr>
-          <p:cNvPr id="2" name="Title 1"/>
+          <p:cNvPr id="2" name="Заголовок 1"/>
           <p:cNvSpPr>
             <a:spLocks noGrp="1"/>
           </p:cNvSpPr>
@@ -1596,13 +1098,13 @@
               <a:rPr lang="ru-RU" smtClean="0"/>
               <a:t>Образец заголовка</a:t>
             </a:r>
-            <a:endParaRPr lang="en-US"/>
-          </a:p>
-        </p:txBody>
-      </p:sp>
-      <p:sp>
-        <p:nvSpPr>
-          <p:cNvPr id="3" name="Content Placeholder 2"/>
+            <a:endParaRPr lang="ru-RU"/>
+          </a:p>
+        </p:txBody>
+      </p:sp>
+      <p:sp>
+        <p:nvSpPr>
+          <p:cNvPr id="3" name="Объект 2"/>
           <p:cNvSpPr>
             <a:spLocks noGrp="1"/>
           </p:cNvSpPr>
@@ -1648,13 +1150,13 @@
               <a:rPr lang="ru-RU" smtClean="0"/>
               <a:t>Пятый уровень</a:t>
             </a:r>
-            <a:endParaRPr lang="en-US"/>
-          </a:p>
-        </p:txBody>
-      </p:sp>
-      <p:sp>
-        <p:nvSpPr>
-          <p:cNvPr id="4" name="Date Placeholder 3"/>
+            <a:endParaRPr lang="ru-RU"/>
+          </a:p>
+        </p:txBody>
+      </p:sp>
+      <p:sp>
+        <p:nvSpPr>
+          <p:cNvPr id="4" name="Дата 3"/>
           <p:cNvSpPr>
             <a:spLocks noGrp="1"/>
           </p:cNvSpPr>
@@ -1669,7 +1171,7 @@
           <a:p>
             <a:fld id="{8573CC29-160C-4E99-B16D-715435D6ABD6}" type="datetime1">
               <a:rPr lang="ru-RU" smtClean="0"/>
-              <a:t>09.12.2020</a:t>
+              <a:t>16.12.2020</a:t>
             </a:fld>
             <a:endParaRPr lang="ru-RU"/>
           </a:p>
@@ -1677,7 +1179,7 @@
       </p:sp>
       <p:sp>
         <p:nvSpPr>
-          <p:cNvPr id="5" name="Footer Placeholder 4"/>
+          <p:cNvPr id="5" name="Нижний колонтитул 4"/>
           <p:cNvSpPr>
             <a:spLocks noGrp="1"/>
           </p:cNvSpPr>
@@ -1696,7 +1198,7 @@
       </p:sp>
       <p:sp>
         <p:nvSpPr>
-          <p:cNvPr id="6" name="Slide Number Placeholder 5"/>
+          <p:cNvPr id="6" name="Номер слайда 5"/>
           <p:cNvSpPr>
             <a:spLocks noGrp="1"/>
           </p:cNvSpPr>
@@ -1718,6 +1220,11 @@
         </p:txBody>
       </p:sp>
     </p:spTree>
+    <p:extLst>
+      <p:ext uri="{BB962C8B-B14F-4D97-AF65-F5344CB8AC3E}">
+        <p14:creationId xmlns:p14="http://schemas.microsoft.com/office/powerpoint/2010/main" val="3038541114"/>
+      </p:ext>
+    </p:extLst>
   </p:cSld>
   <p:clrMapOvr>
     <a:masterClrMapping/>
@@ -1726,7 +1233,7 @@
 </file>
 
 <file path=ppt/slideLayouts/slideLayout3.xml><?xml version="1.0" encoding="utf-8"?>
-<p:sldLayout xmlns:a="http://schemas.openxmlformats.org/drawingml/2006/main" xmlns:r="http://schemas.openxmlformats.org/officeDocument/2006/relationships" xmlns:p="http://schemas.openxmlformats.org/presentationml/2006/main" showMasterSp="0" type="secHead" preserve="1">
+<p:sldLayout xmlns:a="http://schemas.openxmlformats.org/drawingml/2006/main" xmlns:r="http://schemas.openxmlformats.org/officeDocument/2006/relationships" xmlns:p="http://schemas.openxmlformats.org/presentationml/2006/main" type="secHead" preserve="1">
   <p:cSld name="Заголовок раздела">
     <p:spTree>
       <p:nvGrpSpPr>
@@ -1744,376 +1251,62 @@
       </p:grpSpPr>
       <p:sp>
         <p:nvSpPr>
-          <p:cNvPr id="7" name="Rectangle 6"/>
-          <p:cNvSpPr/>
-          <p:nvPr/>
+          <p:cNvPr id="2" name="Заголовок 1"/>
+          <p:cNvSpPr>
+            <a:spLocks noGrp="1"/>
+          </p:cNvSpPr>
+          <p:nvPr>
+            <p:ph type="title"/>
+          </p:nvPr>
         </p:nvSpPr>
         <p:spPr>
           <a:xfrm>
-            <a:off x="0" y="0"/>
-            <a:ext cx="9144000" cy="6858000"/>
+            <a:off x="722313" y="4406900"/>
+            <a:ext cx="7772400" cy="1362075"/>
           </a:xfrm>
-          <a:prstGeom prst="rect">
-            <a:avLst/>
-          </a:prstGeom>
-          <a:solidFill>
-            <a:srgbClr val="FFFFFF"/>
-          </a:solidFill>
-          <a:ln>
-            <a:noFill/>
-          </a:ln>
         </p:spPr>
-        <p:style>
-          <a:lnRef idx="2">
-            <a:schemeClr val="accent1">
-              <a:shade val="50000"/>
-            </a:schemeClr>
-          </a:lnRef>
-          <a:fillRef idx="1">
-            <a:schemeClr val="accent1"/>
-          </a:fillRef>
-          <a:effectRef idx="0">
-            <a:schemeClr val="accent1"/>
-          </a:effectRef>
-          <a:fontRef idx="minor">
-            <a:schemeClr val="lt1"/>
-          </a:fontRef>
-        </p:style>
-        <p:txBody>
-          <a:bodyPr rtlCol="0" anchor="ctr"/>
-          <a:lstStyle/>
-          <a:p>
-            <a:pPr algn="ctr"/>
-            <a:endParaRPr lang="en-US"/>
-          </a:p>
-        </p:txBody>
-      </p:sp>
-      <p:sp useBgFill="1">
-        <p:nvSpPr>
-          <p:cNvPr id="8" name="Rounded Rectangle 7"/>
-          <p:cNvSpPr/>
-          <p:nvPr/>
+        <p:txBody>
+          <a:bodyPr anchor="t"/>
+          <a:lstStyle>
+            <a:lvl1pPr algn="l">
+              <a:defRPr sz="4000" b="1" cap="all"/>
+            </a:lvl1pPr>
+          </a:lstStyle>
+          <a:p>
+            <a:r>
+              <a:rPr lang="ru-RU" smtClean="0"/>
+              <a:t>Образец заголовка</a:t>
+            </a:r>
+            <a:endParaRPr lang="ru-RU"/>
+          </a:p>
+        </p:txBody>
+      </p:sp>
+      <p:sp>
+        <p:nvSpPr>
+          <p:cNvPr id="3" name="Текст 2"/>
+          <p:cNvSpPr>
+            <a:spLocks noGrp="1"/>
+          </p:cNvSpPr>
+          <p:nvPr>
+            <p:ph type="body" idx="1"/>
+          </p:nvPr>
         </p:nvSpPr>
         <p:spPr>
           <a:xfrm>
-            <a:off x="91440" y="101600"/>
-            <a:ext cx="8961120" cy="6664960"/>
-          </a:xfrm>
-          <a:prstGeom prst="roundRect">
-            <a:avLst>
-              <a:gd name="adj" fmla="val 1735"/>
-            </a:avLst>
-          </a:prstGeom>
-          <a:ln w="12700" cmpd="sng">
-            <a:noFill/>
-          </a:ln>
-        </p:spPr>
-        <p:style>
-          <a:lnRef idx="2">
-            <a:schemeClr val="accent1">
-              <a:shade val="50000"/>
-            </a:schemeClr>
-          </a:lnRef>
-          <a:fillRef idx="1">
-            <a:schemeClr val="accent1"/>
-          </a:fillRef>
-          <a:effectRef idx="0">
-            <a:schemeClr val="accent1"/>
-          </a:effectRef>
-          <a:fontRef idx="minor">
-            <a:schemeClr val="lt1"/>
-          </a:fontRef>
-        </p:style>
-        <p:txBody>
-          <a:bodyPr rtlCol="0" anchor="ctr"/>
-          <a:lstStyle/>
-          <a:p>
-            <a:pPr algn="ctr"/>
-            <a:endParaRPr lang="en-US"/>
-          </a:p>
-        </p:txBody>
-      </p:sp>
-      <p:sp>
-        <p:nvSpPr>
-          <p:cNvPr id="4" name="Date Placeholder 3"/>
-          <p:cNvSpPr>
-            <a:spLocks noGrp="1"/>
-          </p:cNvSpPr>
-          <p:nvPr>
-            <p:ph type="dt" sz="half" idx="10"/>
-          </p:nvPr>
-        </p:nvSpPr>
-        <p:spPr/>
-        <p:txBody>
-          <a:bodyPr/>
-          <a:lstStyle/>
-          <a:p>
-            <a:fld id="{4396DE37-D703-4E9A-AD0B-DB690041543B}" type="datetime1">
-              <a:rPr lang="ru-RU" smtClean="0"/>
-              <a:t>09.12.2020</a:t>
-            </a:fld>
-            <a:endParaRPr lang="ru-RU"/>
-          </a:p>
-        </p:txBody>
-      </p:sp>
-      <p:sp>
-        <p:nvSpPr>
-          <p:cNvPr id="13" name="Rectangle 12"/>
-          <p:cNvSpPr/>
-          <p:nvPr/>
-        </p:nvSpPr>
-        <p:spPr>
-          <a:xfrm>
-            <a:off x="451976" y="2946400"/>
-            <a:ext cx="8265160" cy="2463800"/>
-          </a:xfrm>
-          <a:prstGeom prst="rect">
-            <a:avLst/>
-          </a:prstGeom>
-          <a:solidFill>
-            <a:srgbClr val="FFFFFF">
-              <a:alpha val="83000"/>
-            </a:srgbClr>
-          </a:solidFill>
-          <a:ln>
-            <a:noFill/>
-          </a:ln>
-          <a:effectLst>
-            <a:softEdge rad="12700"/>
-          </a:effectLst>
-        </p:spPr>
-        <p:style>
-          <a:lnRef idx="2">
-            <a:schemeClr val="accent1">
-              <a:shade val="50000"/>
-            </a:schemeClr>
-          </a:lnRef>
-          <a:fillRef idx="1">
-            <a:schemeClr val="accent1"/>
-          </a:fillRef>
-          <a:effectRef idx="0">
-            <a:schemeClr val="accent1"/>
-          </a:effectRef>
-          <a:fontRef idx="minor">
-            <a:schemeClr val="lt1"/>
-          </a:fontRef>
-        </p:style>
-        <p:txBody>
-          <a:bodyPr rtlCol="0" anchor="ctr"/>
-          <a:lstStyle/>
-          <a:p>
-            <a:pPr algn="ctr"/>
-            <a:endParaRPr lang="en-US"/>
-          </a:p>
-        </p:txBody>
-      </p:sp>
-      <p:sp>
-        <p:nvSpPr>
-          <p:cNvPr id="16" name="Rectangle 15"/>
-          <p:cNvSpPr/>
-          <p:nvPr/>
-        </p:nvSpPr>
-        <p:spPr>
-          <a:xfrm>
-            <a:off x="567656" y="3048000"/>
-            <a:ext cx="8033800" cy="2245359"/>
-          </a:xfrm>
-          <a:prstGeom prst="rect">
-            <a:avLst/>
-          </a:prstGeom>
-          <a:solidFill>
-            <a:srgbClr val="FFFFFF"/>
-          </a:solidFill>
-          <a:ln w="6350" cmpd="dbl">
-            <a:noFill/>
-          </a:ln>
-        </p:spPr>
-        <p:style>
-          <a:lnRef idx="2">
-            <a:schemeClr val="accent1">
-              <a:shade val="50000"/>
-            </a:schemeClr>
-          </a:lnRef>
-          <a:fillRef idx="1">
-            <a:schemeClr val="accent1"/>
-          </a:fillRef>
-          <a:effectRef idx="0">
-            <a:schemeClr val="accent1"/>
-          </a:effectRef>
-          <a:fontRef idx="minor">
-            <a:schemeClr val="lt1"/>
-          </a:fontRef>
-        </p:style>
-        <p:txBody>
-          <a:bodyPr rtlCol="0" anchor="ctr"/>
-          <a:lstStyle/>
-          <a:p>
-            <a:pPr algn="ctr"/>
-            <a:endParaRPr lang="en-US"/>
-          </a:p>
-        </p:txBody>
-      </p:sp>
-      <p:sp>
-        <p:nvSpPr>
-          <p:cNvPr id="5" name="Footer Placeholder 4"/>
-          <p:cNvSpPr>
-            <a:spLocks noGrp="1"/>
-          </p:cNvSpPr>
-          <p:nvPr>
-            <p:ph type="ftr" sz="quarter" idx="11"/>
-          </p:nvPr>
-        </p:nvSpPr>
-        <p:spPr/>
-        <p:txBody>
-          <a:bodyPr/>
-          <a:lstStyle/>
-          <a:p>
-            <a:endParaRPr lang="ru-RU"/>
-          </a:p>
-        </p:txBody>
-      </p:sp>
-      <p:sp>
-        <p:nvSpPr>
-          <p:cNvPr id="6" name="Slide Number Placeholder 5"/>
-          <p:cNvSpPr>
-            <a:spLocks noGrp="1"/>
-          </p:cNvSpPr>
-          <p:nvPr>
-            <p:ph type="sldNum" sz="quarter" idx="12"/>
-          </p:nvPr>
-        </p:nvSpPr>
-        <p:spPr/>
-        <p:txBody>
-          <a:bodyPr/>
-          <a:lstStyle/>
-          <a:p>
-            <a:fld id="{B19B0651-EE4F-4900-A07F-96A6BFA9D0F0}" type="slidenum">
-              <a:rPr lang="ru-RU" smtClean="0"/>
-              <a:t>‹#›</a:t>
-            </a:fld>
-            <a:endParaRPr lang="ru-RU"/>
-          </a:p>
-        </p:txBody>
-      </p:sp>
-      <p:sp>
-        <p:nvSpPr>
-          <p:cNvPr id="2" name="Title 1"/>
-          <p:cNvSpPr>
-            <a:spLocks noGrp="1"/>
-          </p:cNvSpPr>
-          <p:nvPr>
-            <p:ph type="title"/>
-          </p:nvPr>
-        </p:nvSpPr>
-        <p:spPr>
-          <a:xfrm>
-            <a:off x="736456" y="3200399"/>
-            <a:ext cx="7696200" cy="1295401"/>
+            <a:off x="722313" y="2906713"/>
+            <a:ext cx="7772400" cy="1500187"/>
           </a:xfrm>
         </p:spPr>
         <p:txBody>
-          <a:bodyPr anchor="b" anchorCtr="0">
-            <a:noAutofit/>
-          </a:bodyPr>
+          <a:bodyPr anchor="b"/>
           <a:lstStyle>
-            <a:lvl1pPr algn="ctr" defTabSz="914400" rtl="0" eaLnBrk="1" latinLnBrk="0" hangingPunct="1">
-              <a:spcBef>
-                <a:spcPct val="0"/>
-              </a:spcBef>
-              <a:buNone/>
-              <a:defRPr lang="en-US" sz="4000" kern="1200" cap="all" baseline="0" dirty="0">
-                <a:solidFill>
-                  <a:schemeClr val="accent1">
-                    <a:lumMod val="50000"/>
+            <a:lvl1pPr marL="0" indent="0">
+              <a:buNone/>
+              <a:defRPr sz="2000">
+                <a:solidFill>
+                  <a:schemeClr val="tx1">
+                    <a:tint val="75000"/>
                   </a:schemeClr>
-                </a:solidFill>
-                <a:latin typeface="+mj-lt"/>
-                <a:ea typeface="+mj-ea"/>
-                <a:cs typeface="+mj-cs"/>
-              </a:defRPr>
-            </a:lvl1pPr>
-          </a:lstStyle>
-          <a:p>
-            <a:r>
-              <a:rPr lang="ru-RU" smtClean="0"/>
-              <a:t>Образец заголовка</a:t>
-            </a:r>
-            <a:endParaRPr lang="en-US" dirty="0"/>
-          </a:p>
-        </p:txBody>
-      </p:sp>
-      <p:sp>
-        <p:nvSpPr>
-          <p:cNvPr id="15" name="Rectangle 14"/>
-          <p:cNvSpPr/>
-          <p:nvPr/>
-        </p:nvSpPr>
-        <p:spPr>
-          <a:xfrm>
-            <a:off x="675496" y="4541520"/>
-            <a:ext cx="7818120" cy="664367"/>
-          </a:xfrm>
-          <a:prstGeom prst="rect">
-            <a:avLst/>
-          </a:prstGeom>
-          <a:solidFill>
-            <a:schemeClr val="accent1"/>
-          </a:solidFill>
-          <a:ln w="6350">
-            <a:noFill/>
-          </a:ln>
-        </p:spPr>
-        <p:style>
-          <a:lnRef idx="2">
-            <a:schemeClr val="accent1">
-              <a:shade val="50000"/>
-            </a:schemeClr>
-          </a:lnRef>
-          <a:fillRef idx="1">
-            <a:schemeClr val="accent1"/>
-          </a:fillRef>
-          <a:effectRef idx="0">
-            <a:schemeClr val="accent1"/>
-          </a:effectRef>
-          <a:fontRef idx="minor">
-            <a:schemeClr val="lt1"/>
-          </a:fontRef>
-        </p:style>
-        <p:txBody>
-          <a:bodyPr rtlCol="0" anchor="ctr"/>
-          <a:lstStyle/>
-          <a:p>
-            <a:pPr algn="ctr"/>
-            <a:endParaRPr lang="en-US"/>
-          </a:p>
-        </p:txBody>
-      </p:sp>
-      <p:sp>
-        <p:nvSpPr>
-          <p:cNvPr id="3" name="Text Placeholder 2"/>
-          <p:cNvSpPr>
-            <a:spLocks noGrp="1"/>
-          </p:cNvSpPr>
-          <p:nvPr>
-            <p:ph type="body" idx="1"/>
-          </p:nvPr>
-        </p:nvSpPr>
-        <p:spPr>
-          <a:xfrm>
-            <a:off x="736456" y="4607510"/>
-            <a:ext cx="7696200" cy="523783"/>
-          </a:xfrm>
-        </p:spPr>
-        <p:txBody>
-          <a:bodyPr anchor="ctr">
-            <a:normAutofit/>
-          </a:bodyPr>
-          <a:lstStyle>
-            <a:lvl1pPr marL="0" indent="0" algn="ctr">
-              <a:buNone/>
-              <a:defRPr sz="2000" cap="all" spc="250" baseline="0">
-                <a:solidFill>
-                  <a:srgbClr val="FFFFFF"/>
                 </a:solidFill>
               </a:defRPr>
             </a:lvl1pPr>
@@ -2209,53 +1402,75 @@
       </p:sp>
       <p:sp>
         <p:nvSpPr>
-          <p:cNvPr id="14" name="Rectangle 13"/>
-          <p:cNvSpPr/>
-          <p:nvPr/>
-        </p:nvSpPr>
-        <p:spPr>
-          <a:xfrm>
-            <a:off x="675757" y="3124200"/>
-            <a:ext cx="7817599" cy="2077720"/>
-          </a:xfrm>
-          <a:prstGeom prst="rect">
-            <a:avLst/>
-          </a:prstGeom>
-          <a:noFill/>
-          <a:ln w="6350" cmpd="dbl">
-            <a:solidFill>
-              <a:schemeClr val="accent1">
-                <a:lumMod val="75000"/>
-              </a:schemeClr>
-            </a:solidFill>
-          </a:ln>
-        </p:spPr>
-        <p:style>
-          <a:lnRef idx="2">
-            <a:schemeClr val="accent1">
-              <a:shade val="50000"/>
-            </a:schemeClr>
-          </a:lnRef>
-          <a:fillRef idx="1">
-            <a:schemeClr val="accent1"/>
-          </a:fillRef>
-          <a:effectRef idx="0">
-            <a:schemeClr val="accent1"/>
-          </a:effectRef>
-          <a:fontRef idx="minor">
-            <a:schemeClr val="lt1"/>
-          </a:fontRef>
-        </p:style>
-        <p:txBody>
-          <a:bodyPr rtlCol="0" anchor="ctr"/>
-          <a:lstStyle/>
-          <a:p>
-            <a:pPr algn="ctr"/>
-            <a:endParaRPr lang="en-US"/>
+          <p:cNvPr id="4" name="Дата 3"/>
+          <p:cNvSpPr>
+            <a:spLocks noGrp="1"/>
+          </p:cNvSpPr>
+          <p:nvPr>
+            <p:ph type="dt" sz="half" idx="10"/>
+          </p:nvPr>
+        </p:nvSpPr>
+        <p:spPr/>
+        <p:txBody>
+          <a:bodyPr/>
+          <a:lstStyle/>
+          <a:p>
+            <a:fld id="{4396DE37-D703-4E9A-AD0B-DB690041543B}" type="datetime1">
+              <a:rPr lang="ru-RU" smtClean="0"/>
+              <a:t>16.12.2020</a:t>
+            </a:fld>
+            <a:endParaRPr lang="ru-RU"/>
+          </a:p>
+        </p:txBody>
+      </p:sp>
+      <p:sp>
+        <p:nvSpPr>
+          <p:cNvPr id="5" name="Нижний колонтитул 4"/>
+          <p:cNvSpPr>
+            <a:spLocks noGrp="1"/>
+          </p:cNvSpPr>
+          <p:nvPr>
+            <p:ph type="ftr" sz="quarter" idx="11"/>
+          </p:nvPr>
+        </p:nvSpPr>
+        <p:spPr/>
+        <p:txBody>
+          <a:bodyPr/>
+          <a:lstStyle/>
+          <a:p>
+            <a:endParaRPr lang="ru-RU"/>
+          </a:p>
+        </p:txBody>
+      </p:sp>
+      <p:sp>
+        <p:nvSpPr>
+          <p:cNvPr id="6" name="Номер слайда 5"/>
+          <p:cNvSpPr>
+            <a:spLocks noGrp="1"/>
+          </p:cNvSpPr>
+          <p:nvPr>
+            <p:ph type="sldNum" sz="quarter" idx="12"/>
+          </p:nvPr>
+        </p:nvSpPr>
+        <p:spPr/>
+        <p:txBody>
+          <a:bodyPr/>
+          <a:lstStyle/>
+          <a:p>
+            <a:fld id="{B19B0651-EE4F-4900-A07F-96A6BFA9D0F0}" type="slidenum">
+              <a:rPr lang="ru-RU" smtClean="0"/>
+              <a:t>‹#›</a:t>
+            </a:fld>
+            <a:endParaRPr lang="ru-RU"/>
           </a:p>
         </p:txBody>
       </p:sp>
     </p:spTree>
+    <p:extLst>
+      <p:ext uri="{BB962C8B-B14F-4D97-AF65-F5344CB8AC3E}">
+        <p14:creationId xmlns:p14="http://schemas.microsoft.com/office/powerpoint/2010/main" val="2053171069"/>
+      </p:ext>
+    </p:extLst>
   </p:cSld>
   <p:clrMapOvr>
     <a:masterClrMapping/>
@@ -2282,46 +1497,41 @@
       </p:grpSpPr>
       <p:sp>
         <p:nvSpPr>
-          <p:cNvPr id="2" name="Title 1"/>
+          <p:cNvPr id="2" name="Заголовок 1"/>
           <p:cNvSpPr>
             <a:spLocks noGrp="1"/>
           </p:cNvSpPr>
           <p:nvPr>
             <p:ph type="title"/>
+          </p:nvPr>
+        </p:nvSpPr>
+        <p:spPr/>
+        <p:txBody>
+          <a:bodyPr/>
+          <a:lstStyle/>
+          <a:p>
+            <a:r>
+              <a:rPr lang="ru-RU" smtClean="0"/>
+              <a:t>Образец заголовка</a:t>
+            </a:r>
+            <a:endParaRPr lang="ru-RU"/>
+          </a:p>
+        </p:txBody>
+      </p:sp>
+      <p:sp>
+        <p:nvSpPr>
+          <p:cNvPr id="3" name="Объект 2"/>
+          <p:cNvSpPr>
+            <a:spLocks noGrp="1"/>
+          </p:cNvSpPr>
+          <p:nvPr>
+            <p:ph sz="half" idx="1"/>
           </p:nvPr>
         </p:nvSpPr>
         <p:spPr>
           <a:xfrm>
-            <a:off x="426128" y="408372"/>
-            <a:ext cx="8260672" cy="1039427"/>
-          </a:xfrm>
-        </p:spPr>
-        <p:txBody>
-          <a:bodyPr/>
-          <a:lstStyle/>
-          <a:p>
-            <a:r>
-              <a:rPr lang="ru-RU" smtClean="0"/>
-              <a:t>Образец заголовка</a:t>
-            </a:r>
-            <a:endParaRPr lang="en-US"/>
-          </a:p>
-        </p:txBody>
-      </p:sp>
-      <p:sp>
-        <p:nvSpPr>
-          <p:cNvPr id="3" name="Content Placeholder 2"/>
-          <p:cNvSpPr>
-            <a:spLocks noGrp="1"/>
-          </p:cNvSpPr>
-          <p:nvPr>
-            <p:ph sz="half" idx="1"/>
-          </p:nvPr>
-        </p:nvSpPr>
-        <p:spPr>
-          <a:xfrm>
-            <a:off x="426128" y="1719071"/>
-            <a:ext cx="4038600" cy="4407408"/>
+            <a:off x="457200" y="1600200"/>
+            <a:ext cx="4038600" cy="4525963"/>
           </a:xfrm>
         </p:spPr>
         <p:txBody>
@@ -2389,13 +1599,13 @@
               <a:rPr lang="ru-RU" smtClean="0"/>
               <a:t>Пятый уровень</a:t>
             </a:r>
-            <a:endParaRPr lang="en-US" dirty="0"/>
-          </a:p>
-        </p:txBody>
-      </p:sp>
-      <p:sp>
-        <p:nvSpPr>
-          <p:cNvPr id="4" name="Content Placeholder 3"/>
+            <a:endParaRPr lang="ru-RU"/>
+          </a:p>
+        </p:txBody>
+      </p:sp>
+      <p:sp>
+        <p:nvSpPr>
+          <p:cNvPr id="4" name="Объект 3"/>
           <p:cNvSpPr>
             <a:spLocks noGrp="1"/>
           </p:cNvSpPr>
@@ -2405,8 +1615,8 @@
         </p:nvSpPr>
         <p:spPr>
           <a:xfrm>
-            <a:off x="4648200" y="1719071"/>
-            <a:ext cx="4038600" cy="4407408"/>
+            <a:off x="4648200" y="1600200"/>
+            <a:ext cx="4038600" cy="4525963"/>
           </a:xfrm>
         </p:spPr>
         <p:txBody>
@@ -2474,13 +1684,13 @@
               <a:rPr lang="ru-RU" smtClean="0"/>
               <a:t>Пятый уровень</a:t>
             </a:r>
-            <a:endParaRPr lang="en-US" dirty="0"/>
-          </a:p>
-        </p:txBody>
-      </p:sp>
-      <p:sp>
-        <p:nvSpPr>
-          <p:cNvPr id="5" name="Date Placeholder 4"/>
+            <a:endParaRPr lang="ru-RU"/>
+          </a:p>
+        </p:txBody>
+      </p:sp>
+      <p:sp>
+        <p:nvSpPr>
+          <p:cNvPr id="5" name="Дата 4"/>
           <p:cNvSpPr>
             <a:spLocks noGrp="1"/>
           </p:cNvSpPr>
@@ -2495,7 +1705,7 @@
           <a:p>
             <a:fld id="{09B432BF-57F0-4439-9125-CE4D38F923F6}" type="datetime1">
               <a:rPr lang="ru-RU" smtClean="0"/>
-              <a:t>09.12.2020</a:t>
+              <a:t>16.12.2020</a:t>
             </a:fld>
             <a:endParaRPr lang="ru-RU"/>
           </a:p>
@@ -2503,7 +1713,7 @@
       </p:sp>
       <p:sp>
         <p:nvSpPr>
-          <p:cNvPr id="6" name="Footer Placeholder 5"/>
+          <p:cNvPr id="6" name="Нижний колонтитул 5"/>
           <p:cNvSpPr>
             <a:spLocks noGrp="1"/>
           </p:cNvSpPr>
@@ -2522,7 +1732,7 @@
       </p:sp>
       <p:sp>
         <p:nvSpPr>
-          <p:cNvPr id="7" name="Slide Number Placeholder 6"/>
+          <p:cNvPr id="7" name="Номер слайда 6"/>
           <p:cNvSpPr>
             <a:spLocks noGrp="1"/>
           </p:cNvSpPr>
@@ -2544,6 +1754,11 @@
         </p:txBody>
       </p:sp>
     </p:spTree>
+    <p:extLst>
+      <p:ext uri="{BB962C8B-B14F-4D97-AF65-F5344CB8AC3E}">
+        <p14:creationId xmlns:p14="http://schemas.microsoft.com/office/powerpoint/2010/main" val="2095257501"/>
+      </p:ext>
+    </p:extLst>
   </p:cSld>
   <p:clrMapOvr>
     <a:masterClrMapping/>
@@ -2570,7 +1785,7 @@
       </p:grpSpPr>
       <p:sp>
         <p:nvSpPr>
-          <p:cNvPr id="2" name="Title 1"/>
+          <p:cNvPr id="2" name="Заголовок 1"/>
           <p:cNvSpPr>
             <a:spLocks noGrp="1"/>
           </p:cNvSpPr>
@@ -2578,12 +1793,7 @@
             <p:ph type="title"/>
           </p:nvPr>
         </p:nvSpPr>
-        <p:spPr>
-          <a:xfrm>
-            <a:off x="426128" y="408372"/>
-            <a:ext cx="8260672" cy="1039427"/>
-          </a:xfrm>
-        </p:spPr>
+        <p:spPr/>
         <p:txBody>
           <a:bodyPr/>
           <a:lstStyle>
@@ -2596,13 +1806,13 @@
               <a:rPr lang="ru-RU" smtClean="0"/>
               <a:t>Образец заголовка</a:t>
             </a:r>
-            <a:endParaRPr lang="en-US"/>
-          </a:p>
-        </p:txBody>
-      </p:sp>
-      <p:sp>
-        <p:nvSpPr>
-          <p:cNvPr id="3" name="Text Placeholder 2"/>
+            <a:endParaRPr lang="ru-RU"/>
+          </a:p>
+        </p:txBody>
+      </p:sp>
+      <p:sp>
+        <p:nvSpPr>
+          <p:cNvPr id="3" name="Текст 2"/>
           <p:cNvSpPr>
             <a:spLocks noGrp="1"/>
           </p:cNvSpPr>
@@ -2612,18 +1822,16 @@
         </p:nvSpPr>
         <p:spPr>
           <a:xfrm>
-            <a:off x="426128" y="1722438"/>
+            <a:off x="457200" y="1535113"/>
             <a:ext cx="4040188" cy="639762"/>
           </a:xfrm>
         </p:spPr>
         <p:txBody>
-          <a:bodyPr anchor="b">
-            <a:noAutofit/>
-          </a:bodyPr>
+          <a:bodyPr anchor="b"/>
           <a:lstStyle>
-            <a:lvl1pPr marL="0" indent="0" algn="ctr">
-              <a:buNone/>
-              <a:defRPr sz="2200" b="1"/>
+            <a:lvl1pPr marL="0" indent="0">
+              <a:buNone/>
+              <a:defRPr sz="2400" b="1"/>
             </a:lvl1pPr>
             <a:lvl2pPr marL="457200" indent="0">
               <a:buNone/>
@@ -2669,7 +1877,7 @@
       </p:sp>
       <p:sp>
         <p:nvSpPr>
-          <p:cNvPr id="4" name="Content Placeholder 3"/>
+          <p:cNvPr id="4" name="Объект 3"/>
           <p:cNvSpPr>
             <a:spLocks noGrp="1"/>
           </p:cNvSpPr>
@@ -2679,8 +1887,8 @@
         </p:nvSpPr>
         <p:spPr>
           <a:xfrm>
-            <a:off x="426128" y="2438400"/>
-            <a:ext cx="4040188" cy="3687762"/>
+            <a:off x="457200" y="2174875"/>
+            <a:ext cx="4040188" cy="3951288"/>
           </a:xfrm>
         </p:spPr>
         <p:txBody>
@@ -2748,13 +1956,13 @@
               <a:rPr lang="ru-RU" smtClean="0"/>
               <a:t>Пятый уровень</a:t>
             </a:r>
-            <a:endParaRPr lang="en-US" dirty="0"/>
-          </a:p>
-        </p:txBody>
-      </p:sp>
-      <p:sp>
-        <p:nvSpPr>
-          <p:cNvPr id="5" name="Text Placeholder 4"/>
+            <a:endParaRPr lang="ru-RU"/>
+          </a:p>
+        </p:txBody>
+      </p:sp>
+      <p:sp>
+        <p:nvSpPr>
+          <p:cNvPr id="5" name="Текст 4"/>
           <p:cNvSpPr>
             <a:spLocks noGrp="1"/>
           </p:cNvSpPr>
@@ -2764,18 +1972,16 @@
         </p:nvSpPr>
         <p:spPr>
           <a:xfrm>
-            <a:off x="4645025" y="1722438"/>
+            <a:off x="4645025" y="1535113"/>
             <a:ext cx="4041775" cy="639762"/>
           </a:xfrm>
         </p:spPr>
         <p:txBody>
-          <a:bodyPr anchor="b">
-            <a:noAutofit/>
-          </a:bodyPr>
+          <a:bodyPr anchor="b"/>
           <a:lstStyle>
-            <a:lvl1pPr marL="0" indent="0" algn="ctr">
-              <a:buNone/>
-              <a:defRPr sz="2200" b="1"/>
+            <a:lvl1pPr marL="0" indent="0">
+              <a:buNone/>
+              <a:defRPr sz="2400" b="1"/>
             </a:lvl1pPr>
             <a:lvl2pPr marL="457200" indent="0">
               <a:buNone/>
@@ -2821,7 +2027,7 @@
       </p:sp>
       <p:sp>
         <p:nvSpPr>
-          <p:cNvPr id="6" name="Content Placeholder 5"/>
+          <p:cNvPr id="6" name="Объект 5"/>
           <p:cNvSpPr>
             <a:spLocks noGrp="1"/>
           </p:cNvSpPr>
@@ -2831,8 +2037,8 @@
         </p:nvSpPr>
         <p:spPr>
           <a:xfrm>
-            <a:off x="4645025" y="2438400"/>
-            <a:ext cx="4041775" cy="3687762"/>
+            <a:off x="4645025" y="2174875"/>
+            <a:ext cx="4041775" cy="3951288"/>
           </a:xfrm>
         </p:spPr>
         <p:txBody>
@@ -2900,13 +2106,13 @@
               <a:rPr lang="ru-RU" smtClean="0"/>
               <a:t>Пятый уровень</a:t>
             </a:r>
-            <a:endParaRPr lang="en-US" dirty="0"/>
-          </a:p>
-        </p:txBody>
-      </p:sp>
-      <p:sp>
-        <p:nvSpPr>
-          <p:cNvPr id="7" name="Date Placeholder 6"/>
+            <a:endParaRPr lang="ru-RU"/>
+          </a:p>
+        </p:txBody>
+      </p:sp>
+      <p:sp>
+        <p:nvSpPr>
+          <p:cNvPr id="7" name="Дата 6"/>
           <p:cNvSpPr>
             <a:spLocks noGrp="1"/>
           </p:cNvSpPr>
@@ -2921,7 +2127,7 @@
           <a:p>
             <a:fld id="{1E010D2A-360E-42C7-8E77-7CA181391665}" type="datetime1">
               <a:rPr lang="ru-RU" smtClean="0"/>
-              <a:t>09.12.2020</a:t>
+              <a:t>16.12.2020</a:t>
             </a:fld>
             <a:endParaRPr lang="ru-RU"/>
           </a:p>
@@ -2929,7 +2135,7 @@
       </p:sp>
       <p:sp>
         <p:nvSpPr>
-          <p:cNvPr id="8" name="Footer Placeholder 7"/>
+          <p:cNvPr id="8" name="Нижний колонтитул 7"/>
           <p:cNvSpPr>
             <a:spLocks noGrp="1"/>
           </p:cNvSpPr>
@@ -2948,7 +2154,7 @@
       </p:sp>
       <p:sp>
         <p:nvSpPr>
-          <p:cNvPr id="9" name="Slide Number Placeholder 8"/>
+          <p:cNvPr id="9" name="Номер слайда 8"/>
           <p:cNvSpPr>
             <a:spLocks noGrp="1"/>
           </p:cNvSpPr>
@@ -2970,6 +2176,11 @@
         </p:txBody>
       </p:sp>
     </p:spTree>
+    <p:extLst>
+      <p:ext uri="{BB962C8B-B14F-4D97-AF65-F5344CB8AC3E}">
+        <p14:creationId xmlns:p14="http://schemas.microsoft.com/office/powerpoint/2010/main" val="1630617249"/>
+      </p:ext>
+    </p:extLst>
   </p:cSld>
   <p:clrMapOvr>
     <a:masterClrMapping/>
@@ -2996,7 +2207,7 @@
       </p:grpSpPr>
       <p:sp>
         <p:nvSpPr>
-          <p:cNvPr id="2" name="Title 1"/>
+          <p:cNvPr id="2" name="Заголовок 1"/>
           <p:cNvSpPr>
             <a:spLocks noGrp="1"/>
           </p:cNvSpPr>
@@ -3013,13 +2224,13 @@
               <a:rPr lang="ru-RU" smtClean="0"/>
               <a:t>Образец заголовка</a:t>
             </a:r>
-            <a:endParaRPr lang="en-US"/>
-          </a:p>
-        </p:txBody>
-      </p:sp>
-      <p:sp>
-        <p:nvSpPr>
-          <p:cNvPr id="3" name="Date Placeholder 2"/>
+            <a:endParaRPr lang="ru-RU"/>
+          </a:p>
+        </p:txBody>
+      </p:sp>
+      <p:sp>
+        <p:nvSpPr>
+          <p:cNvPr id="3" name="Дата 2"/>
           <p:cNvSpPr>
             <a:spLocks noGrp="1"/>
           </p:cNvSpPr>
@@ -3034,7 +2245,7 @@
           <a:p>
             <a:fld id="{23299AEF-A6CB-4CC2-8836-F18D218FDA29}" type="datetime1">
               <a:rPr lang="ru-RU" smtClean="0"/>
-              <a:t>09.12.2020</a:t>
+              <a:t>16.12.2020</a:t>
             </a:fld>
             <a:endParaRPr lang="ru-RU"/>
           </a:p>
@@ -3042,7 +2253,7 @@
       </p:sp>
       <p:sp>
         <p:nvSpPr>
-          <p:cNvPr id="4" name="Footer Placeholder 3"/>
+          <p:cNvPr id="4" name="Нижний колонтитул 3"/>
           <p:cNvSpPr>
             <a:spLocks noGrp="1"/>
           </p:cNvSpPr>
@@ -3061,7 +2272,7 @@
       </p:sp>
       <p:sp>
         <p:nvSpPr>
-          <p:cNvPr id="5" name="Slide Number Placeholder 4"/>
+          <p:cNvPr id="5" name="Номер слайда 4"/>
           <p:cNvSpPr>
             <a:spLocks noGrp="1"/>
           </p:cNvSpPr>
@@ -3083,6 +2294,11 @@
         </p:txBody>
       </p:sp>
     </p:spTree>
+    <p:extLst>
+      <p:ext uri="{BB962C8B-B14F-4D97-AF65-F5344CB8AC3E}">
+        <p14:creationId xmlns:p14="http://schemas.microsoft.com/office/powerpoint/2010/main" val="1037248446"/>
+      </p:ext>
+    </p:extLst>
   </p:cSld>
   <p:clrMapOvr>
     <a:masterClrMapping/>
@@ -3091,7 +2307,7 @@
 </file>
 
 <file path=ppt/slideLayouts/slideLayout7.xml><?xml version="1.0" encoding="utf-8"?>
-<p:sldLayout xmlns:a="http://schemas.openxmlformats.org/drawingml/2006/main" xmlns:r="http://schemas.openxmlformats.org/officeDocument/2006/relationships" xmlns:p="http://schemas.openxmlformats.org/presentationml/2006/main" showMasterSp="0" type="blank" preserve="1">
+<p:sldLayout xmlns:a="http://schemas.openxmlformats.org/drawingml/2006/main" xmlns:r="http://schemas.openxmlformats.org/officeDocument/2006/relationships" xmlns:p="http://schemas.openxmlformats.org/presentationml/2006/main" type="blank" preserve="1">
   <p:cSld name="Пустой слайд">
     <p:spTree>
       <p:nvGrpSpPr>
@@ -3109,98 +2325,7 @@
       </p:grpSpPr>
       <p:sp>
         <p:nvSpPr>
-          <p:cNvPr id="5" name="Rectangle 4"/>
-          <p:cNvSpPr/>
-          <p:nvPr/>
-        </p:nvSpPr>
-        <p:spPr>
-          <a:xfrm>
-            <a:off x="0" y="0"/>
-            <a:ext cx="9144000" cy="6858000"/>
-          </a:xfrm>
-          <a:prstGeom prst="rect">
-            <a:avLst/>
-          </a:prstGeom>
-          <a:solidFill>
-            <a:srgbClr val="FFFFFF"/>
-          </a:solidFill>
-          <a:ln>
-            <a:noFill/>
-          </a:ln>
-        </p:spPr>
-        <p:style>
-          <a:lnRef idx="2">
-            <a:schemeClr val="accent1">
-              <a:shade val="50000"/>
-            </a:schemeClr>
-          </a:lnRef>
-          <a:fillRef idx="1">
-            <a:schemeClr val="accent1"/>
-          </a:fillRef>
-          <a:effectRef idx="0">
-            <a:schemeClr val="accent1"/>
-          </a:effectRef>
-          <a:fontRef idx="minor">
-            <a:schemeClr val="lt1"/>
-          </a:fontRef>
-        </p:style>
-        <p:txBody>
-          <a:bodyPr rtlCol="0" anchor="ctr"/>
-          <a:lstStyle/>
-          <a:p>
-            <a:pPr algn="ctr"/>
-            <a:endParaRPr lang="en-US"/>
-          </a:p>
-        </p:txBody>
-      </p:sp>
-      <p:sp useBgFill="1">
-        <p:nvSpPr>
-          <p:cNvPr id="11" name="Rounded Rectangle 10"/>
-          <p:cNvSpPr/>
-          <p:nvPr/>
-        </p:nvSpPr>
-        <p:spPr>
-          <a:xfrm>
-            <a:off x="91440" y="101600"/>
-            <a:ext cx="8961120" cy="6664960"/>
-          </a:xfrm>
-          <a:prstGeom prst="roundRect">
-            <a:avLst>
-              <a:gd name="adj" fmla="val 1735"/>
-            </a:avLst>
-          </a:prstGeom>
-          <a:ln w="12700" cmpd="sng">
-            <a:noFill/>
-          </a:ln>
-        </p:spPr>
-        <p:style>
-          <a:lnRef idx="2">
-            <a:schemeClr val="accent1">
-              <a:shade val="50000"/>
-            </a:schemeClr>
-          </a:lnRef>
-          <a:fillRef idx="1">
-            <a:schemeClr val="accent1"/>
-          </a:fillRef>
-          <a:effectRef idx="0">
-            <a:schemeClr val="accent1"/>
-          </a:effectRef>
-          <a:fontRef idx="minor">
-            <a:schemeClr val="lt1"/>
-          </a:fontRef>
-        </p:style>
-        <p:txBody>
-          <a:bodyPr rtlCol="0" anchor="ctr"/>
-          <a:lstStyle/>
-          <a:p>
-            <a:pPr algn="ctr"/>
-            <a:endParaRPr lang="en-US"/>
-          </a:p>
-        </p:txBody>
-      </p:sp>
-      <p:sp>
-        <p:nvSpPr>
-          <p:cNvPr id="2" name="Date Placeholder 1"/>
+          <p:cNvPr id="2" name="Дата 1"/>
           <p:cNvSpPr>
             <a:spLocks noGrp="1"/>
           </p:cNvSpPr>
@@ -3215,7 +2340,7 @@
           <a:p>
             <a:fld id="{3A9F936A-5AFC-41AC-A70F-4CFD24D4AE65}" type="datetime1">
               <a:rPr lang="ru-RU" smtClean="0"/>
-              <a:t>09.12.2020</a:t>
+              <a:t>16.12.2020</a:t>
             </a:fld>
             <a:endParaRPr lang="ru-RU"/>
           </a:p>
@@ -3223,7 +2348,7 @@
       </p:sp>
       <p:sp>
         <p:nvSpPr>
-          <p:cNvPr id="3" name="Footer Placeholder 2"/>
+          <p:cNvPr id="3" name="Нижний колонтитул 2"/>
           <p:cNvSpPr>
             <a:spLocks noGrp="1"/>
           </p:cNvSpPr>
@@ -3242,7 +2367,7 @@
       </p:sp>
       <p:sp>
         <p:nvSpPr>
-          <p:cNvPr id="4" name="Slide Number Placeholder 3"/>
+          <p:cNvPr id="4" name="Номер слайда 3"/>
           <p:cNvSpPr>
             <a:spLocks noGrp="1"/>
           </p:cNvSpPr>
@@ -3264,6 +2389,11 @@
         </p:txBody>
       </p:sp>
     </p:spTree>
+    <p:extLst>
+      <p:ext uri="{BB962C8B-B14F-4D97-AF65-F5344CB8AC3E}">
+        <p14:creationId xmlns:p14="http://schemas.microsoft.com/office/powerpoint/2010/main" val="2372205340"/>
+      </p:ext>
+    </p:extLst>
   </p:cSld>
   <p:clrMapOvr>
     <a:masterClrMapping/>
@@ -3272,7 +2402,7 @@
 </file>
 
 <file path=ppt/slideLayouts/slideLayout8.xml><?xml version="1.0" encoding="utf-8"?>
-<p:sldLayout xmlns:a="http://schemas.openxmlformats.org/drawingml/2006/main" xmlns:r="http://schemas.openxmlformats.org/officeDocument/2006/relationships" xmlns:p="http://schemas.openxmlformats.org/presentationml/2006/main" showMasterSp="0" type="objTx" preserve="1">
+<p:sldLayout xmlns:a="http://schemas.openxmlformats.org/drawingml/2006/main" xmlns:r="http://schemas.openxmlformats.org/officeDocument/2006/relationships" xmlns:p="http://schemas.openxmlformats.org/presentationml/2006/main" type="objTx" preserve="1">
   <p:cSld name="Объект с подписью">
     <p:spTree>
       <p:nvGrpSpPr>
@@ -3290,109 +2420,50 @@
       </p:grpSpPr>
       <p:sp>
         <p:nvSpPr>
-          <p:cNvPr id="11" name="Rectangle 10"/>
-          <p:cNvSpPr/>
-          <p:nvPr/>
+          <p:cNvPr id="2" name="Заголовок 1"/>
+          <p:cNvSpPr>
+            <a:spLocks noGrp="1"/>
+          </p:cNvSpPr>
+          <p:nvPr>
+            <p:ph type="title"/>
+          </p:nvPr>
         </p:nvSpPr>
         <p:spPr>
           <a:xfrm>
-            <a:off x="0" y="0"/>
-            <a:ext cx="9144000" cy="6858000"/>
+            <a:off x="457200" y="273050"/>
+            <a:ext cx="3008313" cy="1162050"/>
           </a:xfrm>
-          <a:prstGeom prst="rect">
-            <a:avLst/>
-          </a:prstGeom>
-          <a:solidFill>
-            <a:srgbClr val="FFFFFF"/>
-          </a:solidFill>
-          <a:ln>
-            <a:noFill/>
-          </a:ln>
         </p:spPr>
-        <p:style>
-          <a:lnRef idx="2">
-            <a:schemeClr val="accent1">
-              <a:shade val="50000"/>
-            </a:schemeClr>
-          </a:lnRef>
-          <a:fillRef idx="1">
-            <a:schemeClr val="accent1"/>
-          </a:fillRef>
-          <a:effectRef idx="0">
-            <a:schemeClr val="accent1"/>
-          </a:effectRef>
-          <a:fontRef idx="minor">
-            <a:schemeClr val="lt1"/>
-          </a:fontRef>
-        </p:style>
-        <p:txBody>
-          <a:bodyPr rtlCol="0" anchor="ctr"/>
-          <a:lstStyle/>
-          <a:p>
-            <a:pPr algn="ctr"/>
-            <a:endParaRPr lang="en-US"/>
-          </a:p>
-        </p:txBody>
-      </p:sp>
-      <p:sp useBgFill="1">
-        <p:nvSpPr>
-          <p:cNvPr id="12" name="Rounded Rectangle 11"/>
-          <p:cNvSpPr/>
-          <p:nvPr/>
+        <p:txBody>
+          <a:bodyPr anchor="b"/>
+          <a:lstStyle>
+            <a:lvl1pPr algn="l">
+              <a:defRPr sz="2000" b="1"/>
+            </a:lvl1pPr>
+          </a:lstStyle>
+          <a:p>
+            <a:r>
+              <a:rPr lang="ru-RU" smtClean="0"/>
+              <a:t>Образец заголовка</a:t>
+            </a:r>
+            <a:endParaRPr lang="ru-RU"/>
+          </a:p>
+        </p:txBody>
+      </p:sp>
+      <p:sp>
+        <p:nvSpPr>
+          <p:cNvPr id="3" name="Объект 2"/>
+          <p:cNvSpPr>
+            <a:spLocks noGrp="1"/>
+          </p:cNvSpPr>
+          <p:nvPr>
+            <p:ph idx="1"/>
+          </p:nvPr>
         </p:nvSpPr>
         <p:spPr>
           <a:xfrm>
-            <a:off x="91440" y="101600"/>
-            <a:ext cx="8961120" cy="6664960"/>
-          </a:xfrm>
-          <a:prstGeom prst="roundRect">
-            <a:avLst>
-              <a:gd name="adj" fmla="val 1735"/>
-            </a:avLst>
-          </a:prstGeom>
-          <a:ln w="12700" cmpd="sng">
-            <a:noFill/>
-          </a:ln>
-        </p:spPr>
-        <p:style>
-          <a:lnRef idx="2">
-            <a:schemeClr val="accent1">
-              <a:shade val="50000"/>
-            </a:schemeClr>
-          </a:lnRef>
-          <a:fillRef idx="1">
-            <a:schemeClr val="accent1"/>
-          </a:fillRef>
-          <a:effectRef idx="0">
-            <a:schemeClr val="accent1"/>
-          </a:effectRef>
-          <a:fontRef idx="minor">
-            <a:schemeClr val="lt1"/>
-          </a:fontRef>
-        </p:style>
-        <p:txBody>
-          <a:bodyPr rtlCol="0" anchor="ctr"/>
-          <a:lstStyle/>
-          <a:p>
-            <a:pPr algn="ctr"/>
-            <a:endParaRPr lang="en-US"/>
-          </a:p>
-        </p:txBody>
-      </p:sp>
-      <p:sp>
-        <p:nvSpPr>
-          <p:cNvPr id="3" name="Content Placeholder 2"/>
-          <p:cNvSpPr>
-            <a:spLocks noGrp="1"/>
-          </p:cNvSpPr>
-          <p:nvPr>
-            <p:ph idx="1"/>
-          </p:nvPr>
-        </p:nvSpPr>
-        <p:spPr>
-          <a:xfrm>
-            <a:off x="3886200" y="685800"/>
-            <a:ext cx="4572000" cy="5257802"/>
+            <a:off x="3575050" y="273050"/>
+            <a:ext cx="5111750" cy="5853113"/>
           </a:xfrm>
         </p:spPr>
         <p:txBody>
@@ -3460,207 +2531,32 @@
               <a:rPr lang="ru-RU" smtClean="0"/>
               <a:t>Пятый уровень</a:t>
             </a:r>
-            <a:endParaRPr lang="en-US" dirty="0"/>
-          </a:p>
-        </p:txBody>
-      </p:sp>
-      <p:sp>
-        <p:nvSpPr>
-          <p:cNvPr id="5" name="Date Placeholder 4"/>
-          <p:cNvSpPr>
-            <a:spLocks noGrp="1"/>
-          </p:cNvSpPr>
-          <p:nvPr>
-            <p:ph type="dt" sz="half" idx="10"/>
-          </p:nvPr>
-        </p:nvSpPr>
-        <p:spPr/>
-        <p:txBody>
-          <a:bodyPr/>
-          <a:lstStyle/>
-          <a:p>
-            <a:fld id="{CE374C67-A294-4FBA-BD68-BF2C6C0BD725}" type="datetime1">
-              <a:rPr lang="ru-RU" smtClean="0"/>
-              <a:t>09.12.2020</a:t>
-            </a:fld>
-            <a:endParaRPr lang="ru-RU"/>
-          </a:p>
-        </p:txBody>
-      </p:sp>
-      <p:sp>
-        <p:nvSpPr>
-          <p:cNvPr id="6" name="Footer Placeholder 5"/>
-          <p:cNvSpPr>
-            <a:spLocks noGrp="1"/>
-          </p:cNvSpPr>
-          <p:nvPr>
-            <p:ph type="ftr" sz="quarter" idx="11"/>
-          </p:nvPr>
-        </p:nvSpPr>
-        <p:spPr/>
-        <p:txBody>
-          <a:bodyPr/>
-          <a:lstStyle/>
-          <a:p>
-            <a:endParaRPr lang="ru-RU"/>
-          </a:p>
-        </p:txBody>
-      </p:sp>
-      <p:sp>
-        <p:nvSpPr>
-          <p:cNvPr id="7" name="Slide Number Placeholder 6"/>
-          <p:cNvSpPr>
-            <a:spLocks noGrp="1"/>
-          </p:cNvSpPr>
-          <p:nvPr>
-            <p:ph type="sldNum" sz="quarter" idx="12"/>
-          </p:nvPr>
-        </p:nvSpPr>
-        <p:spPr/>
-        <p:txBody>
-          <a:bodyPr/>
-          <a:lstStyle/>
-          <a:p>
-            <a:fld id="{B19B0651-EE4F-4900-A07F-96A6BFA9D0F0}" type="slidenum">
-              <a:rPr lang="ru-RU" smtClean="0"/>
-              <a:t>‹#›</a:t>
-            </a:fld>
-            <a:endParaRPr lang="ru-RU"/>
-          </a:p>
-        </p:txBody>
-      </p:sp>
-      <p:sp>
-        <p:nvSpPr>
-          <p:cNvPr id="8" name="Rectangle 7"/>
-          <p:cNvSpPr/>
-          <p:nvPr/>
+            <a:endParaRPr lang="ru-RU"/>
+          </a:p>
+        </p:txBody>
+      </p:sp>
+      <p:sp>
+        <p:nvSpPr>
+          <p:cNvPr id="4" name="Текст 3"/>
+          <p:cNvSpPr>
+            <a:spLocks noGrp="1"/>
+          </p:cNvSpPr>
+          <p:nvPr>
+            <p:ph type="body" sz="half" idx="2"/>
+          </p:nvPr>
         </p:nvSpPr>
         <p:spPr>
           <a:xfrm>
-            <a:off x="560034" y="1505712"/>
-            <a:ext cx="2716566" cy="3523488"/>
-          </a:xfrm>
-          <a:prstGeom prst="rect">
-            <a:avLst/>
-          </a:prstGeom>
-          <a:solidFill>
-            <a:srgbClr val="FFFFFF">
-              <a:alpha val="83000"/>
-            </a:srgbClr>
-          </a:solidFill>
-          <a:ln>
-            <a:noFill/>
-          </a:ln>
-          <a:effectLst>
-            <a:softEdge rad="12700"/>
-          </a:effectLst>
-        </p:spPr>
-        <p:style>
-          <a:lnRef idx="2">
-            <a:schemeClr val="accent1">
-              <a:shade val="50000"/>
-            </a:schemeClr>
-          </a:lnRef>
-          <a:fillRef idx="1">
-            <a:schemeClr val="accent1"/>
-          </a:fillRef>
-          <a:effectRef idx="0">
-            <a:schemeClr val="accent1"/>
-          </a:effectRef>
-          <a:fontRef idx="minor">
-            <a:schemeClr val="lt1"/>
-          </a:fontRef>
-        </p:style>
-        <p:txBody>
-          <a:bodyPr rtlCol="0" anchor="ctr"/>
-          <a:lstStyle/>
-          <a:p>
-            <a:pPr algn="ctr"/>
-            <a:endParaRPr lang="en-US"/>
-          </a:p>
-        </p:txBody>
-      </p:sp>
-      <p:sp>
-        <p:nvSpPr>
-          <p:cNvPr id="10" name="Rectangle 9"/>
-          <p:cNvSpPr/>
-          <p:nvPr/>
-        </p:nvSpPr>
-        <p:spPr>
-          <a:xfrm>
-            <a:off x="676690" y="1642472"/>
-            <a:ext cx="2483254" cy="3234328"/>
-          </a:xfrm>
-          <a:prstGeom prst="rect">
-            <a:avLst/>
-          </a:prstGeom>
-          <a:solidFill>
-            <a:srgbClr val="FFFFFF"/>
-          </a:solidFill>
-          <a:ln w="6350" cmpd="dbl">
-            <a:solidFill>
-              <a:schemeClr val="accent1">
-                <a:lumMod val="75000"/>
-              </a:schemeClr>
-            </a:solidFill>
-          </a:ln>
-        </p:spPr>
-        <p:style>
-          <a:lnRef idx="2">
-            <a:schemeClr val="accent1">
-              <a:shade val="50000"/>
-            </a:schemeClr>
-          </a:lnRef>
-          <a:fillRef idx="1">
-            <a:schemeClr val="accent1"/>
-          </a:fillRef>
-          <a:effectRef idx="0">
-            <a:schemeClr val="accent1"/>
-          </a:effectRef>
-          <a:fontRef idx="minor">
-            <a:schemeClr val="lt1"/>
-          </a:fontRef>
-        </p:style>
-        <p:txBody>
-          <a:bodyPr rtlCol="0" anchor="ctr"/>
-          <a:lstStyle/>
-          <a:p>
-            <a:pPr algn="ctr"/>
-            <a:endParaRPr lang="en-US"/>
-          </a:p>
-        </p:txBody>
-      </p:sp>
-      <p:sp>
-        <p:nvSpPr>
-          <p:cNvPr id="4" name="Text Placeholder 3"/>
-          <p:cNvSpPr>
-            <a:spLocks noGrp="1"/>
-          </p:cNvSpPr>
-          <p:nvPr>
-            <p:ph type="body" sz="half" idx="2"/>
-          </p:nvPr>
-        </p:nvSpPr>
-        <p:spPr>
-          <a:xfrm>
-            <a:off x="769000" y="2971800"/>
-            <a:ext cx="2298634" cy="1752600"/>
+            <a:off x="457200" y="1435100"/>
+            <a:ext cx="3008313" cy="4691063"/>
           </a:xfrm>
         </p:spPr>
         <p:txBody>
           <a:bodyPr/>
           <a:lstStyle>
             <a:lvl1pPr marL="0" indent="0">
-              <a:spcBef>
-                <a:spcPts val="400"/>
-              </a:spcBef>
-              <a:buNone/>
-              <a:defRPr sz="1400">
-                <a:solidFill>
-                  <a:schemeClr val="accent1">
-                    <a:lumMod val="50000"/>
-                  </a:schemeClr>
-                </a:solidFill>
-              </a:defRPr>
+              <a:buNone/>
+              <a:defRPr sz="1400"/>
             </a:lvl1pPr>
             <a:lvl2pPr marL="457200" indent="0">
               <a:buNone/>
@@ -3706,45 +2602,75 @@
       </p:sp>
       <p:sp>
         <p:nvSpPr>
-          <p:cNvPr id="2" name="Title 1"/>
-          <p:cNvSpPr>
-            <a:spLocks noGrp="1"/>
-          </p:cNvSpPr>
-          <p:nvPr>
-            <p:ph type="title"/>
-          </p:nvPr>
-        </p:nvSpPr>
-        <p:spPr>
-          <a:xfrm>
-            <a:off x="769000" y="1734312"/>
-            <a:ext cx="2298634" cy="1191620"/>
-          </a:xfrm>
-        </p:spPr>
-        <p:txBody>
-          <a:bodyPr anchor="b">
-            <a:normAutofit/>
-          </a:bodyPr>
-          <a:lstStyle>
-            <a:lvl1pPr algn="l">
-              <a:defRPr sz="2000" b="0">
-                <a:solidFill>
-                  <a:schemeClr val="accent1">
-                    <a:lumMod val="75000"/>
-                  </a:schemeClr>
-                </a:solidFill>
-              </a:defRPr>
-            </a:lvl1pPr>
-          </a:lstStyle>
-          <a:p>
-            <a:r>
-              <a:rPr lang="ru-RU" smtClean="0"/>
-              <a:t>Образец заголовка</a:t>
-            </a:r>
-            <a:endParaRPr lang="en-US" dirty="0"/>
+          <p:cNvPr id="5" name="Дата 4"/>
+          <p:cNvSpPr>
+            <a:spLocks noGrp="1"/>
+          </p:cNvSpPr>
+          <p:nvPr>
+            <p:ph type="dt" sz="half" idx="10"/>
+          </p:nvPr>
+        </p:nvSpPr>
+        <p:spPr/>
+        <p:txBody>
+          <a:bodyPr/>
+          <a:lstStyle/>
+          <a:p>
+            <a:fld id="{CE374C67-A294-4FBA-BD68-BF2C6C0BD725}" type="datetime1">
+              <a:rPr lang="ru-RU" smtClean="0"/>
+              <a:t>16.12.2020</a:t>
+            </a:fld>
+            <a:endParaRPr lang="ru-RU"/>
+          </a:p>
+        </p:txBody>
+      </p:sp>
+      <p:sp>
+        <p:nvSpPr>
+          <p:cNvPr id="6" name="Нижний колонтитул 5"/>
+          <p:cNvSpPr>
+            <a:spLocks noGrp="1"/>
+          </p:cNvSpPr>
+          <p:nvPr>
+            <p:ph type="ftr" sz="quarter" idx="11"/>
+          </p:nvPr>
+        </p:nvSpPr>
+        <p:spPr/>
+        <p:txBody>
+          <a:bodyPr/>
+          <a:lstStyle/>
+          <a:p>
+            <a:endParaRPr lang="ru-RU"/>
+          </a:p>
+        </p:txBody>
+      </p:sp>
+      <p:sp>
+        <p:nvSpPr>
+          <p:cNvPr id="7" name="Номер слайда 6"/>
+          <p:cNvSpPr>
+            <a:spLocks noGrp="1"/>
+          </p:cNvSpPr>
+          <p:nvPr>
+            <p:ph type="sldNum" sz="quarter" idx="12"/>
+          </p:nvPr>
+        </p:nvSpPr>
+        <p:spPr/>
+        <p:txBody>
+          <a:bodyPr/>
+          <a:lstStyle/>
+          <a:p>
+            <a:fld id="{B19B0651-EE4F-4900-A07F-96A6BFA9D0F0}" type="slidenum">
+              <a:rPr lang="ru-RU" smtClean="0"/>
+              <a:t>‹#›</a:t>
+            </a:fld>
+            <a:endParaRPr lang="ru-RU"/>
           </a:p>
         </p:txBody>
       </p:sp>
     </p:spTree>
+    <p:extLst>
+      <p:ext uri="{BB962C8B-B14F-4D97-AF65-F5344CB8AC3E}">
+        <p14:creationId xmlns:p14="http://schemas.microsoft.com/office/powerpoint/2010/main" val="2703071875"/>
+      </p:ext>
+    </p:extLst>
   </p:cSld>
   <p:clrMapOvr>
     <a:masterClrMapping/>
@@ -3753,7 +2679,7 @@
 </file>
 
 <file path=ppt/slideLayouts/slideLayout9.xml><?xml version="1.0" encoding="utf-8"?>
-<p:sldLayout xmlns:a="http://schemas.openxmlformats.org/drawingml/2006/main" xmlns:r="http://schemas.openxmlformats.org/officeDocument/2006/relationships" xmlns:p="http://schemas.openxmlformats.org/presentationml/2006/main" showMasterSp="0" type="picTx" preserve="1">
+<p:sldLayout xmlns:a="http://schemas.openxmlformats.org/drawingml/2006/main" xmlns:r="http://schemas.openxmlformats.org/officeDocument/2006/relationships" xmlns:p="http://schemas.openxmlformats.org/presentationml/2006/main" type="picTx" preserve="1">
   <p:cSld name="Рисунок с подписью">
     <p:spTree>
       <p:nvGrpSpPr>
@@ -3771,119 +2697,51 @@
       </p:grpSpPr>
       <p:sp>
         <p:nvSpPr>
-          <p:cNvPr id="8" name="Rectangle 7"/>
-          <p:cNvSpPr/>
-          <p:nvPr/>
+          <p:cNvPr id="2" name="Заголовок 1"/>
+          <p:cNvSpPr>
+            <a:spLocks noGrp="1"/>
+          </p:cNvSpPr>
+          <p:nvPr>
+            <p:ph type="title"/>
+          </p:nvPr>
         </p:nvSpPr>
         <p:spPr>
           <a:xfrm>
-            <a:off x="0" y="0"/>
-            <a:ext cx="9144000" cy="6858000"/>
+            <a:off x="1792288" y="4800600"/>
+            <a:ext cx="5486400" cy="566738"/>
           </a:xfrm>
-          <a:prstGeom prst="rect">
-            <a:avLst/>
-          </a:prstGeom>
-          <a:solidFill>
-            <a:srgbClr val="FFFFFF"/>
-          </a:solidFill>
-          <a:ln>
-            <a:noFill/>
-          </a:ln>
         </p:spPr>
-        <p:style>
-          <a:lnRef idx="2">
-            <a:schemeClr val="accent1">
-              <a:shade val="50000"/>
-            </a:schemeClr>
-          </a:lnRef>
-          <a:fillRef idx="1">
-            <a:schemeClr val="accent1"/>
-          </a:fillRef>
-          <a:effectRef idx="0">
-            <a:schemeClr val="accent1"/>
-          </a:effectRef>
-          <a:fontRef idx="minor">
-            <a:schemeClr val="lt1"/>
-          </a:fontRef>
-        </p:style>
-        <p:txBody>
-          <a:bodyPr rtlCol="0" anchor="ctr"/>
-          <a:lstStyle/>
-          <a:p>
-            <a:pPr algn="ctr"/>
-            <a:endParaRPr lang="en-US"/>
-          </a:p>
-        </p:txBody>
-      </p:sp>
-      <p:sp useBgFill="1">
-        <p:nvSpPr>
-          <p:cNvPr id="9" name="Rounded Rectangle 8"/>
-          <p:cNvSpPr/>
-          <p:nvPr/>
+        <p:txBody>
+          <a:bodyPr anchor="b"/>
+          <a:lstStyle>
+            <a:lvl1pPr algn="l">
+              <a:defRPr sz="2000" b="1"/>
+            </a:lvl1pPr>
+          </a:lstStyle>
+          <a:p>
+            <a:r>
+              <a:rPr lang="ru-RU" smtClean="0"/>
+              <a:t>Образец заголовка</a:t>
+            </a:r>
+            <a:endParaRPr lang="ru-RU"/>
+          </a:p>
+        </p:txBody>
+      </p:sp>
+      <p:sp>
+        <p:nvSpPr>
+          <p:cNvPr id="3" name="Рисунок 2"/>
+          <p:cNvSpPr>
+            <a:spLocks noGrp="1"/>
+          </p:cNvSpPr>
+          <p:nvPr>
+            <p:ph type="pic" idx="1"/>
+          </p:nvPr>
         </p:nvSpPr>
         <p:spPr>
           <a:xfrm>
-            <a:off x="91440" y="101600"/>
-            <a:ext cx="8961120" cy="6664960"/>
+            <a:off x="1792288" y="612775"/>
+            <a:ext cx="5486400" cy="4114800"/>
           </a:xfrm>
-          <a:prstGeom prst="roundRect">
-            <a:avLst>
-              <a:gd name="adj" fmla="val 1735"/>
-            </a:avLst>
-          </a:prstGeom>
-          <a:ln w="12700" cmpd="sng">
-            <a:noFill/>
-          </a:ln>
-        </p:spPr>
-        <p:style>
-          <a:lnRef idx="2">
-            <a:schemeClr val="accent1">
-              <a:shade val="50000"/>
-            </a:schemeClr>
-          </a:lnRef>
-          <a:fillRef idx="1">
-            <a:schemeClr val="accent1"/>
-          </a:fillRef>
-          <a:effectRef idx="0">
-            <a:schemeClr val="accent1"/>
-          </a:effectRef>
-          <a:fontRef idx="minor">
-            <a:schemeClr val="lt1"/>
-          </a:fontRef>
-        </p:style>
-        <p:txBody>
-          <a:bodyPr rtlCol="0" anchor="ctr"/>
-          <a:lstStyle/>
-          <a:p>
-            <a:pPr algn="ctr"/>
-            <a:endParaRPr lang="en-US"/>
-          </a:p>
-        </p:txBody>
-      </p:sp>
-      <p:sp>
-        <p:nvSpPr>
-          <p:cNvPr id="3" name="Picture Placeholder 2"/>
-          <p:cNvSpPr>
-            <a:spLocks noGrp="1"/>
-          </p:cNvSpPr>
-          <p:nvPr>
-            <p:ph type="pic" idx="1"/>
-          </p:nvPr>
-        </p:nvSpPr>
-        <p:spPr>
-          <a:xfrm>
-            <a:off x="685800" y="621437"/>
-            <a:ext cx="7772400" cy="4331564"/>
-          </a:xfrm>
-          <a:solidFill>
-            <a:schemeClr val="bg2"/>
-          </a:solidFill>
-          <a:ln>
-            <a:noFill/>
-          </a:ln>
-          <a:effectLst>
-            <a:softEdge rad="12700"/>
-          </a:effectLst>
         </p:spPr>
         <p:txBody>
           <a:bodyPr/>
@@ -3926,294 +2784,32 @@
             </a:lvl9pPr>
           </a:lstStyle>
           <a:p>
-            <a:r>
-              <a:rPr lang="ru-RU" smtClean="0"/>
-              <a:t>Вставка рисунка</a:t>
-            </a:r>
-            <a:endParaRPr lang="en-US" dirty="0"/>
-          </a:p>
-        </p:txBody>
-      </p:sp>
-      <p:sp>
-        <p:nvSpPr>
-          <p:cNvPr id="5" name="Date Placeholder 4"/>
-          <p:cNvSpPr>
-            <a:spLocks noGrp="1"/>
-          </p:cNvSpPr>
-          <p:nvPr>
-            <p:ph type="dt" sz="half" idx="10"/>
-          </p:nvPr>
-        </p:nvSpPr>
-        <p:spPr/>
-        <p:txBody>
-          <a:bodyPr/>
-          <a:lstStyle/>
-          <a:p>
-            <a:fld id="{0CE9B09B-8F60-40CD-8931-8CA42CE7189F}" type="datetime1">
-              <a:rPr lang="ru-RU" smtClean="0"/>
-              <a:t>09.12.2020</a:t>
-            </a:fld>
-            <a:endParaRPr lang="ru-RU"/>
-          </a:p>
-        </p:txBody>
-      </p:sp>
-      <p:sp>
-        <p:nvSpPr>
-          <p:cNvPr id="7" name="Slide Number Placeholder 6"/>
-          <p:cNvSpPr>
-            <a:spLocks noGrp="1"/>
-          </p:cNvSpPr>
-          <p:nvPr>
-            <p:ph type="sldNum" sz="quarter" idx="12"/>
-          </p:nvPr>
-        </p:nvSpPr>
-        <p:spPr/>
-        <p:txBody>
-          <a:bodyPr/>
-          <a:lstStyle/>
-          <a:p>
-            <a:fld id="{B19B0651-EE4F-4900-A07F-96A6BFA9D0F0}" type="slidenum">
-              <a:rPr lang="ru-RU" smtClean="0"/>
-              <a:t>‹#›</a:t>
-            </a:fld>
-            <a:endParaRPr lang="ru-RU"/>
-          </a:p>
-        </p:txBody>
-      </p:sp>
-      <p:sp>
-        <p:nvSpPr>
-          <p:cNvPr id="10" name="Rectangle 9"/>
-          <p:cNvSpPr/>
-          <p:nvPr/>
+            <a:endParaRPr lang="ru-RU"/>
+          </a:p>
+        </p:txBody>
+      </p:sp>
+      <p:sp>
+        <p:nvSpPr>
+          <p:cNvPr id="4" name="Текст 3"/>
+          <p:cNvSpPr>
+            <a:spLocks noGrp="1"/>
+          </p:cNvSpPr>
+          <p:nvPr>
+            <p:ph type="body" sz="half" idx="2"/>
+          </p:nvPr>
         </p:nvSpPr>
         <p:spPr>
           <a:xfrm>
-            <a:off x="685800" y="4953000"/>
-            <a:ext cx="7772400" cy="1371600"/>
-          </a:xfrm>
-          <a:prstGeom prst="rect">
-            <a:avLst/>
-          </a:prstGeom>
-          <a:solidFill>
-            <a:srgbClr val="FFFFFF">
-              <a:alpha val="83000"/>
-            </a:srgbClr>
-          </a:solidFill>
-          <a:ln>
-            <a:noFill/>
-          </a:ln>
-          <a:effectLst>
-            <a:softEdge rad="12700"/>
-          </a:effectLst>
-        </p:spPr>
-        <p:style>
-          <a:lnRef idx="2">
-            <a:schemeClr val="accent1">
-              <a:shade val="50000"/>
-            </a:schemeClr>
-          </a:lnRef>
-          <a:fillRef idx="1">
-            <a:schemeClr val="accent1"/>
-          </a:fillRef>
-          <a:effectRef idx="0">
-            <a:schemeClr val="accent1"/>
-          </a:effectRef>
-          <a:fontRef idx="minor">
-            <a:schemeClr val="lt1"/>
-          </a:fontRef>
-        </p:style>
-        <p:txBody>
-          <a:bodyPr rtlCol="0" anchor="ctr"/>
-          <a:lstStyle/>
-          <a:p>
-            <a:pPr algn="ctr"/>
-            <a:endParaRPr lang="en-US"/>
-          </a:p>
-        </p:txBody>
-      </p:sp>
-      <p:sp>
-        <p:nvSpPr>
-          <p:cNvPr id="12" name="Rectangle 11"/>
-          <p:cNvSpPr/>
-          <p:nvPr/>
-        </p:nvSpPr>
-        <p:spPr>
-          <a:xfrm>
-            <a:off x="761999" y="5029200"/>
-            <a:ext cx="7600765" cy="1202924"/>
-          </a:xfrm>
-          <a:prstGeom prst="rect">
-            <a:avLst/>
-          </a:prstGeom>
-          <a:solidFill>
-            <a:srgbClr val="FFFFFF"/>
-          </a:solidFill>
-          <a:ln w="6350" cmpd="dbl">
-            <a:noFill/>
-          </a:ln>
-        </p:spPr>
-        <p:style>
-          <a:lnRef idx="2">
-            <a:schemeClr val="accent1">
-              <a:shade val="50000"/>
-            </a:schemeClr>
-          </a:lnRef>
-          <a:fillRef idx="1">
-            <a:schemeClr val="accent1"/>
-          </a:fillRef>
-          <a:effectRef idx="0">
-            <a:schemeClr val="accent1"/>
-          </a:effectRef>
-          <a:fontRef idx="minor">
-            <a:schemeClr val="lt1"/>
-          </a:fontRef>
-        </p:style>
-        <p:txBody>
-          <a:bodyPr rtlCol="0" anchor="ctr"/>
-          <a:lstStyle/>
-          <a:p>
-            <a:pPr algn="ctr"/>
-            <a:endParaRPr lang="en-US"/>
-          </a:p>
-        </p:txBody>
-      </p:sp>
-      <p:sp>
-        <p:nvSpPr>
-          <p:cNvPr id="6" name="Footer Placeholder 5"/>
-          <p:cNvSpPr>
-            <a:spLocks noGrp="1"/>
-          </p:cNvSpPr>
-          <p:nvPr>
-            <p:ph type="ftr" sz="quarter" idx="11"/>
-          </p:nvPr>
-        </p:nvSpPr>
-        <p:spPr/>
-        <p:txBody>
-          <a:bodyPr/>
-          <a:lstStyle/>
-          <a:p>
-            <a:endParaRPr lang="ru-RU"/>
-          </a:p>
-        </p:txBody>
-      </p:sp>
-      <p:sp>
-        <p:nvSpPr>
-          <p:cNvPr id="13" name="Rectangle 12"/>
-          <p:cNvSpPr/>
-          <p:nvPr/>
-        </p:nvSpPr>
-        <p:spPr>
-          <a:xfrm>
-            <a:off x="914400" y="5638800"/>
-            <a:ext cx="7328514" cy="451696"/>
-          </a:xfrm>
-          <a:prstGeom prst="rect">
-            <a:avLst/>
-          </a:prstGeom>
-          <a:solidFill>
-            <a:schemeClr val="accent1"/>
-          </a:solidFill>
-          <a:ln w="6350" cmpd="dbl">
-            <a:noFill/>
-          </a:ln>
-        </p:spPr>
-        <p:style>
-          <a:lnRef idx="2">
-            <a:schemeClr val="accent1">
-              <a:shade val="50000"/>
-            </a:schemeClr>
-          </a:lnRef>
-          <a:fillRef idx="1">
-            <a:schemeClr val="accent1"/>
-          </a:fillRef>
-          <a:effectRef idx="0">
-            <a:schemeClr val="accent1"/>
-          </a:effectRef>
-          <a:fontRef idx="minor">
-            <a:schemeClr val="lt1"/>
-          </a:fontRef>
-        </p:style>
-        <p:txBody>
-          <a:bodyPr rtlCol="0" anchor="ctr"/>
-          <a:lstStyle/>
-          <a:p>
-            <a:pPr algn="ctr"/>
-            <a:endParaRPr lang="en-US"/>
-          </a:p>
-        </p:txBody>
-      </p:sp>
-      <p:sp>
-        <p:nvSpPr>
-          <p:cNvPr id="11" name="Rectangle 10"/>
-          <p:cNvSpPr/>
-          <p:nvPr/>
-        </p:nvSpPr>
-        <p:spPr>
-          <a:xfrm>
-            <a:off x="605589" y="5074920"/>
-            <a:ext cx="7946136" cy="1097280"/>
-          </a:xfrm>
-          <a:prstGeom prst="rect">
-            <a:avLst/>
-          </a:prstGeom>
-          <a:noFill/>
-          <a:ln w="6350" cmpd="dbl">
-            <a:noFill/>
-          </a:ln>
-        </p:spPr>
-        <p:style>
-          <a:lnRef idx="2">
-            <a:schemeClr val="accent1">
-              <a:shade val="50000"/>
-            </a:schemeClr>
-          </a:lnRef>
-          <a:fillRef idx="1">
-            <a:schemeClr val="accent1"/>
-          </a:fillRef>
-          <a:effectRef idx="0">
-            <a:schemeClr val="accent1"/>
-          </a:effectRef>
-          <a:fontRef idx="minor">
-            <a:schemeClr val="lt1"/>
-          </a:fontRef>
-        </p:style>
-        <p:txBody>
-          <a:bodyPr rtlCol="0" anchor="ctr"/>
-          <a:lstStyle/>
-          <a:p>
-            <a:pPr algn="ctr"/>
-            <a:endParaRPr lang="en-US"/>
-          </a:p>
-        </p:txBody>
-      </p:sp>
-      <p:sp>
-        <p:nvSpPr>
-          <p:cNvPr id="4" name="Text Placeholder 3"/>
-          <p:cNvSpPr>
-            <a:spLocks noGrp="1"/>
-          </p:cNvSpPr>
-          <p:nvPr>
-            <p:ph type="body" sz="half" idx="2"/>
-          </p:nvPr>
-        </p:nvSpPr>
-        <p:spPr>
-          <a:xfrm>
-            <a:off x="956289" y="5656556"/>
-            <a:ext cx="7244736" cy="401715"/>
+            <a:off x="1792288" y="5367338"/>
+            <a:ext cx="5486400" cy="804862"/>
           </a:xfrm>
         </p:spPr>
         <p:txBody>
-          <a:bodyPr anchor="ctr">
-            <a:normAutofit/>
-          </a:bodyPr>
+          <a:bodyPr/>
           <a:lstStyle>
-            <a:lvl1pPr marL="0" indent="0" algn="ctr">
-              <a:buNone/>
-              <a:defRPr sz="1500" cap="all" spc="250" baseline="0">
-                <a:solidFill>
-                  <a:srgbClr val="FFFFFF"/>
-                </a:solidFill>
-              </a:defRPr>
+            <a:lvl1pPr marL="0" indent="0">
+              <a:buNone/>
+              <a:defRPr sz="1400"/>
             </a:lvl1pPr>
             <a:lvl2pPr marL="457200" indent="0">
               <a:buNone/>
@@ -4259,43 +2855,75 @@
       </p:sp>
       <p:sp>
         <p:nvSpPr>
-          <p:cNvPr id="2" name="Title 1"/>
-          <p:cNvSpPr>
-            <a:spLocks noGrp="1"/>
-          </p:cNvSpPr>
-          <p:nvPr>
-            <p:ph type="title"/>
-          </p:nvPr>
-        </p:nvSpPr>
-        <p:spPr>
-          <a:xfrm>
-            <a:off x="914400" y="5105400"/>
-            <a:ext cx="7328514" cy="523043"/>
-          </a:xfrm>
-        </p:spPr>
-        <p:txBody>
-          <a:bodyPr anchor="ctr" anchorCtr="0"/>
-          <a:lstStyle>
-            <a:lvl1pPr algn="ctr">
-              <a:defRPr sz="2000" b="0">
-                <a:solidFill>
-                  <a:schemeClr val="accent1">
-                    <a:lumMod val="75000"/>
-                  </a:schemeClr>
-                </a:solidFill>
-              </a:defRPr>
-            </a:lvl1pPr>
-          </a:lstStyle>
-          <a:p>
-            <a:r>
-              <a:rPr lang="ru-RU" smtClean="0"/>
-              <a:t>Образец заголовка</a:t>
-            </a:r>
-            <a:endParaRPr lang="en-US" dirty="0"/>
+          <p:cNvPr id="5" name="Дата 4"/>
+          <p:cNvSpPr>
+            <a:spLocks noGrp="1"/>
+          </p:cNvSpPr>
+          <p:nvPr>
+            <p:ph type="dt" sz="half" idx="10"/>
+          </p:nvPr>
+        </p:nvSpPr>
+        <p:spPr/>
+        <p:txBody>
+          <a:bodyPr/>
+          <a:lstStyle/>
+          <a:p>
+            <a:fld id="{0CE9B09B-8F60-40CD-8931-8CA42CE7189F}" type="datetime1">
+              <a:rPr lang="ru-RU" smtClean="0"/>
+              <a:t>16.12.2020</a:t>
+            </a:fld>
+            <a:endParaRPr lang="ru-RU"/>
+          </a:p>
+        </p:txBody>
+      </p:sp>
+      <p:sp>
+        <p:nvSpPr>
+          <p:cNvPr id="6" name="Нижний колонтитул 5"/>
+          <p:cNvSpPr>
+            <a:spLocks noGrp="1"/>
+          </p:cNvSpPr>
+          <p:nvPr>
+            <p:ph type="ftr" sz="quarter" idx="11"/>
+          </p:nvPr>
+        </p:nvSpPr>
+        <p:spPr/>
+        <p:txBody>
+          <a:bodyPr/>
+          <a:lstStyle/>
+          <a:p>
+            <a:endParaRPr lang="ru-RU"/>
+          </a:p>
+        </p:txBody>
+      </p:sp>
+      <p:sp>
+        <p:nvSpPr>
+          <p:cNvPr id="7" name="Номер слайда 6"/>
+          <p:cNvSpPr>
+            <a:spLocks noGrp="1"/>
+          </p:cNvSpPr>
+          <p:nvPr>
+            <p:ph type="sldNum" sz="quarter" idx="12"/>
+          </p:nvPr>
+        </p:nvSpPr>
+        <p:spPr/>
+        <p:txBody>
+          <a:bodyPr/>
+          <a:lstStyle/>
+          <a:p>
+            <a:fld id="{B19B0651-EE4F-4900-A07F-96A6BFA9D0F0}" type="slidenum">
+              <a:rPr lang="ru-RU" smtClean="0"/>
+              <a:t>‹#›</a:t>
+            </a:fld>
+            <a:endParaRPr lang="ru-RU"/>
           </a:p>
         </p:txBody>
       </p:sp>
     </p:spTree>
+    <p:extLst>
+      <p:ext uri="{BB962C8B-B14F-4D97-AF65-F5344CB8AC3E}">
+        <p14:creationId xmlns:p14="http://schemas.microsoft.com/office/powerpoint/2010/main" val="283926196"/>
+      </p:ext>
+    </p:extLst>
   </p:cSld>
   <p:clrMapOvr>
     <a:masterClrMapping/>
@@ -4307,7 +2935,7 @@
 <p:sldMaster xmlns:a="http://schemas.openxmlformats.org/drawingml/2006/main" xmlns:r="http://schemas.openxmlformats.org/officeDocument/2006/relationships" xmlns:p="http://schemas.openxmlformats.org/presentationml/2006/main">
   <p:cSld>
     <p:bg>
-      <p:bgRef idx="1003">
+      <p:bgRef idx="1001">
         <a:schemeClr val="bg1"/>
       </p:bgRef>
     </p:bg>
@@ -4327,115 +2955,57 @@
       </p:grpSpPr>
       <p:sp>
         <p:nvSpPr>
-          <p:cNvPr id="8" name="Rectangle 7"/>
-          <p:cNvSpPr/>
-          <p:nvPr/>
+          <p:cNvPr id="2" name="Заголовок 1"/>
+          <p:cNvSpPr>
+            <a:spLocks noGrp="1"/>
+          </p:cNvSpPr>
+          <p:nvPr>
+            <p:ph type="title"/>
+          </p:nvPr>
         </p:nvSpPr>
         <p:spPr>
           <a:xfrm>
-            <a:off x="0" y="0"/>
-            <a:ext cx="9144000" cy="6858000"/>
-          </a:xfrm>
-          <a:prstGeom prst="rect">
-            <a:avLst/>
-          </a:prstGeom>
-          <a:solidFill>
-            <a:srgbClr val="FFFFFF"/>
-          </a:solidFill>
-          <a:ln>
-            <a:noFill/>
-          </a:ln>
-        </p:spPr>
-        <p:style>
-          <a:lnRef idx="2">
-            <a:schemeClr val="accent1">
-              <a:shade val="50000"/>
-            </a:schemeClr>
-          </a:lnRef>
-          <a:fillRef idx="1">
-            <a:schemeClr val="accent1"/>
-          </a:fillRef>
-          <a:effectRef idx="0">
-            <a:schemeClr val="accent1"/>
-          </a:effectRef>
-          <a:fontRef idx="minor">
-            <a:schemeClr val="lt1"/>
-          </a:fontRef>
-        </p:style>
-        <p:txBody>
-          <a:bodyPr rtlCol="0" anchor="ctr"/>
-          <a:lstStyle/>
-          <a:p>
-            <a:pPr algn="ctr"/>
-            <a:endParaRPr lang="en-US"/>
-          </a:p>
-        </p:txBody>
-      </p:sp>
-      <p:sp useBgFill="1">
-        <p:nvSpPr>
-          <p:cNvPr id="7" name="Rounded Rectangle 6"/>
-          <p:cNvSpPr/>
-          <p:nvPr/>
-        </p:nvSpPr>
-        <p:spPr>
-          <a:xfrm>
-            <a:off x="91440" y="101600"/>
-            <a:ext cx="8961120" cy="6664960"/>
-          </a:xfrm>
-          <a:prstGeom prst="roundRect">
-            <a:avLst>
-              <a:gd name="adj" fmla="val 1735"/>
-            </a:avLst>
-          </a:prstGeom>
-          <a:ln w="12700" cmpd="sng">
-            <a:noFill/>
-          </a:ln>
-        </p:spPr>
-        <p:style>
-          <a:lnRef idx="2">
-            <a:schemeClr val="accent1">
-              <a:shade val="50000"/>
-            </a:schemeClr>
-          </a:lnRef>
-          <a:fillRef idx="1">
-            <a:schemeClr val="accent1"/>
-          </a:fillRef>
-          <a:effectRef idx="0">
-            <a:schemeClr val="accent1"/>
-          </a:effectRef>
-          <a:fontRef idx="minor">
-            <a:schemeClr val="lt1"/>
-          </a:fontRef>
-        </p:style>
-        <p:txBody>
-          <a:bodyPr rtlCol="0" anchor="ctr"/>
-          <a:lstStyle/>
-          <a:p>
-            <a:pPr algn="ctr"/>
-            <a:endParaRPr lang="en-US"/>
-          </a:p>
-        </p:txBody>
-      </p:sp>
-      <p:sp>
-        <p:nvSpPr>
-          <p:cNvPr id="3" name="Text Placeholder 2"/>
-          <p:cNvSpPr>
-            <a:spLocks noGrp="1"/>
-          </p:cNvSpPr>
-          <p:nvPr>
-            <p:ph type="body" idx="1"/>
-          </p:nvPr>
-        </p:nvSpPr>
-        <p:spPr>
-          <a:xfrm>
-            <a:off x="457200" y="1752600"/>
-            <a:ext cx="8229600" cy="4373563"/>
+            <a:off x="457200" y="274638"/>
+            <a:ext cx="8229600" cy="1143000"/>
           </a:xfrm>
           <a:prstGeom prst="rect">
             <a:avLst/>
           </a:prstGeom>
         </p:spPr>
         <p:txBody>
+          <a:bodyPr vert="horz" lIns="91440" tIns="45720" rIns="91440" bIns="45720" rtlCol="0" anchor="ctr">
+            <a:normAutofit/>
+          </a:bodyPr>
+          <a:lstStyle/>
+          <a:p>
+            <a:r>
+              <a:rPr lang="ru-RU" smtClean="0"/>
+              <a:t>Образец заголовка</a:t>
+            </a:r>
+            <a:endParaRPr lang="ru-RU"/>
+          </a:p>
+        </p:txBody>
+      </p:sp>
+      <p:sp>
+        <p:nvSpPr>
+          <p:cNvPr id="3" name="Текст 2"/>
+          <p:cNvSpPr>
+            <a:spLocks noGrp="1"/>
+          </p:cNvSpPr>
+          <p:nvPr>
+            <p:ph type="body" idx="1"/>
+          </p:nvPr>
+        </p:nvSpPr>
+        <p:spPr>
+          <a:xfrm>
+            <a:off x="457200" y="1600200"/>
+            <a:ext cx="8229600" cy="4525963"/>
+          </a:xfrm>
+          <a:prstGeom prst="rect">
+            <a:avLst/>
+          </a:prstGeom>
+        </p:spPr>
+        <p:txBody>
           <a:bodyPr vert="horz" lIns="91440" tIns="45720" rIns="91440" bIns="45720" rtlCol="0">
             <a:normAutofit/>
           </a:bodyPr>
@@ -4474,13 +3044,13 @@
               <a:rPr lang="ru-RU" smtClean="0"/>
               <a:t>Пятый уровень</a:t>
             </a:r>
-            <a:endParaRPr lang="en-US" dirty="0"/>
-          </a:p>
-        </p:txBody>
-      </p:sp>
-      <p:sp>
-        <p:nvSpPr>
-          <p:cNvPr id="4" name="Date Placeholder 3"/>
+            <a:endParaRPr lang="ru-RU"/>
+          </a:p>
+        </p:txBody>
+      </p:sp>
+      <p:sp>
+        <p:nvSpPr>
+          <p:cNvPr id="4" name="Дата 3"/>
           <p:cNvSpPr>
             <a:spLocks noGrp="1"/>
           </p:cNvSpPr>
@@ -4503,7 +3073,9 @@
             <a:lvl1pPr algn="l">
               <a:defRPr sz="1200">
                 <a:solidFill>
-                  <a:schemeClr val="tx2"/>
+                  <a:schemeClr val="tx1">
+                    <a:tint val="75000"/>
+                  </a:schemeClr>
                 </a:solidFill>
               </a:defRPr>
             </a:lvl1pPr>
@@ -4511,7 +3083,7 @@
           <a:p>
             <a:fld id="{FE710FD0-70CE-413F-A6CA-6188660DF94A}" type="datetime1">
               <a:rPr lang="ru-RU" smtClean="0"/>
-              <a:t>09.12.2020</a:t>
+              <a:t>16.12.2020</a:t>
             </a:fld>
             <a:endParaRPr lang="ru-RU"/>
           </a:p>
@@ -4519,7 +3091,7 @@
       </p:sp>
       <p:sp>
         <p:nvSpPr>
-          <p:cNvPr id="5" name="Footer Placeholder 4"/>
+          <p:cNvPr id="5" name="Нижний колонтитул 4"/>
           <p:cNvSpPr>
             <a:spLocks noGrp="1"/>
           </p:cNvSpPr>
@@ -4542,7 +3114,9 @@
             <a:lvl1pPr algn="ctr">
               <a:defRPr sz="1200">
                 <a:solidFill>
-                  <a:schemeClr val="tx2"/>
+                  <a:schemeClr val="tx1">
+                    <a:tint val="75000"/>
+                  </a:schemeClr>
                 </a:solidFill>
               </a:defRPr>
             </a:lvl1pPr>
@@ -4554,7 +3128,7 @@
       </p:sp>
       <p:sp>
         <p:nvSpPr>
-          <p:cNvPr id="6" name="Slide Number Placeholder 5"/>
+          <p:cNvPr id="6" name="Номер слайда 5"/>
           <p:cNvSpPr>
             <a:spLocks noGrp="1"/>
           </p:cNvSpPr>
@@ -4577,7 +3151,9 @@
             <a:lvl1pPr algn="r">
               <a:defRPr sz="1200">
                 <a:solidFill>
-                  <a:schemeClr val="tx2"/>
+                  <a:schemeClr val="tx1">
+                    <a:tint val="75000"/>
+                  </a:schemeClr>
                 </a:solidFill>
               </a:defRPr>
             </a:lvl1pPr>
@@ -4591,158 +3167,26 @@
           </a:p>
         </p:txBody>
       </p:sp>
-      <p:sp>
-        <p:nvSpPr>
-          <p:cNvPr id="9" name="Rectangle 8"/>
-          <p:cNvSpPr/>
-          <p:nvPr/>
-        </p:nvSpPr>
-        <p:spPr>
-          <a:xfrm>
-            <a:off x="274320" y="278166"/>
-            <a:ext cx="8595360" cy="1325880"/>
-          </a:xfrm>
-          <a:prstGeom prst="rect">
-            <a:avLst/>
-          </a:prstGeom>
-          <a:solidFill>
-            <a:srgbClr val="FFFFFF">
-              <a:alpha val="83000"/>
-            </a:srgbClr>
-          </a:solidFill>
-          <a:ln>
-            <a:noFill/>
-          </a:ln>
-          <a:effectLst>
-            <a:softEdge rad="12700"/>
-          </a:effectLst>
-        </p:spPr>
-        <p:style>
-          <a:lnRef idx="2">
-            <a:schemeClr val="accent1">
-              <a:shade val="50000"/>
-            </a:schemeClr>
-          </a:lnRef>
-          <a:fillRef idx="1">
-            <a:schemeClr val="accent1"/>
-          </a:fillRef>
-          <a:effectRef idx="0">
-            <a:schemeClr val="accent1"/>
-          </a:effectRef>
-          <a:fontRef idx="minor">
-            <a:schemeClr val="lt1"/>
-          </a:fontRef>
-        </p:style>
-        <p:txBody>
-          <a:bodyPr rtlCol="0" anchor="ctr"/>
-          <a:lstStyle/>
-          <a:p>
-            <a:pPr marL="0" algn="ctr" defTabSz="914400" rtl="0" eaLnBrk="1" latinLnBrk="0" hangingPunct="1"/>
-            <a:endParaRPr lang="en-US" sz="1800" kern="1200">
-              <a:solidFill>
-                <a:schemeClr val="lt1"/>
-              </a:solidFill>
-              <a:latin typeface="+mn-lt"/>
-              <a:ea typeface="+mn-ea"/>
-              <a:cs typeface="+mn-cs"/>
-            </a:endParaRPr>
-          </a:p>
-        </p:txBody>
-      </p:sp>
-      <p:sp>
-        <p:nvSpPr>
-          <p:cNvPr id="10" name="Rectangle 9"/>
-          <p:cNvSpPr/>
-          <p:nvPr/>
-        </p:nvSpPr>
-        <p:spPr>
-          <a:xfrm>
-            <a:off x="372863" y="372862"/>
-            <a:ext cx="8380520" cy="1118587"/>
-          </a:xfrm>
-          <a:prstGeom prst="rect">
-            <a:avLst/>
-          </a:prstGeom>
-          <a:solidFill>
-            <a:srgbClr val="FFFFFF"/>
-          </a:solidFill>
-          <a:ln w="6350">
-            <a:noFill/>
-          </a:ln>
-        </p:spPr>
-        <p:style>
-          <a:lnRef idx="2">
-            <a:schemeClr val="accent1">
-              <a:shade val="50000"/>
-            </a:schemeClr>
-          </a:lnRef>
-          <a:fillRef idx="1">
-            <a:schemeClr val="accent1"/>
-          </a:fillRef>
-          <a:effectRef idx="0">
-            <a:schemeClr val="accent1"/>
-          </a:effectRef>
-          <a:fontRef idx="minor">
-            <a:schemeClr val="lt1"/>
-          </a:fontRef>
-        </p:style>
-        <p:txBody>
-          <a:bodyPr rtlCol="0" anchor="ctr"/>
-          <a:lstStyle/>
-          <a:p>
-            <a:pPr algn="ctr"/>
-            <a:endParaRPr lang="en-US"/>
-          </a:p>
-        </p:txBody>
-      </p:sp>
-      <p:sp>
-        <p:nvSpPr>
-          <p:cNvPr id="2" name="Title Placeholder 1"/>
-          <p:cNvSpPr>
-            <a:spLocks noGrp="1"/>
-          </p:cNvSpPr>
-          <p:nvPr>
-            <p:ph type="title"/>
-          </p:nvPr>
-        </p:nvSpPr>
-        <p:spPr>
-          <a:xfrm>
-            <a:off x="426128" y="408372"/>
-            <a:ext cx="8260672" cy="1039427"/>
-          </a:xfrm>
-          <a:prstGeom prst="rect">
-            <a:avLst/>
-          </a:prstGeom>
-        </p:spPr>
-        <p:txBody>
-          <a:bodyPr vert="horz" lIns="91440" tIns="45720" rIns="91440" bIns="45720" rtlCol="0" anchor="ctr">
-            <a:normAutofit/>
-          </a:bodyPr>
-          <a:lstStyle/>
-          <a:p>
-            <a:r>
-              <a:rPr lang="ru-RU" smtClean="0"/>
-              <a:t>Образец заголовка</a:t>
-            </a:r>
-            <a:endParaRPr lang="en-US" dirty="0"/>
-          </a:p>
-        </p:txBody>
-      </p:sp>
     </p:spTree>
+    <p:extLst>
+      <p:ext uri="{BB962C8B-B14F-4D97-AF65-F5344CB8AC3E}">
+        <p14:creationId xmlns:p14="http://schemas.microsoft.com/office/powerpoint/2010/main" val="423531"/>
+      </p:ext>
+    </p:extLst>
   </p:cSld>
   <p:clrMap bg1="lt1" tx1="dk1" bg2="lt2" tx2="dk2" accent1="accent1" accent2="accent2" accent3="accent3" accent4="accent4" accent5="accent5" accent6="accent6" hlink="hlink" folHlink="folHlink"/>
   <p:sldLayoutIdLst>
-    <p:sldLayoutId id="2147483673" r:id="rId1"/>
-    <p:sldLayoutId id="2147483674" r:id="rId2"/>
-    <p:sldLayoutId id="2147483675" r:id="rId3"/>
-    <p:sldLayoutId id="2147483676" r:id="rId4"/>
-    <p:sldLayoutId id="2147483677" r:id="rId5"/>
-    <p:sldLayoutId id="2147483678" r:id="rId6"/>
-    <p:sldLayoutId id="2147483679" r:id="rId7"/>
-    <p:sldLayoutId id="2147483680" r:id="rId8"/>
-    <p:sldLayoutId id="2147483681" r:id="rId9"/>
-    <p:sldLayoutId id="2147483682" r:id="rId10"/>
-    <p:sldLayoutId id="2147483683" r:id="rId11"/>
+    <p:sldLayoutId id="2147483685" r:id="rId1"/>
+    <p:sldLayoutId id="2147483686" r:id="rId2"/>
+    <p:sldLayoutId id="2147483687" r:id="rId3"/>
+    <p:sldLayoutId id="2147483688" r:id="rId4"/>
+    <p:sldLayoutId id="2147483689" r:id="rId5"/>
+    <p:sldLayoutId id="2147483690" r:id="rId6"/>
+    <p:sldLayoutId id="2147483691" r:id="rId7"/>
+    <p:sldLayoutId id="2147483692" r:id="rId8"/>
+    <p:sldLayoutId id="2147483693" r:id="rId9"/>
+    <p:sldLayoutId id="2147483694" r:id="rId10"/>
+    <p:sldLayoutId id="2147483695" r:id="rId11"/>
   </p:sldLayoutIdLst>
   <p:hf hdr="0" ftr="0" dt="0"/>
   <p:txStyles>
@@ -4752,11 +3196,9 @@
           <a:spcPct val="0"/>
         </a:spcBef>
         <a:buNone/>
-        <a:defRPr sz="3500" kern="1200" cap="all" baseline="0">
+        <a:defRPr sz="4400" kern="1200">
           <a:solidFill>
-            <a:schemeClr val="accent1">
-              <a:lumMod val="75000"/>
-            </a:schemeClr>
+            <a:schemeClr val="tx1"/>
           </a:solidFill>
           <a:latin typeface="+mj-lt"/>
           <a:ea typeface="+mj-ea"/>
@@ -4765,162 +3207,135 @@
       </a:lvl1pPr>
     </p:titleStyle>
     <p:bodyStyle>
-      <a:lvl1pPr marL="342900" indent="-228600" algn="l" defTabSz="914400" rtl="0" eaLnBrk="1" latinLnBrk="0" hangingPunct="1">
+      <a:lvl1pPr marL="342900" indent="-342900" algn="l" defTabSz="914400" rtl="0" eaLnBrk="1" latinLnBrk="0" hangingPunct="1">
         <a:spcBef>
           <a:spcPct val="20000"/>
         </a:spcBef>
-        <a:buClr>
-          <a:schemeClr val="accent1"/>
-        </a:buClr>
-        <a:buFont typeface="Arial" pitchFamily="34" charset="0"/>
+        <a:buFont typeface="Arial" panose="020B0604020202020204" pitchFamily="34" charset="0"/>
         <a:buChar char="•"/>
-        <a:defRPr sz="2400" kern="1200">
+        <a:defRPr sz="3200" kern="1200">
           <a:solidFill>
-            <a:schemeClr val="tx2"/>
+            <a:schemeClr val="tx1"/>
           </a:solidFill>
           <a:latin typeface="+mn-lt"/>
           <a:ea typeface="+mn-ea"/>
           <a:cs typeface="+mn-cs"/>
         </a:defRPr>
       </a:lvl1pPr>
-      <a:lvl2pPr marL="640080" indent="-228600" algn="l" defTabSz="914400" rtl="0" eaLnBrk="1" latinLnBrk="0" hangingPunct="1">
+      <a:lvl2pPr marL="742950" indent="-285750" algn="l" defTabSz="914400" rtl="0" eaLnBrk="1" latinLnBrk="0" hangingPunct="1">
         <a:spcBef>
           <a:spcPct val="20000"/>
         </a:spcBef>
-        <a:buClr>
-          <a:schemeClr val="accent2"/>
-        </a:buClr>
-        <a:buFont typeface="Arial" pitchFamily="34" charset="0"/>
-        <a:buChar char="•"/>
-        <a:defRPr sz="2000" kern="1200">
+        <a:buFont typeface="Arial" panose="020B0604020202020204" pitchFamily="34" charset="0"/>
+        <a:buChar char="–"/>
+        <a:defRPr sz="2800" kern="1200">
           <a:solidFill>
-            <a:schemeClr val="tx2"/>
+            <a:schemeClr val="tx1"/>
           </a:solidFill>
           <a:latin typeface="+mn-lt"/>
           <a:ea typeface="+mn-ea"/>
           <a:cs typeface="+mn-cs"/>
         </a:defRPr>
       </a:lvl2pPr>
-      <a:lvl3pPr marL="914400" indent="-228600" algn="l" defTabSz="914400" rtl="0" eaLnBrk="1" latinLnBrk="0" hangingPunct="1">
+      <a:lvl3pPr marL="1143000" indent="-228600" algn="l" defTabSz="914400" rtl="0" eaLnBrk="1" latinLnBrk="0" hangingPunct="1">
         <a:spcBef>
           <a:spcPct val="20000"/>
         </a:spcBef>
-        <a:buClr>
-          <a:schemeClr val="accent3"/>
-        </a:buClr>
-        <a:buFont typeface="Arial" pitchFamily="34" charset="0"/>
+        <a:buFont typeface="Arial" panose="020B0604020202020204" pitchFamily="34" charset="0"/>
         <a:buChar char="•"/>
-        <a:defRPr sz="1800" kern="1200">
+        <a:defRPr sz="2400" kern="1200">
           <a:solidFill>
-            <a:schemeClr val="tx2"/>
+            <a:schemeClr val="tx1"/>
           </a:solidFill>
           <a:latin typeface="+mn-lt"/>
           <a:ea typeface="+mn-ea"/>
           <a:cs typeface="+mn-cs"/>
         </a:defRPr>
       </a:lvl3pPr>
-      <a:lvl4pPr marL="1280160" indent="-228600" algn="l" defTabSz="914400" rtl="0" eaLnBrk="1" latinLnBrk="0" hangingPunct="1">
+      <a:lvl4pPr marL="1600200" indent="-228600" algn="l" defTabSz="914400" rtl="0" eaLnBrk="1" latinLnBrk="0" hangingPunct="1">
         <a:spcBef>
           <a:spcPct val="20000"/>
         </a:spcBef>
-        <a:buClr>
-          <a:schemeClr val="accent4"/>
-        </a:buClr>
-        <a:buFont typeface="Arial" pitchFamily="34" charset="0"/>
-        <a:buChar char="•"/>
-        <a:defRPr sz="1600" kern="1200">
+        <a:buFont typeface="Arial" panose="020B0604020202020204" pitchFamily="34" charset="0"/>
+        <a:buChar char="–"/>
+        <a:defRPr sz="2000" kern="1200">
           <a:solidFill>
-            <a:schemeClr val="tx2"/>
+            <a:schemeClr val="tx1"/>
           </a:solidFill>
           <a:latin typeface="+mn-lt"/>
           <a:ea typeface="+mn-ea"/>
           <a:cs typeface="+mn-cs"/>
         </a:defRPr>
       </a:lvl4pPr>
-      <a:lvl5pPr marL="1554480" indent="-228600" algn="l" defTabSz="914400" rtl="0" eaLnBrk="1" latinLnBrk="0" hangingPunct="1">
+      <a:lvl5pPr marL="2057400" indent="-228600" algn="l" defTabSz="914400" rtl="0" eaLnBrk="1" latinLnBrk="0" hangingPunct="1">
         <a:spcBef>
           <a:spcPct val="20000"/>
         </a:spcBef>
-        <a:buClr>
-          <a:schemeClr val="accent5"/>
-        </a:buClr>
-        <a:buFont typeface="Arial" pitchFamily="34" charset="0"/>
-        <a:buChar char="•"/>
-        <a:defRPr sz="1600" kern="1200" baseline="0">
+        <a:buFont typeface="Arial" panose="020B0604020202020204" pitchFamily="34" charset="0"/>
+        <a:buChar char="»"/>
+        <a:defRPr sz="2000" kern="1200">
           <a:solidFill>
-            <a:schemeClr val="tx2"/>
+            <a:schemeClr val="tx1"/>
           </a:solidFill>
           <a:latin typeface="+mn-lt"/>
           <a:ea typeface="+mn-ea"/>
           <a:cs typeface="+mn-cs"/>
         </a:defRPr>
       </a:lvl5pPr>
-      <a:lvl6pPr marL="1737360" indent="-182880" algn="l" defTabSz="914400" rtl="0" eaLnBrk="1" latinLnBrk="0" hangingPunct="1">
+      <a:lvl6pPr marL="2514600" indent="-228600" algn="l" defTabSz="914400" rtl="0" eaLnBrk="1" latinLnBrk="0" hangingPunct="1">
         <a:spcBef>
           <a:spcPct val="20000"/>
         </a:spcBef>
-        <a:buClr>
-          <a:schemeClr val="accent1"/>
-        </a:buClr>
-        <a:buFont typeface="Arial" pitchFamily="34" charset="0"/>
+        <a:buFont typeface="Arial" panose="020B0604020202020204" pitchFamily="34" charset="0"/>
         <a:buChar char="•"/>
-        <a:defRPr sz="1400" kern="1200">
+        <a:defRPr sz="2000" kern="1200">
           <a:solidFill>
-            <a:schemeClr val="tx2"/>
+            <a:schemeClr val="tx1"/>
           </a:solidFill>
           <a:latin typeface="+mn-lt"/>
           <a:ea typeface="+mn-ea"/>
           <a:cs typeface="+mn-cs"/>
         </a:defRPr>
       </a:lvl6pPr>
-      <a:lvl7pPr marL="2011680" indent="-182880" algn="l" defTabSz="914400" rtl="0" eaLnBrk="1" latinLnBrk="0" hangingPunct="1">
+      <a:lvl7pPr marL="2971800" indent="-228600" algn="l" defTabSz="914400" rtl="0" eaLnBrk="1" latinLnBrk="0" hangingPunct="1">
         <a:spcBef>
           <a:spcPct val="20000"/>
         </a:spcBef>
-        <a:buClr>
-          <a:schemeClr val="accent2"/>
-        </a:buClr>
-        <a:buFont typeface="Arial" pitchFamily="34" charset="0"/>
+        <a:buFont typeface="Arial" panose="020B0604020202020204" pitchFamily="34" charset="0"/>
         <a:buChar char="•"/>
-        <a:defRPr sz="1400" kern="1200">
+        <a:defRPr sz="2000" kern="1200">
           <a:solidFill>
-            <a:schemeClr val="tx2"/>
+            <a:schemeClr val="tx1"/>
           </a:solidFill>
           <a:latin typeface="+mn-lt"/>
           <a:ea typeface="+mn-ea"/>
           <a:cs typeface="+mn-cs"/>
         </a:defRPr>
       </a:lvl7pPr>
-      <a:lvl8pPr marL="2194560" indent="-182880" algn="l" defTabSz="914400" rtl="0" eaLnBrk="1" latinLnBrk="0" hangingPunct="1">
+      <a:lvl8pPr marL="3429000" indent="-228600" algn="l" defTabSz="914400" rtl="0" eaLnBrk="1" latinLnBrk="0" hangingPunct="1">
         <a:spcBef>
           <a:spcPct val="20000"/>
         </a:spcBef>
-        <a:buClr>
-          <a:schemeClr val="accent3"/>
-        </a:buClr>
-        <a:buFont typeface="Arial" pitchFamily="34" charset="0"/>
+        <a:buFont typeface="Arial" panose="020B0604020202020204" pitchFamily="34" charset="0"/>
         <a:buChar char="•"/>
-        <a:defRPr sz="1400" kern="1200">
+        <a:defRPr sz="2000" kern="1200">
           <a:solidFill>
-            <a:schemeClr val="tx2"/>
+            <a:schemeClr val="tx1"/>
           </a:solidFill>
           <a:latin typeface="+mn-lt"/>
           <a:ea typeface="+mn-ea"/>
           <a:cs typeface="+mn-cs"/>
         </a:defRPr>
       </a:lvl8pPr>
-      <a:lvl9pPr marL="2377440" indent="-182880" algn="l" defTabSz="914400" rtl="0" eaLnBrk="1" latinLnBrk="0" hangingPunct="1">
+      <a:lvl9pPr marL="3886200" indent="-228600" algn="l" defTabSz="914400" rtl="0" eaLnBrk="1" latinLnBrk="0" hangingPunct="1">
         <a:spcBef>
           <a:spcPct val="20000"/>
         </a:spcBef>
-        <a:buClr>
-          <a:schemeClr val="accent4"/>
-        </a:buClr>
-        <a:buFont typeface="Arial" pitchFamily="34" charset="0"/>
+        <a:buFont typeface="Arial" panose="020B0604020202020204" pitchFamily="34" charset="0"/>
         <a:buChar char="•"/>
-        <a:defRPr sz="1400" kern="1200">
+        <a:defRPr sz="2000" kern="1200">
           <a:solidFill>
-            <a:schemeClr val="tx2"/>
+            <a:schemeClr val="tx1"/>
           </a:solidFill>
           <a:latin typeface="+mn-lt"/>
           <a:ea typeface="+mn-ea"/>
@@ -4930,7 +3345,7 @@
     </p:bodyStyle>
     <p:otherStyle>
       <a:defPPr>
-        <a:defRPr lang="en-US"/>
+        <a:defRPr lang="ru-RU"/>
       </a:defPPr>
       <a:lvl1pPr marL="0" algn="l" defTabSz="914400" rtl="0" eaLnBrk="1" latinLnBrk="0" hangingPunct="1">
         <a:defRPr sz="1800" kern="1200">
@@ -5046,70 +3461,39 @@
       </p:grpSpPr>
       <p:sp>
         <p:nvSpPr>
-          <p:cNvPr id="3" name="Подзаголовок 2"/>
-          <p:cNvSpPr>
-            <a:spLocks noGrp="1"/>
-          </p:cNvSpPr>
-          <p:nvPr>
-            <p:ph type="subTitle" idx="1"/>
+          <p:cNvPr id="2" name="Заголовок 1"/>
+          <p:cNvSpPr>
+            <a:spLocks noGrp="1"/>
+          </p:cNvSpPr>
+          <p:nvPr>
+            <p:ph type="ctrTitle" idx="4294967295"/>
           </p:nvPr>
         </p:nvSpPr>
         <p:spPr>
           <a:xfrm>
-            <a:off x="577036" y="3187824"/>
-            <a:ext cx="6553200" cy="457200"/>
+            <a:off x="539552" y="1988840"/>
+            <a:ext cx="8348662" cy="1968500"/>
           </a:xfrm>
         </p:spPr>
         <p:txBody>
-          <a:bodyPr/>
-          <a:lstStyle/>
-          <a:p>
-            <a:pPr algn="l"/>
-            <a:r>
-              <a:rPr lang="ru-RU" dirty="0" smtClean="0">
-                <a:solidFill>
-                  <a:schemeClr val="tx1"/>
-                </a:solidFill>
-                <a:latin typeface="Times New Roman" panose="02020603050405020304" pitchFamily="18" charset="0"/>
-                <a:cs typeface="Times New Roman" panose="02020603050405020304" pitchFamily="18" charset="0"/>
-              </a:rPr>
-              <a:t>Студент: </a:t>
-            </a:r>
-            <a:r>
-              <a:rPr lang="ru-RU" dirty="0" err="1" smtClean="0">
-                <a:solidFill>
-                  <a:schemeClr val="tx1"/>
-                </a:solidFill>
-                <a:latin typeface="Times New Roman" panose="02020603050405020304" pitchFamily="18" charset="0"/>
-                <a:cs typeface="Times New Roman" panose="02020603050405020304" pitchFamily="18" charset="0"/>
-              </a:rPr>
-              <a:t>жигалкин</a:t>
-            </a:r>
-            <a:r>
-              <a:rPr lang="ru-RU" dirty="0" smtClean="0">
-                <a:solidFill>
-                  <a:schemeClr val="tx1"/>
-                </a:solidFill>
-                <a:latin typeface="Times New Roman" panose="02020603050405020304" pitchFamily="18" charset="0"/>
-                <a:cs typeface="Times New Roman" panose="02020603050405020304" pitchFamily="18" charset="0"/>
-              </a:rPr>
-              <a:t> </a:t>
-            </a:r>
-            <a:r>
-              <a:rPr lang="ru-RU" dirty="0" err="1" smtClean="0">
-                <a:solidFill>
-                  <a:schemeClr val="tx1"/>
-                </a:solidFill>
-                <a:latin typeface="Times New Roman" panose="02020603050405020304" pitchFamily="18" charset="0"/>
-                <a:cs typeface="Times New Roman" panose="02020603050405020304" pitchFamily="18" charset="0"/>
-              </a:rPr>
-              <a:t>Д.р</a:t>
-            </a:r>
-            <a:endParaRPr lang="ru-RU" dirty="0">
+          <a:bodyPr>
+            <a:normAutofit fontScale="90000"/>
+          </a:bodyPr>
+          <a:lstStyle/>
+          <a:p>
+            <a:r>
+              <a:rPr lang="ru-RU" sz="4800" dirty="0">
+                <a:latin typeface="Times New Roman" panose="02020603050405020304" pitchFamily="18" charset="0"/>
+                <a:cs typeface="Times New Roman" panose="02020603050405020304" pitchFamily="18" charset="0"/>
+              </a:rPr>
+              <a:t>Моделирование сцены, расположенной за прозрачной поверхностью</a:t>
+            </a:r>
+            <a:endParaRPr lang="ru-RU" sz="4500" dirty="0">
               <a:solidFill>
                 <a:schemeClr val="tx1"/>
               </a:solidFill>
               <a:latin typeface="Times New Roman" panose="02020603050405020304" pitchFamily="18" charset="0"/>
+              <a:ea typeface="Tahoma" panose="020B0604030504040204" pitchFamily="34" charset="0"/>
               <a:cs typeface="Times New Roman" panose="02020603050405020304" pitchFamily="18" charset="0"/>
             </a:endParaRPr>
           </a:p>
@@ -5117,51 +3501,15 @@
       </p:sp>
       <p:sp>
         <p:nvSpPr>
-          <p:cNvPr id="2" name="Заголовок 1"/>
-          <p:cNvSpPr>
-            <a:spLocks noGrp="1"/>
-          </p:cNvSpPr>
-          <p:nvPr>
-            <p:ph type="ctrTitle"/>
-          </p:nvPr>
+          <p:cNvPr id="5" name="Подзаголовок 2"/>
+          <p:cNvSpPr txBox="1">
+            <a:spLocks/>
+          </p:cNvSpPr>
+          <p:nvPr/>
         </p:nvSpPr>
         <p:spPr>
           <a:xfrm>
-            <a:off x="827584" y="404664"/>
-            <a:ext cx="7772400" cy="1752600"/>
-          </a:xfrm>
-        </p:spPr>
-        <p:txBody>
-          <a:bodyPr/>
-          <a:lstStyle/>
-          <a:p>
-            <a:r>
-              <a:rPr lang="ru-RU" dirty="0" smtClean="0">
-                <a:solidFill>
-                  <a:schemeClr val="tx1"/>
-                </a:solidFill>
-              </a:rPr>
-              <a:t>Курсовой проект по компьютерной графике</a:t>
-            </a:r>
-            <a:endParaRPr lang="ru-RU" dirty="0">
-              <a:solidFill>
-                <a:schemeClr val="tx1"/>
-              </a:solidFill>
-            </a:endParaRPr>
-          </a:p>
-        </p:txBody>
-      </p:sp>
-      <p:sp>
-        <p:nvSpPr>
-          <p:cNvPr id="4" name="Подзаголовок 2"/>
-          <p:cNvSpPr txBox="1">
-            <a:spLocks/>
-          </p:cNvSpPr>
-          <p:nvPr/>
-        </p:nvSpPr>
-        <p:spPr>
-          <a:xfrm>
-            <a:off x="611560" y="3612719"/>
+            <a:off x="3563888" y="6052821"/>
             <a:ext cx="6553200" cy="457200"/>
           </a:xfrm>
           <a:prstGeom prst="rect">
@@ -5355,16 +3703,16 @@
           <a:p>
             <a:pPr algn="l"/>
             <a:r>
-              <a:rPr lang="ru-RU" dirty="0" smtClean="0">
+              <a:rPr lang="ru-RU" sz="1400" dirty="0" smtClean="0">
                 <a:solidFill>
                   <a:schemeClr val="tx1"/>
                 </a:solidFill>
                 <a:latin typeface="Times New Roman" panose="02020603050405020304" pitchFamily="18" charset="0"/>
                 <a:cs typeface="Times New Roman" panose="02020603050405020304" pitchFamily="18" charset="0"/>
               </a:rPr>
-              <a:t>Группа: иу7-55Б</a:t>
-            </a:r>
-            <a:endParaRPr lang="ru-RU" dirty="0">
+              <a:t>Научный руководитель: Кузнецова О.В</a:t>
+            </a:r>
+            <a:endParaRPr lang="ru-RU" sz="1400" dirty="0">
               <a:solidFill>
                 <a:schemeClr val="tx1"/>
               </a:solidFill>
@@ -5376,7 +3724,7 @@
       </p:sp>
       <p:sp>
         <p:nvSpPr>
-          <p:cNvPr id="5" name="Подзаголовок 2"/>
+          <p:cNvPr id="7" name="Подзаголовок 2"/>
           <p:cNvSpPr txBox="1">
             <a:spLocks/>
           </p:cNvSpPr>
@@ -5384,7 +3732,7 @@
         </p:nvSpPr>
         <p:spPr>
           <a:xfrm>
-            <a:off x="611560" y="4021092"/>
+            <a:off x="4932040" y="5661248"/>
             <a:ext cx="6553200" cy="457200"/>
           </a:xfrm>
           <a:prstGeom prst="rect">
@@ -5578,16 +3926,46 @@
           <a:p>
             <a:pPr algn="l"/>
             <a:r>
-              <a:rPr lang="ru-RU" dirty="0" smtClean="0">
+              <a:rPr lang="ru-RU" sz="1400" dirty="0" smtClean="0">
                 <a:solidFill>
                   <a:schemeClr val="tx1"/>
                 </a:solidFill>
                 <a:latin typeface="Times New Roman" panose="02020603050405020304" pitchFamily="18" charset="0"/>
                 <a:cs typeface="Times New Roman" panose="02020603050405020304" pitchFamily="18" charset="0"/>
               </a:rPr>
-              <a:t>Научный руководитель: Кузнецова О.В</a:t>
-            </a:r>
-            <a:endParaRPr lang="ru-RU" dirty="0">
+              <a:t>Исполнитель: </a:t>
+            </a:r>
+            <a:r>
+              <a:rPr lang="ru-RU" sz="1400" dirty="0" err="1" smtClean="0">
+                <a:solidFill>
+                  <a:schemeClr val="tx1"/>
+                </a:solidFill>
+                <a:latin typeface="Times New Roman" panose="02020603050405020304" pitchFamily="18" charset="0"/>
+                <a:cs typeface="Times New Roman" panose="02020603050405020304" pitchFamily="18" charset="0"/>
+              </a:rPr>
+              <a:t>жигалкин</a:t>
+            </a:r>
+            <a:r>
+              <a:rPr lang="ru-RU" sz="1400" dirty="0" smtClean="0">
+                <a:solidFill>
+                  <a:schemeClr val="tx1"/>
+                </a:solidFill>
+                <a:latin typeface="Times New Roman" panose="02020603050405020304" pitchFamily="18" charset="0"/>
+                <a:cs typeface="Times New Roman" panose="02020603050405020304" pitchFamily="18" charset="0"/>
+              </a:rPr>
+              <a:t> </a:t>
+            </a:r>
+            <a:r>
+              <a:rPr lang="ru-RU" sz="1400" dirty="0" err="1" smtClean="0">
+                <a:solidFill>
+                  <a:schemeClr val="tx1"/>
+                </a:solidFill>
+                <a:latin typeface="Times New Roman" panose="02020603050405020304" pitchFamily="18" charset="0"/>
+                <a:cs typeface="Times New Roman" panose="02020603050405020304" pitchFamily="18" charset="0"/>
+              </a:rPr>
+              <a:t>д.р</a:t>
+            </a:r>
+            <a:endParaRPr lang="ru-RU" sz="1400" dirty="0">
               <a:solidFill>
                 <a:schemeClr val="tx1"/>
               </a:solidFill>
@@ -5646,7 +4024,9 @@
         </p:nvSpPr>
         <p:spPr/>
         <p:txBody>
-          <a:bodyPr/>
+          <a:bodyPr>
+            <a:normAutofit fontScale="90000"/>
+          </a:bodyPr>
           <a:lstStyle/>
           <a:p>
             <a:r>
@@ -5655,7 +4035,7 @@
                   <a:schemeClr val="tx1"/>
                 </a:solidFill>
               </a:rPr>
-              <a:t>Заключение</a:t>
+              <a:t>Исследование временных характеристик</a:t>
             </a:r>
             <a:endParaRPr lang="ru-RU" dirty="0">
               <a:solidFill>
@@ -5665,6 +4045,279 @@
           </a:p>
         </p:txBody>
       </p:sp>
+      <p:pic>
+        <p:nvPicPr>
+          <p:cNvPr id="5" name="Объект 4" descr="C:\Users\zhigalkin\YandexDisk\Скриншоты\2020-12-08_23-34-07.png"/>
+          <p:cNvPicPr>
+            <a:picLocks noGrp="1"/>
+          </p:cNvPicPr>
+          <p:nvPr>
+            <p:ph idx="1"/>
+          </p:nvPr>
+        </p:nvPicPr>
+        <p:blipFill>
+          <a:blip r:embed="rId2">
+            <a:extLst>
+              <a:ext uri="{28A0092B-C50C-407E-A947-70E740481C1C}">
+                <a14:useLocalDpi xmlns:a14="http://schemas.microsoft.com/office/drawing/2010/main" val="0"/>
+              </a:ext>
+            </a:extLst>
+          </a:blip>
+          <a:srcRect/>
+          <a:stretch>
+            <a:fillRect/>
+          </a:stretch>
+        </p:blipFill>
+        <p:spPr bwMode="auto">
+          <a:xfrm>
+            <a:off x="323528" y="1772816"/>
+            <a:ext cx="5328592" cy="4824536"/>
+          </a:xfrm>
+          <a:prstGeom prst="rect">
+            <a:avLst/>
+          </a:prstGeom>
+          <a:noFill/>
+          <a:ln>
+            <a:noFill/>
+          </a:ln>
+        </p:spPr>
+      </p:pic>
+      <p:sp>
+        <p:nvSpPr>
+          <p:cNvPr id="4" name="Номер слайда 3"/>
+          <p:cNvSpPr>
+            <a:spLocks noGrp="1"/>
+          </p:cNvSpPr>
+          <p:nvPr>
+            <p:ph type="sldNum" sz="quarter" idx="12"/>
+          </p:nvPr>
+        </p:nvSpPr>
+        <p:spPr/>
+        <p:txBody>
+          <a:bodyPr/>
+          <a:lstStyle/>
+          <a:p>
+            <a:fld id="{B19B0651-EE4F-4900-A07F-96A6BFA9D0F0}" type="slidenum">
+              <a:rPr lang="ru-RU" smtClean="0"/>
+              <a:t>10</a:t>
+            </a:fld>
+            <a:endParaRPr lang="ru-RU"/>
+          </a:p>
+        </p:txBody>
+      </p:sp>
+      <p:sp>
+        <p:nvSpPr>
+          <p:cNvPr id="6" name="Заголовок 1"/>
+          <p:cNvSpPr txBox="1">
+            <a:spLocks/>
+          </p:cNvSpPr>
+          <p:nvPr/>
+        </p:nvSpPr>
+        <p:spPr>
+          <a:xfrm>
+            <a:off x="5580112" y="1772816"/>
+            <a:ext cx="3312368" cy="4536504"/>
+          </a:xfrm>
+          <a:prstGeom prst="rect">
+            <a:avLst/>
+          </a:prstGeom>
+        </p:spPr>
+        <p:txBody>
+          <a:bodyPr vert="horz" lIns="91440" tIns="45720" rIns="91440" bIns="45720" rtlCol="0" anchor="ctr">
+            <a:normAutofit fontScale="97500"/>
+          </a:bodyPr>
+          <a:lstStyle>
+            <a:lvl1pPr algn="ctr" defTabSz="914400" rtl="0" eaLnBrk="1" latinLnBrk="0" hangingPunct="1">
+              <a:spcBef>
+                <a:spcPct val="0"/>
+              </a:spcBef>
+              <a:buNone/>
+              <a:defRPr sz="3500" kern="1200" cap="all" baseline="0">
+                <a:solidFill>
+                  <a:schemeClr val="accent1">
+                    <a:lumMod val="75000"/>
+                  </a:schemeClr>
+                </a:solidFill>
+                <a:latin typeface="+mj-lt"/>
+                <a:ea typeface="+mj-ea"/>
+                <a:cs typeface="+mj-cs"/>
+              </a:defRPr>
+            </a:lvl1pPr>
+          </a:lstStyle>
+          <a:p>
+            <a:pPr algn="l"/>
+            <a:endParaRPr lang="ru-RU" sz="1800" dirty="0">
+              <a:solidFill>
+                <a:schemeClr val="tx1"/>
+              </a:solidFill>
+            </a:endParaRPr>
+          </a:p>
+        </p:txBody>
+      </p:sp>
+      <p:sp>
+        <p:nvSpPr>
+          <p:cNvPr id="7" name="TextBox 6"/>
+          <p:cNvSpPr txBox="1"/>
+          <p:nvPr/>
+        </p:nvSpPr>
+        <p:spPr>
+          <a:xfrm>
+            <a:off x="5724128" y="1797720"/>
+            <a:ext cx="3240360" cy="3277820"/>
+          </a:xfrm>
+          <a:prstGeom prst="rect">
+            <a:avLst/>
+          </a:prstGeom>
+          <a:noFill/>
+        </p:spPr>
+        <p:txBody>
+          <a:bodyPr wrap="square" rtlCol="0">
+            <a:spAutoFit/>
+          </a:bodyPr>
+          <a:lstStyle/>
+          <a:p>
+            <a:pPr algn="just">
+              <a:lnSpc>
+                <a:spcPct val="150000"/>
+              </a:lnSpc>
+            </a:pPr>
+            <a:r>
+              <a:rPr lang="ru-RU" dirty="0" smtClean="0">
+                <a:latin typeface="Times New Roman" panose="02020603050405020304" pitchFamily="18" charset="0"/>
+                <a:cs typeface="Times New Roman" panose="02020603050405020304" pitchFamily="18" charset="0"/>
+              </a:rPr>
+              <a:t>Исследование проводилось на ноутбуке с процессором </a:t>
+            </a:r>
+            <a:r>
+              <a:rPr lang="ru-RU" dirty="0" err="1">
+                <a:latin typeface="Times New Roman" panose="02020603050405020304" pitchFamily="18" charset="0"/>
+                <a:cs typeface="Times New Roman" panose="02020603050405020304" pitchFamily="18" charset="0"/>
+              </a:rPr>
+              <a:t>Intel</a:t>
+            </a:r>
+            <a:r>
+              <a:rPr lang="ru-RU" dirty="0">
+                <a:latin typeface="Times New Roman" panose="02020603050405020304" pitchFamily="18" charset="0"/>
+                <a:cs typeface="Times New Roman" panose="02020603050405020304" pitchFamily="18" charset="0"/>
+              </a:rPr>
+              <a:t>(R) </a:t>
+            </a:r>
+            <a:r>
+              <a:rPr lang="ru-RU" dirty="0" err="1">
+                <a:latin typeface="Times New Roman" panose="02020603050405020304" pitchFamily="18" charset="0"/>
+                <a:cs typeface="Times New Roman" panose="02020603050405020304" pitchFamily="18" charset="0"/>
+              </a:rPr>
+              <a:t>Core</a:t>
+            </a:r>
+            <a:r>
+              <a:rPr lang="ru-RU" dirty="0">
+                <a:latin typeface="Times New Roman" panose="02020603050405020304" pitchFamily="18" charset="0"/>
+                <a:cs typeface="Times New Roman" panose="02020603050405020304" pitchFamily="18" charset="0"/>
+              </a:rPr>
+              <a:t>(TM) i3-8130U CPU 2.20 </a:t>
+            </a:r>
+            <a:r>
+              <a:rPr lang="ru-RU" dirty="0" err="1">
+                <a:latin typeface="Times New Roman" panose="02020603050405020304" pitchFamily="18" charset="0"/>
+                <a:cs typeface="Times New Roman" panose="02020603050405020304" pitchFamily="18" charset="0"/>
+              </a:rPr>
+              <a:t>GHz</a:t>
+            </a:r>
+            <a:r>
+              <a:rPr lang="ru-RU" dirty="0">
+                <a:latin typeface="Times New Roman" panose="02020603050405020304" pitchFamily="18" charset="0"/>
+                <a:cs typeface="Times New Roman" panose="02020603050405020304" pitchFamily="18" charset="0"/>
+              </a:rPr>
+              <a:t> с 4 логическими ядрами под управлением </a:t>
+            </a:r>
+            <a:r>
+              <a:rPr lang="ru-RU" dirty="0" err="1">
+                <a:latin typeface="Times New Roman" panose="02020603050405020304" pitchFamily="18" charset="0"/>
+                <a:cs typeface="Times New Roman" panose="02020603050405020304" pitchFamily="18" charset="0"/>
+              </a:rPr>
+              <a:t>Windows</a:t>
+            </a:r>
+            <a:r>
+              <a:rPr lang="ru-RU" dirty="0">
+                <a:latin typeface="Times New Roman" panose="02020603050405020304" pitchFamily="18" charset="0"/>
+                <a:cs typeface="Times New Roman" panose="02020603050405020304" pitchFamily="18" charset="0"/>
+              </a:rPr>
+              <a:t> 10 с 8 Гб оперативной памяти.</a:t>
+            </a:r>
+          </a:p>
+          <a:p>
+            <a:endParaRPr lang="ru-RU" dirty="0"/>
+          </a:p>
+        </p:txBody>
+      </p:sp>
+    </p:spTree>
+    <p:extLst>
+      <p:ext uri="{BB962C8B-B14F-4D97-AF65-F5344CB8AC3E}">
+        <p14:creationId xmlns:p14="http://schemas.microsoft.com/office/powerpoint/2010/main" val="3149524206"/>
+      </p:ext>
+    </p:extLst>
+  </p:cSld>
+  <p:clrMapOvr>
+    <a:masterClrMapping/>
+  </p:clrMapOvr>
+  <p:timing>
+    <p:tnLst>
+      <p:par>
+        <p:cTn id="1" dur="indefinite" restart="never" nodeType="tmRoot"/>
+      </p:par>
+    </p:tnLst>
+  </p:timing>
+</p:sld>
+</file>
+
+<file path=ppt/slides/slide11.xml><?xml version="1.0" encoding="utf-8"?>
+<p:sld xmlns:a="http://schemas.openxmlformats.org/drawingml/2006/main" xmlns:r="http://schemas.openxmlformats.org/officeDocument/2006/relationships" xmlns:p="http://schemas.openxmlformats.org/presentationml/2006/main">
+  <p:cSld>
+    <p:spTree>
+      <p:nvGrpSpPr>
+        <p:cNvPr id="1" name=""/>
+        <p:cNvGrpSpPr/>
+        <p:nvPr/>
+      </p:nvGrpSpPr>
+      <p:grpSpPr>
+        <a:xfrm>
+          <a:off x="0" y="0"/>
+          <a:ext cx="0" cy="0"/>
+          <a:chOff x="0" y="0"/>
+          <a:chExt cx="0" cy="0"/>
+        </a:xfrm>
+      </p:grpSpPr>
+      <p:sp>
+        <p:nvSpPr>
+          <p:cNvPr id="2" name="Заголовок 1"/>
+          <p:cNvSpPr>
+            <a:spLocks noGrp="1"/>
+          </p:cNvSpPr>
+          <p:nvPr>
+            <p:ph type="title"/>
+          </p:nvPr>
+        </p:nvSpPr>
+        <p:spPr/>
+        <p:txBody>
+          <a:bodyPr/>
+          <a:lstStyle/>
+          <a:p>
+            <a:r>
+              <a:rPr lang="ru-RU" dirty="0" smtClean="0">
+                <a:solidFill>
+                  <a:schemeClr val="tx1"/>
+                </a:solidFill>
+              </a:rPr>
+              <a:t>Заключение</a:t>
+            </a:r>
+            <a:endParaRPr lang="ru-RU" dirty="0">
+              <a:solidFill>
+                <a:schemeClr val="tx1"/>
+              </a:solidFill>
+            </a:endParaRPr>
+          </a:p>
+        </p:txBody>
+      </p:sp>
       <p:sp>
         <p:nvSpPr>
           <p:cNvPr id="3" name="Объект 2"/>
@@ -5691,13 +4344,25 @@
                   <a:schemeClr val="tx1"/>
                 </a:solidFill>
               </a:rPr>
-              <a:t>	В </a:t>
+              <a:t>	</a:t>
+            </a:r>
+            <a:r>
+              <a:rPr lang="ru-RU" sz="1800" dirty="0" smtClean="0">
+                <a:solidFill>
+                  <a:schemeClr val="tx1"/>
+                </a:solidFill>
+                <a:latin typeface="Times New Roman" panose="02020603050405020304" pitchFamily="18" charset="0"/>
+                <a:cs typeface="Times New Roman" panose="02020603050405020304" pitchFamily="18" charset="0"/>
+              </a:rPr>
+              <a:t>В </a:t>
             </a:r>
             <a:r>
               <a:rPr lang="ru-RU" sz="1800" dirty="0">
                 <a:solidFill>
                   <a:schemeClr val="tx1"/>
                 </a:solidFill>
+                <a:latin typeface="Times New Roman" panose="02020603050405020304" pitchFamily="18" charset="0"/>
+                <a:cs typeface="Times New Roman" panose="02020603050405020304" pitchFamily="18" charset="0"/>
               </a:rPr>
               <a:t>результате проделанной работы выполнены следующие задачи: </a:t>
             </a:r>
@@ -5705,6 +4370,8 @@
               <a:solidFill>
                 <a:schemeClr val="tx1"/>
               </a:solidFill>
+              <a:latin typeface="Times New Roman" panose="02020603050405020304" pitchFamily="18" charset="0"/>
+              <a:cs typeface="Times New Roman" panose="02020603050405020304" pitchFamily="18" charset="0"/>
             </a:endParaRPr>
           </a:p>
           <a:p>
@@ -5715,166 +4382,76 @@
               <a:solidFill>
                 <a:schemeClr val="tx1"/>
               </a:solidFill>
+              <a:latin typeface="Times New Roman" panose="02020603050405020304" pitchFamily="18" charset="0"/>
+              <a:cs typeface="Times New Roman" panose="02020603050405020304" pitchFamily="18" charset="0"/>
             </a:endParaRPr>
           </a:p>
           <a:p>
-            <a:pPr marL="457200" indent="-342900" algn="just">
-              <a:buAutoNum type="arabicParenR"/>
-            </a:pPr>
+            <a:pPr algn="just"/>
             <a:r>
               <a:rPr lang="ru-RU" sz="1800" dirty="0" smtClean="0">
                 <a:solidFill>
                   <a:schemeClr val="tx1"/>
                 </a:solidFill>
-              </a:rPr>
-              <a:t>разработаны </a:t>
-            </a:r>
-            <a:r>
-              <a:rPr lang="ru-RU" sz="1800" dirty="0">
+                <a:latin typeface="Times New Roman" panose="02020603050405020304" pitchFamily="18" charset="0"/>
+                <a:ea typeface="Tahoma" panose="020B0604030504040204" pitchFamily="34" charset="0"/>
+                <a:cs typeface="Times New Roman" panose="02020603050405020304" pitchFamily="18" charset="0"/>
+              </a:rPr>
+              <a:t>описана структура трехмерной сцены, включая объекты, из которых состоит сцена, и дано описание выбранных свойств;</a:t>
+            </a:r>
+          </a:p>
+          <a:p>
+            <a:pPr algn="just"/>
+            <a:r>
+              <a:rPr lang="ru-RU" sz="1800" dirty="0" smtClean="0">
                 <a:solidFill>
                   <a:schemeClr val="tx1"/>
                 </a:solidFill>
-              </a:rPr>
-              <a:t>математические модели трёхмерных объектов; </a:t>
-            </a:r>
-          </a:p>
-          <a:p>
-            <a:pPr marL="457200" indent="-342900" algn="just">
-              <a:buAutoNum type="arabicParenR"/>
-            </a:pPr>
+                <a:latin typeface="Times New Roman" panose="02020603050405020304" pitchFamily="18" charset="0"/>
+                <a:ea typeface="Tahoma" panose="020B0604030504040204" pitchFamily="34" charset="0"/>
+                <a:cs typeface="Times New Roman" panose="02020603050405020304" pitchFamily="18" charset="0"/>
+              </a:rPr>
+              <a:t> выбраны существующие алгоритмы  трехмерной графики, которые позволили визуализировать трехмерную сцену;</a:t>
+            </a:r>
+          </a:p>
+          <a:p>
+            <a:pPr algn="just"/>
             <a:r>
               <a:rPr lang="ru-RU" sz="1800" dirty="0" smtClean="0">
                 <a:solidFill>
                   <a:schemeClr val="tx1"/>
                 </a:solidFill>
-              </a:rPr>
-              <a:t>описаны </a:t>
-            </a:r>
-            <a:r>
-              <a:rPr lang="ru-RU" sz="1800" dirty="0">
+                <a:latin typeface="Times New Roman" panose="02020603050405020304" pitchFamily="18" charset="0"/>
+                <a:ea typeface="Tahoma" panose="020B0604030504040204" pitchFamily="34" charset="0"/>
+                <a:cs typeface="Times New Roman" panose="02020603050405020304" pitchFamily="18" charset="0"/>
+              </a:rPr>
+              <a:t> реализованы данные алгоритмы для создания трехмерной сцены;</a:t>
+            </a:r>
+          </a:p>
+          <a:p>
+            <a:pPr algn="just"/>
+            <a:r>
+              <a:rPr lang="ru-RU" sz="1800" dirty="0" smtClean="0">
                 <a:solidFill>
                   <a:schemeClr val="tx1"/>
                 </a:solidFill>
-              </a:rPr>
-              <a:t>матрицы преобразований для </a:t>
-            </a:r>
-            <a:r>
-              <a:rPr lang="ru-RU" sz="1800" dirty="0" smtClean="0">
-                <a:solidFill>
-                  <a:schemeClr val="tx1"/>
-                </a:solidFill>
-              </a:rPr>
-              <a:t>переноса</a:t>
-            </a:r>
-            <a:r>
-              <a:rPr lang="en-US" sz="1800" dirty="0" smtClean="0">
-                <a:solidFill>
-                  <a:schemeClr val="tx1"/>
-                </a:solidFill>
-              </a:rPr>
-              <a:t> </a:t>
-            </a:r>
-            <a:r>
-              <a:rPr lang="ru-RU" sz="1800" dirty="0" smtClean="0">
-                <a:solidFill>
-                  <a:schemeClr val="tx1"/>
-                </a:solidFill>
-              </a:rPr>
-              <a:t>и поворота</a:t>
-            </a:r>
-            <a:r>
-              <a:rPr lang="en-US" sz="1800" dirty="0" smtClean="0">
-                <a:solidFill>
-                  <a:schemeClr val="tx1"/>
-                </a:solidFill>
-              </a:rPr>
-              <a:t>;</a:t>
-            </a:r>
-            <a:endParaRPr lang="ru-RU" sz="1800" dirty="0" smtClean="0">
-              <a:solidFill>
-                <a:schemeClr val="tx1"/>
-              </a:solidFill>
-            </a:endParaRPr>
-          </a:p>
-          <a:p>
-            <a:pPr marL="457200" indent="-342900" algn="just">
-              <a:buAutoNum type="arabicParenR"/>
-            </a:pPr>
-            <a:r>
-              <a:rPr lang="ru-RU" sz="1800" dirty="0" smtClean="0">
-                <a:solidFill>
-                  <a:schemeClr val="tx1"/>
-                </a:solidFill>
-              </a:rPr>
-              <a:t>реализован алгоритм трассировки</a:t>
-            </a:r>
-            <a:r>
-              <a:rPr lang="en-US" sz="1800" dirty="0" smtClean="0">
-                <a:solidFill>
-                  <a:schemeClr val="tx1"/>
-                </a:solidFill>
-              </a:rPr>
-              <a:t> </a:t>
-            </a:r>
-            <a:r>
-              <a:rPr lang="ru-RU" sz="1800" dirty="0" smtClean="0">
-                <a:solidFill>
-                  <a:schemeClr val="tx1"/>
-                </a:solidFill>
-              </a:rPr>
-              <a:t>лучей </a:t>
-            </a:r>
-            <a:r>
-              <a:rPr lang="ru-RU" sz="1800" dirty="0">
-                <a:solidFill>
-                  <a:schemeClr val="tx1"/>
-                </a:solidFill>
-              </a:rPr>
-              <a:t>для синтеза изображения; </a:t>
-            </a:r>
-            <a:endParaRPr lang="ru-RU" sz="1800" dirty="0" smtClean="0">
-              <a:solidFill>
-                <a:schemeClr val="tx1"/>
-              </a:solidFill>
-            </a:endParaRPr>
-          </a:p>
-          <a:p>
-            <a:pPr marL="457200" indent="-342900" algn="just">
-              <a:buAutoNum type="arabicParenR"/>
-            </a:pPr>
-            <a:r>
-              <a:rPr lang="ru-RU" sz="1800" dirty="0" smtClean="0">
-                <a:solidFill>
-                  <a:schemeClr val="tx1"/>
-                </a:solidFill>
-              </a:rPr>
-              <a:t>проведён </a:t>
-            </a:r>
-            <a:r>
-              <a:rPr lang="ru-RU" sz="1800" dirty="0">
-                <a:solidFill>
-                  <a:schemeClr val="tx1"/>
-                </a:solidFill>
-              </a:rPr>
-              <a:t>анализ визуальных и </a:t>
-            </a:r>
-            <a:r>
-              <a:rPr lang="ru-RU" sz="1800" dirty="0" smtClean="0">
-                <a:solidFill>
-                  <a:schemeClr val="tx1"/>
-                </a:solidFill>
-              </a:rPr>
-              <a:t>временных характеристик данного алгоритма. </a:t>
-            </a:r>
-          </a:p>
-          <a:p>
-            <a:pPr marL="457200" indent="-342900" algn="just">
-              <a:buAutoNum type="arabicParenR"/>
+                <a:latin typeface="Times New Roman" panose="02020603050405020304" pitchFamily="18" charset="0"/>
+                <a:ea typeface="Tahoma" panose="020B0604030504040204" pitchFamily="34" charset="0"/>
+                <a:cs typeface="Times New Roman" panose="02020603050405020304" pitchFamily="18" charset="0"/>
+              </a:rPr>
+              <a:t> разработано программное обеспечение, которое позволило отобразить трехмерную сцену и визуализировать оптические эффекты. </a:t>
+            </a:r>
+          </a:p>
+          <a:p>
+            <a:pPr marL="0" indent="0" algn="just">
+              <a:buNone/>
             </a:pPr>
             <a:endParaRPr lang="ru-RU" sz="1800" dirty="0" smtClean="0">
               <a:solidFill>
                 <a:schemeClr val="tx1"/>
               </a:solidFill>
+              <a:latin typeface="Times New Roman" panose="02020603050405020304" pitchFamily="18" charset="0"/>
+              <a:cs typeface="Times New Roman" panose="02020603050405020304" pitchFamily="18" charset="0"/>
             </a:endParaRPr>
           </a:p>
           <a:p>
@@ -5886,6 +4463,8 @@
                 <a:solidFill>
                   <a:schemeClr val="tx1"/>
                 </a:solidFill>
+                <a:latin typeface="Times New Roman" panose="02020603050405020304" pitchFamily="18" charset="0"/>
+                <a:cs typeface="Times New Roman" panose="02020603050405020304" pitchFamily="18" charset="0"/>
               </a:rPr>
               <a:t>	</a:t>
             </a:r>
@@ -5894,6 +4473,8 @@
                 <a:solidFill>
                   <a:schemeClr val="tx1"/>
                 </a:solidFill>
+                <a:latin typeface="Times New Roman" panose="02020603050405020304" pitchFamily="18" charset="0"/>
+                <a:cs typeface="Times New Roman" panose="02020603050405020304" pitchFamily="18" charset="0"/>
               </a:rPr>
               <a:t>Достигнута </a:t>
             </a:r>
@@ -5902,6 +4483,8 @@
                 <a:solidFill>
                   <a:schemeClr val="tx1"/>
                 </a:solidFill>
+                <a:latin typeface="Times New Roman" panose="02020603050405020304" pitchFamily="18" charset="0"/>
+                <a:cs typeface="Times New Roman" panose="02020603050405020304" pitchFamily="18" charset="0"/>
               </a:rPr>
               <a:t>цель проекта – </a:t>
             </a:r>
@@ -5910,6 +4493,8 @@
                 <a:solidFill>
                   <a:schemeClr val="tx1"/>
                 </a:solidFill>
+                <a:latin typeface="Times New Roman" panose="02020603050405020304" pitchFamily="18" charset="0"/>
+                <a:cs typeface="Times New Roman" panose="02020603050405020304" pitchFamily="18" charset="0"/>
               </a:rPr>
               <a:t>смоделирована реалистичная сцена, расположенная за прозрачным объектом.</a:t>
             </a:r>
@@ -5917,6 +4502,8 @@
               <a:solidFill>
                 <a:schemeClr val="tx1"/>
               </a:solidFill>
+              <a:latin typeface="Times New Roman" panose="02020603050405020304" pitchFamily="18" charset="0"/>
+              <a:cs typeface="Times New Roman" panose="02020603050405020304" pitchFamily="18" charset="0"/>
             </a:endParaRPr>
           </a:p>
         </p:txBody>
@@ -5938,7 +4525,7 @@
           <a:p>
             <a:fld id="{B19B0651-EE4F-4900-A07F-96A6BFA9D0F0}" type="slidenum">
               <a:rPr lang="ru-RU" smtClean="0"/>
-              <a:t>10</a:t>
+              <a:t>11</a:t>
             </a:fld>
             <a:endParaRPr lang="ru-RU"/>
           </a:p>
@@ -5983,15 +4570,43 @@
       </p:grpSpPr>
       <p:sp>
         <p:nvSpPr>
+          <p:cNvPr id="3" name="Номер слайда 2"/>
+          <p:cNvSpPr>
+            <a:spLocks noGrp="1"/>
+          </p:cNvSpPr>
+          <p:nvPr>
+            <p:ph type="sldNum" sz="quarter" idx="12"/>
+          </p:nvPr>
+        </p:nvSpPr>
+        <p:spPr/>
+        <p:txBody>
+          <a:bodyPr/>
+          <a:lstStyle/>
+          <a:p>
+            <a:fld id="{B19B0651-EE4F-4900-A07F-96A6BFA9D0F0}" type="slidenum">
+              <a:rPr lang="ru-RU" smtClean="0"/>
+              <a:t>2</a:t>
+            </a:fld>
+            <a:endParaRPr lang="ru-RU" dirty="0"/>
+          </a:p>
+        </p:txBody>
+      </p:sp>
+      <p:sp>
+        <p:nvSpPr>
           <p:cNvPr id="2" name="Заголовок 1"/>
           <p:cNvSpPr>
             <a:spLocks noGrp="1"/>
           </p:cNvSpPr>
           <p:nvPr>
-            <p:ph type="title"/>
-          </p:nvPr>
-        </p:nvSpPr>
-        <p:spPr/>
+            <p:ph type="title" idx="4294967295"/>
+          </p:nvPr>
+        </p:nvSpPr>
+        <p:spPr>
+          <a:xfrm>
+            <a:off x="467544" y="404664"/>
+            <a:ext cx="8261350" cy="1039812"/>
+          </a:xfrm>
+        </p:spPr>
         <p:txBody>
           <a:bodyPr/>
           <a:lstStyle/>
@@ -6002,7 +4617,7 @@
                   <a:schemeClr val="tx1"/>
                 </a:solidFill>
               </a:rPr>
-              <a:t>Цель работы</a:t>
+              <a:t>Цель и задачи работы</a:t>
             </a:r>
             <a:endParaRPr lang="ru-RU" dirty="0">
               <a:solidFill>
@@ -6019,98 +4634,260 @@
             <a:spLocks noGrp="1"/>
           </p:cNvSpPr>
           <p:nvPr>
-            <p:ph idx="1"/>
-          </p:nvPr>
-        </p:nvSpPr>
-        <p:spPr/>
-        <p:txBody>
-          <a:bodyPr/>
-          <a:lstStyle/>
-          <a:p>
-            <a:r>
-              <a:rPr lang="ru-RU" dirty="0">
+            <p:ph idx="4294967295"/>
+          </p:nvPr>
+        </p:nvSpPr>
+        <p:spPr>
+          <a:xfrm>
+            <a:off x="539552" y="1556792"/>
+            <a:ext cx="8229600" cy="4851400"/>
+          </a:xfrm>
+        </p:spPr>
+        <p:txBody>
+          <a:bodyPr>
+            <a:normAutofit/>
+          </a:bodyPr>
+          <a:lstStyle/>
+          <a:p>
+            <a:pPr marL="0" indent="0" algn="just">
+              <a:buNone/>
+            </a:pPr>
+            <a:r>
+              <a:rPr lang="en-US" sz="2000" dirty="0" smtClean="0">
                 <a:solidFill>
                   <a:schemeClr val="tx1"/>
                 </a:solidFill>
-              </a:rPr>
-              <a:t>М</a:t>
-            </a:r>
-            <a:r>
-              <a:rPr lang="ru-RU" dirty="0" smtClean="0">
+                <a:latin typeface="Times New Roman" panose="02020603050405020304" pitchFamily="18" charset="0"/>
+                <a:cs typeface="Times New Roman" panose="02020603050405020304" pitchFamily="18" charset="0"/>
+              </a:rPr>
+              <a:t>     </a:t>
+            </a:r>
+            <a:r>
+              <a:rPr lang="ru-RU" sz="2000" dirty="0" smtClean="0">
                 <a:solidFill>
                   <a:schemeClr val="tx1"/>
                 </a:solidFill>
-              </a:rPr>
-              <a:t>оделирование реалистичной сцены, расположенной за прозрачной поверхностью</a:t>
-            </a:r>
-            <a:r>
-              <a:rPr lang="ru-RU" dirty="0" smtClean="0"/>
+                <a:latin typeface="Times New Roman" panose="02020603050405020304" pitchFamily="18" charset="0"/>
+                <a:cs typeface="Times New Roman" panose="02020603050405020304" pitchFamily="18" charset="0"/>
+              </a:rPr>
+              <a:t>Цель данной работы: Моделирование реалистичной сцены, расположенной за прозрачной поверхностью</a:t>
+            </a:r>
+            <a:r>
+              <a:rPr lang="ru-RU" sz="2000" dirty="0" smtClean="0">
+                <a:latin typeface="Times New Roman" panose="02020603050405020304" pitchFamily="18" charset="0"/>
+                <a:cs typeface="Times New Roman" panose="02020603050405020304" pitchFamily="18" charset="0"/>
+              </a:rPr>
               <a:t>.</a:t>
             </a:r>
-            <a:endParaRPr lang="ru-RU" dirty="0"/>
-          </a:p>
-        </p:txBody>
-      </p:sp>
-      <p:sp>
-        <p:nvSpPr>
-          <p:cNvPr id="3" name="Номер слайда 2"/>
-          <p:cNvSpPr>
-            <a:spLocks noGrp="1"/>
-          </p:cNvSpPr>
-          <p:nvPr>
-            <p:ph type="sldNum" sz="quarter" idx="12"/>
-          </p:nvPr>
-        </p:nvSpPr>
-        <p:spPr/>
-        <p:txBody>
-          <a:bodyPr/>
-          <a:lstStyle/>
-          <a:p>
-            <a:fld id="{B19B0651-EE4F-4900-A07F-96A6BFA9D0F0}" type="slidenum">
-              <a:rPr lang="ru-RU" smtClean="0"/>
-              <a:t>2</a:t>
-            </a:fld>
-            <a:endParaRPr lang="ru-RU" dirty="0"/>
-          </a:p>
-        </p:txBody>
-      </p:sp>
-      <p:pic>
-        <p:nvPicPr>
-          <p:cNvPr id="5" name="Рисунок 4" descr="C:\Users\zhigalkin\YandexDisk\Скриншоты\2020-12-09_00-02-37.png"/>
-          <p:cNvPicPr/>
-          <p:nvPr/>
-        </p:nvPicPr>
-        <p:blipFill>
-          <a:blip r:embed="rId2">
-            <a:extLst>
-              <a:ext uri="{28A0092B-C50C-407E-A947-70E740481C1C}">
-                <a14:useLocalDpi xmlns:a14="http://schemas.microsoft.com/office/drawing/2010/main" val="0"/>
-              </a:ext>
-            </a:extLst>
-          </a:blip>
-          <a:srcRect/>
-          <a:stretch>
-            <a:fillRect/>
-          </a:stretch>
-        </p:blipFill>
-        <p:spPr bwMode="auto">
-          <a:xfrm>
-            <a:off x="2555776" y="2708920"/>
-            <a:ext cx="4038001" cy="3813815"/>
-          </a:xfrm>
-          <a:prstGeom prst="rect">
-            <a:avLst/>
-          </a:prstGeom>
-          <a:noFill/>
-          <a:ln>
-            <a:noFill/>
-          </a:ln>
-        </p:spPr>
-      </p:pic>
+            <a:endParaRPr lang="en-US" sz="2000" dirty="0" smtClean="0">
+              <a:latin typeface="Times New Roman" panose="02020603050405020304" pitchFamily="18" charset="0"/>
+              <a:cs typeface="Times New Roman" panose="02020603050405020304" pitchFamily="18" charset="0"/>
+            </a:endParaRPr>
+          </a:p>
+          <a:p>
+            <a:pPr marL="0" indent="0" algn="just">
+              <a:buNone/>
+            </a:pPr>
+            <a:endParaRPr lang="ru-RU" sz="2000" dirty="0" smtClean="0">
+              <a:latin typeface="Times New Roman" panose="02020603050405020304" pitchFamily="18" charset="0"/>
+              <a:cs typeface="Times New Roman" panose="02020603050405020304" pitchFamily="18" charset="0"/>
+            </a:endParaRPr>
+          </a:p>
+          <a:p>
+            <a:pPr marL="0" indent="0" algn="just">
+              <a:buNone/>
+            </a:pPr>
+            <a:r>
+              <a:rPr lang="en-US" sz="2000" dirty="0">
+                <a:latin typeface="Times New Roman" panose="02020603050405020304" pitchFamily="18" charset="0"/>
+                <a:cs typeface="Times New Roman" panose="02020603050405020304" pitchFamily="18" charset="0"/>
+              </a:rPr>
+              <a:t> </a:t>
+            </a:r>
+            <a:r>
+              <a:rPr lang="en-US" sz="2000" dirty="0" smtClean="0">
+                <a:latin typeface="Times New Roman" panose="02020603050405020304" pitchFamily="18" charset="0"/>
+                <a:cs typeface="Times New Roman" panose="02020603050405020304" pitchFamily="18" charset="0"/>
+              </a:rPr>
+              <a:t>     </a:t>
+            </a:r>
+            <a:r>
+              <a:rPr lang="ru-RU" sz="2000" dirty="0" smtClean="0">
+                <a:latin typeface="Times New Roman" panose="02020603050405020304" pitchFamily="18" charset="0"/>
+                <a:cs typeface="Times New Roman" panose="02020603050405020304" pitchFamily="18" charset="0"/>
+              </a:rPr>
+              <a:t>Задачи:</a:t>
+            </a:r>
+          </a:p>
+          <a:p>
+            <a:pPr algn="just"/>
+            <a:r>
+              <a:rPr lang="ru-RU" sz="2000" dirty="0" smtClean="0">
+                <a:solidFill>
+                  <a:schemeClr val="tx1"/>
+                </a:solidFill>
+                <a:latin typeface="Times New Roman" panose="02020603050405020304" pitchFamily="18" charset="0"/>
+                <a:ea typeface="Tahoma" panose="020B0604030504040204" pitchFamily="34" charset="0"/>
+                <a:cs typeface="Times New Roman" panose="02020603050405020304" pitchFamily="18" charset="0"/>
+              </a:rPr>
+              <a:t> описать </a:t>
+            </a:r>
+            <a:r>
+              <a:rPr lang="ru-RU" sz="2000" dirty="0">
+                <a:solidFill>
+                  <a:schemeClr val="tx1"/>
+                </a:solidFill>
+                <a:latin typeface="Times New Roman" panose="02020603050405020304" pitchFamily="18" charset="0"/>
+                <a:ea typeface="Tahoma" panose="020B0604030504040204" pitchFamily="34" charset="0"/>
+                <a:cs typeface="Times New Roman" panose="02020603050405020304" pitchFamily="18" charset="0"/>
+              </a:rPr>
+              <a:t>структуру трехмерной сцены, включая объекты, </a:t>
+            </a:r>
+            <a:r>
+              <a:rPr lang="ru-RU" sz="2000" dirty="0" smtClean="0">
+                <a:solidFill>
+                  <a:schemeClr val="tx1"/>
+                </a:solidFill>
+                <a:latin typeface="Times New Roman" panose="02020603050405020304" pitchFamily="18" charset="0"/>
+                <a:ea typeface="Tahoma" panose="020B0604030504040204" pitchFamily="34" charset="0"/>
+                <a:cs typeface="Times New Roman" panose="02020603050405020304" pitchFamily="18" charset="0"/>
+              </a:rPr>
+              <a:t>из          которых </a:t>
+            </a:r>
+            <a:r>
+              <a:rPr lang="ru-RU" sz="2000" dirty="0">
+                <a:solidFill>
+                  <a:schemeClr val="tx1"/>
+                </a:solidFill>
+                <a:latin typeface="Times New Roman" panose="02020603050405020304" pitchFamily="18" charset="0"/>
+                <a:ea typeface="Tahoma" panose="020B0604030504040204" pitchFamily="34" charset="0"/>
+                <a:cs typeface="Times New Roman" panose="02020603050405020304" pitchFamily="18" charset="0"/>
+              </a:rPr>
+              <a:t>состоит сцена, и дать описание выбранных свойств;</a:t>
+            </a:r>
+          </a:p>
+          <a:p>
+            <a:pPr algn="just"/>
+            <a:r>
+              <a:rPr lang="ru-RU" sz="2000" dirty="0" smtClean="0">
+                <a:solidFill>
+                  <a:schemeClr val="tx1"/>
+                </a:solidFill>
+                <a:latin typeface="Times New Roman" panose="02020603050405020304" pitchFamily="18" charset="0"/>
+                <a:ea typeface="Tahoma" panose="020B0604030504040204" pitchFamily="34" charset="0"/>
+                <a:cs typeface="Times New Roman" panose="02020603050405020304" pitchFamily="18" charset="0"/>
+              </a:rPr>
+              <a:t> выбрать </a:t>
+            </a:r>
+            <a:r>
+              <a:rPr lang="ru-RU" sz="2000" dirty="0">
+                <a:solidFill>
+                  <a:schemeClr val="tx1"/>
+                </a:solidFill>
+                <a:latin typeface="Times New Roman" panose="02020603050405020304" pitchFamily="18" charset="0"/>
+                <a:ea typeface="Tahoma" panose="020B0604030504040204" pitchFamily="34" charset="0"/>
+                <a:cs typeface="Times New Roman" panose="02020603050405020304" pitchFamily="18" charset="0"/>
+              </a:rPr>
+              <a:t>и/или модифицировать существующие алгоритмы </a:t>
+            </a:r>
+            <a:r>
+              <a:rPr lang="ru-RU" sz="2000" dirty="0" smtClean="0">
+                <a:solidFill>
+                  <a:schemeClr val="tx1"/>
+                </a:solidFill>
+                <a:latin typeface="Times New Roman" panose="02020603050405020304" pitchFamily="18" charset="0"/>
+                <a:ea typeface="Tahoma" panose="020B0604030504040204" pitchFamily="34" charset="0"/>
+                <a:cs typeface="Times New Roman" panose="02020603050405020304" pitchFamily="18" charset="0"/>
+              </a:rPr>
+              <a:t> трехмерной </a:t>
+            </a:r>
+            <a:r>
+              <a:rPr lang="ru-RU" sz="2000" dirty="0">
+                <a:solidFill>
+                  <a:schemeClr val="tx1"/>
+                </a:solidFill>
+                <a:latin typeface="Times New Roman" panose="02020603050405020304" pitchFamily="18" charset="0"/>
+                <a:ea typeface="Tahoma" panose="020B0604030504040204" pitchFamily="34" charset="0"/>
+                <a:cs typeface="Times New Roman" panose="02020603050405020304" pitchFamily="18" charset="0"/>
+              </a:rPr>
+              <a:t>графики, которые позволят визуализировать трехмерную сцену</a:t>
+            </a:r>
+            <a:r>
+              <a:rPr lang="ru-RU" sz="2000" dirty="0" smtClean="0">
+                <a:solidFill>
+                  <a:schemeClr val="tx1"/>
+                </a:solidFill>
+                <a:latin typeface="Times New Roman" panose="02020603050405020304" pitchFamily="18" charset="0"/>
+                <a:ea typeface="Tahoma" panose="020B0604030504040204" pitchFamily="34" charset="0"/>
+                <a:cs typeface="Times New Roman" panose="02020603050405020304" pitchFamily="18" charset="0"/>
+              </a:rPr>
+              <a:t>;</a:t>
+            </a:r>
+            <a:endParaRPr lang="ru-RU" sz="2000" dirty="0">
+              <a:solidFill>
+                <a:schemeClr val="tx1"/>
+              </a:solidFill>
+              <a:latin typeface="Times New Roman" panose="02020603050405020304" pitchFamily="18" charset="0"/>
+              <a:ea typeface="Tahoma" panose="020B0604030504040204" pitchFamily="34" charset="0"/>
+              <a:cs typeface="Times New Roman" panose="02020603050405020304" pitchFamily="18" charset="0"/>
+            </a:endParaRPr>
+          </a:p>
+          <a:p>
+            <a:pPr algn="just"/>
+            <a:r>
+              <a:rPr lang="ru-RU" sz="2000" dirty="0" smtClean="0">
+                <a:solidFill>
+                  <a:schemeClr val="tx1"/>
+                </a:solidFill>
+                <a:latin typeface="Times New Roman" panose="02020603050405020304" pitchFamily="18" charset="0"/>
+                <a:ea typeface="Tahoma" panose="020B0604030504040204" pitchFamily="34" charset="0"/>
+                <a:cs typeface="Times New Roman" panose="02020603050405020304" pitchFamily="18" charset="0"/>
+              </a:rPr>
+              <a:t> реализовать </a:t>
+            </a:r>
+            <a:r>
+              <a:rPr lang="ru-RU" sz="2000" dirty="0">
+                <a:solidFill>
+                  <a:schemeClr val="tx1"/>
+                </a:solidFill>
+                <a:latin typeface="Times New Roman" panose="02020603050405020304" pitchFamily="18" charset="0"/>
+                <a:ea typeface="Tahoma" panose="020B0604030504040204" pitchFamily="34" charset="0"/>
+                <a:cs typeface="Times New Roman" panose="02020603050405020304" pitchFamily="18" charset="0"/>
+              </a:rPr>
+              <a:t>данные алгоритмы для создания трехмерной сцены;</a:t>
+            </a:r>
+          </a:p>
+          <a:p>
+            <a:pPr algn="just"/>
+            <a:r>
+              <a:rPr lang="ru-RU" sz="2000" dirty="0" smtClean="0">
+                <a:solidFill>
+                  <a:schemeClr val="tx1"/>
+                </a:solidFill>
+                <a:latin typeface="Times New Roman" panose="02020603050405020304" pitchFamily="18" charset="0"/>
+                <a:ea typeface="Tahoma" panose="020B0604030504040204" pitchFamily="34" charset="0"/>
+                <a:cs typeface="Times New Roman" panose="02020603050405020304" pitchFamily="18" charset="0"/>
+              </a:rPr>
+              <a:t> разработать </a:t>
+            </a:r>
+            <a:r>
+              <a:rPr lang="ru-RU" sz="2000" dirty="0">
+                <a:solidFill>
+                  <a:schemeClr val="tx1"/>
+                </a:solidFill>
+                <a:latin typeface="Times New Roman" panose="02020603050405020304" pitchFamily="18" charset="0"/>
+                <a:ea typeface="Tahoma" panose="020B0604030504040204" pitchFamily="34" charset="0"/>
+                <a:cs typeface="Times New Roman" panose="02020603050405020304" pitchFamily="18" charset="0"/>
+              </a:rPr>
+              <a:t>программное обеспечение, которое позволит отобразить трехмерную сцену и визуализировать оптические эффекты. </a:t>
+            </a:r>
+          </a:p>
+        </p:txBody>
+      </p:sp>
     </p:spTree>
     <p:extLst>
       <p:ext uri="{BB962C8B-B14F-4D97-AF65-F5344CB8AC3E}">
-        <p14:creationId xmlns:p14="http://schemas.microsoft.com/office/powerpoint/2010/main" val="3122344587"/>
+        <p14:creationId xmlns:p14="http://schemas.microsoft.com/office/powerpoint/2010/main" val="2875991046"/>
       </p:ext>
     </p:extLst>
   </p:cSld>
@@ -6156,85 +4933,65 @@
         </p:nvSpPr>
         <p:spPr/>
         <p:txBody>
+          <a:bodyPr/>
+          <a:lstStyle/>
+          <a:p>
+            <a:r>
+              <a:rPr lang="ru-RU" dirty="0" smtClean="0"/>
+              <a:t>Предметная область</a:t>
+            </a:r>
+            <a:endParaRPr lang="ru-RU" dirty="0"/>
+          </a:p>
+        </p:txBody>
+      </p:sp>
+      <p:sp>
+        <p:nvSpPr>
+          <p:cNvPr id="3" name="Объект 2"/>
+          <p:cNvSpPr>
+            <a:spLocks noGrp="1"/>
+          </p:cNvSpPr>
+          <p:nvPr>
+            <p:ph idx="1"/>
+          </p:nvPr>
+        </p:nvSpPr>
+        <p:spPr>
+          <a:xfrm>
+            <a:off x="395536" y="1340768"/>
+            <a:ext cx="8229600" cy="4525963"/>
+          </a:xfrm>
+        </p:spPr>
+        <p:txBody>
           <a:bodyPr>
-            <a:normAutofit fontScale="90000"/>
+            <a:normAutofit/>
           </a:bodyPr>
           <a:lstStyle/>
           <a:p>
-            <a:r>
-              <a:rPr lang="ru-RU" dirty="0" smtClean="0">
-                <a:solidFill>
-                  <a:schemeClr val="tx1"/>
-                </a:solidFill>
-              </a:rPr>
-              <a:t>Формализация объектов сцены</a:t>
-            </a:r>
-            <a:endParaRPr lang="ru-RU" dirty="0">
-              <a:solidFill>
-                <a:schemeClr val="tx1"/>
-              </a:solidFill>
-            </a:endParaRPr>
-          </a:p>
-        </p:txBody>
-      </p:sp>
-      <p:sp>
-        <p:nvSpPr>
-          <p:cNvPr id="4" name="Объект 3"/>
-          <p:cNvSpPr>
-            <a:spLocks noGrp="1"/>
-          </p:cNvSpPr>
-          <p:nvPr>
-            <p:ph idx="1"/>
-          </p:nvPr>
-        </p:nvSpPr>
-        <p:spPr/>
-        <p:txBody>
-          <a:bodyPr/>
-          <a:lstStyle/>
-          <a:p>
-            <a:r>
-              <a:rPr lang="ru-RU" dirty="0" smtClean="0">
-                <a:solidFill>
-                  <a:schemeClr val="tx1"/>
-                </a:solidFill>
-              </a:rPr>
-              <a:t>Сфера</a:t>
-            </a:r>
-          </a:p>
-          <a:p>
-            <a:r>
-              <a:rPr lang="ru-RU" dirty="0" smtClean="0">
-                <a:solidFill>
-                  <a:schemeClr val="tx1"/>
-                </a:solidFill>
-              </a:rPr>
-              <a:t>Треугольник</a:t>
-            </a:r>
-          </a:p>
-          <a:p>
-            <a:r>
-              <a:rPr lang="ru-RU" dirty="0" smtClean="0">
-                <a:solidFill>
-                  <a:schemeClr val="tx1"/>
-                </a:solidFill>
-              </a:rPr>
-              <a:t>Источники света</a:t>
-            </a:r>
-          </a:p>
-          <a:p>
-            <a:endParaRPr lang="ru-RU" dirty="0" smtClean="0"/>
-          </a:p>
-          <a:p>
-            <a:pPr marL="114300" indent="0">
+            <a:pPr marL="0" indent="0" algn="just">
+              <a:lnSpc>
+                <a:spcPct val="150000"/>
+              </a:lnSpc>
               <a:buNone/>
             </a:pPr>
-            <a:endParaRPr lang="ru-RU" dirty="0"/>
-          </a:p>
-        </p:txBody>
-      </p:sp>
-      <p:sp>
-        <p:nvSpPr>
-          <p:cNvPr id="3" name="Номер слайда 2"/>
+            <a:r>
+              <a:rPr lang="ru-RU" sz="2000" dirty="0" smtClean="0">
+                <a:latin typeface="Times New Roman" panose="02020603050405020304" pitchFamily="18" charset="0"/>
+                <a:cs typeface="Times New Roman" panose="02020603050405020304" pitchFamily="18" charset="0"/>
+              </a:rPr>
+              <a:t>	В </a:t>
+            </a:r>
+            <a:r>
+              <a:rPr lang="ru-RU" sz="2000" dirty="0">
+                <a:latin typeface="Times New Roman" panose="02020603050405020304" pitchFamily="18" charset="0"/>
+                <a:cs typeface="Times New Roman" panose="02020603050405020304" pitchFamily="18" charset="0"/>
+              </a:rPr>
+              <a:t>компьютерной графике на сегодняшний день большое внимание уделяется алгоритмам получения реалистических изображений. Эти алгоритмы являются самыми затратными по времени. Обусловлено это тем, что они должны предусматривать множество физических явлений, таких как преломление, отражение, рассеивание света. </a:t>
+            </a:r>
+          </a:p>
+        </p:txBody>
+      </p:sp>
+      <p:sp>
+        <p:nvSpPr>
+          <p:cNvPr id="4" name="Номер слайда 3"/>
           <p:cNvSpPr>
             <a:spLocks noGrp="1"/>
           </p:cNvSpPr>
@@ -6257,98 +5014,49 @@
       </p:sp>
       <p:pic>
         <p:nvPicPr>
-          <p:cNvPr id="5" name="Рисунок 4"/>
+          <p:cNvPr id="1026" name="Picture 2" descr="C:\Users\zhigalkin\OneDrive\Desktop\1.jpeg"/>
           <p:cNvPicPr>
-            <a:picLocks noChangeAspect="1"/>
+            <a:picLocks noChangeAspect="1" noChangeArrowheads="1"/>
           </p:cNvPicPr>
           <p:nvPr/>
         </p:nvPicPr>
         <p:blipFill>
-          <a:blip r:embed="rId2" cstate="print">
+          <a:blip r:embed="rId2">
             <a:extLst>
               <a:ext uri="{28A0092B-C50C-407E-A947-70E740481C1C}">
                 <a14:useLocalDpi xmlns:a14="http://schemas.microsoft.com/office/drawing/2010/main" val="0"/>
               </a:ext>
             </a:extLst>
           </a:blip>
+          <a:srcRect/>
           <a:stretch>
             <a:fillRect/>
           </a:stretch>
         </p:blipFill>
-        <p:spPr>
+        <p:spPr bwMode="auto">
           <a:xfrm>
-            <a:off x="467544" y="3933056"/>
-            <a:ext cx="2679163" cy="1997120"/>
+            <a:off x="2339752" y="3943818"/>
+            <a:ext cx="4680520" cy="2632793"/>
           </a:xfrm>
           <a:prstGeom prst="rect">
             <a:avLst/>
           </a:prstGeom>
-        </p:spPr>
-      </p:pic>
-      <p:pic>
-        <p:nvPicPr>
-          <p:cNvPr id="6" name="Рисунок 5"/>
-          <p:cNvPicPr>
-            <a:picLocks noChangeAspect="1"/>
-          </p:cNvPicPr>
-          <p:nvPr/>
-        </p:nvPicPr>
-        <p:blipFill>
-          <a:blip r:embed="rId3">
-            <a:extLst>
-              <a:ext uri="{28A0092B-C50C-407E-A947-70E740481C1C}">
-                <a14:useLocalDpi xmlns:a14="http://schemas.microsoft.com/office/drawing/2010/main" val="0"/>
-              </a:ext>
-            </a:extLst>
-          </a:blip>
-          <a:stretch>
-            <a:fillRect/>
-          </a:stretch>
-        </p:blipFill>
-        <p:spPr>
-          <a:xfrm>
-            <a:off x="3491880" y="3933056"/>
-            <a:ext cx="2723139" cy="2125724"/>
-          </a:xfrm>
-          <a:prstGeom prst="rect">
-            <a:avLst/>
-          </a:prstGeom>
-        </p:spPr>
-      </p:pic>
-      <p:pic>
-        <p:nvPicPr>
-          <p:cNvPr id="7" name="Рисунок 6"/>
-          <p:cNvPicPr>
-            <a:picLocks noChangeAspect="1"/>
-          </p:cNvPicPr>
-          <p:nvPr/>
-        </p:nvPicPr>
-        <p:blipFill>
-          <a:blip r:embed="rId4">
-            <a:extLst>
-              <a:ext uri="{28A0092B-C50C-407E-A947-70E740481C1C}">
-                <a14:useLocalDpi xmlns:a14="http://schemas.microsoft.com/office/drawing/2010/main" val="0"/>
-              </a:ext>
-            </a:extLst>
-          </a:blip>
-          <a:stretch>
-            <a:fillRect/>
-          </a:stretch>
-        </p:blipFill>
-        <p:spPr>
-          <a:xfrm>
-            <a:off x="6732240" y="3933056"/>
-            <a:ext cx="2050678" cy="2260278"/>
-          </a:xfrm>
-          <a:prstGeom prst="rect">
-            <a:avLst/>
-          </a:prstGeom>
+          <a:noFill/>
+          <a:extLst>
+            <a:ext uri="{909E8E84-426E-40DD-AFC4-6F175D3DCCD1}">
+              <a14:hiddenFill xmlns:a14="http://schemas.microsoft.com/office/drawing/2010/main">
+                <a:solidFill>
+                  <a:srgbClr val="FFFFFF"/>
+                </a:solidFill>
+              </a14:hiddenFill>
+            </a:ext>
+          </a:extLst>
         </p:spPr>
       </p:pic>
     </p:spTree>
     <p:extLst>
       <p:ext uri="{BB962C8B-B14F-4D97-AF65-F5344CB8AC3E}">
-        <p14:creationId xmlns:p14="http://schemas.microsoft.com/office/powerpoint/2010/main" val="2832849005"/>
+        <p14:creationId xmlns:p14="http://schemas.microsoft.com/office/powerpoint/2010/main" val="1357681864"/>
       </p:ext>
     </p:extLst>
   </p:cSld>
@@ -6403,7 +5111,7 @@
                   <a:schemeClr val="tx1"/>
                 </a:solidFill>
               </a:rPr>
-              <a:t>Выбор алгоритма</a:t>
+              <a:t>Анализ алгоритмов</a:t>
             </a:r>
             <a:endParaRPr lang="ru-RU" dirty="0">
               <a:solidFill>
@@ -6820,15 +5528,7 @@
                   <a:schemeClr val="tx1"/>
                 </a:solidFill>
               </a:rPr>
-              <a:t>Модель освещения </a:t>
-            </a:r>
-            <a:r>
-              <a:rPr lang="ru-RU" dirty="0" err="1" smtClean="0">
-                <a:solidFill>
-                  <a:schemeClr val="tx1"/>
-                </a:solidFill>
-              </a:rPr>
-              <a:t>Фонга</a:t>
+              <a:t>Алгоритм трассировки лучей</a:t>
             </a:r>
             <a:endParaRPr lang="ru-RU" dirty="0">
               <a:solidFill>
@@ -6838,706 +5538,427 @@
           </a:p>
         </p:txBody>
       </p:sp>
-      <mc:AlternateContent xmlns:mc="http://schemas.openxmlformats.org/markup-compatibility/2006">
-        <mc:Choice xmlns:a14="http://schemas.microsoft.com/office/drawing/2010/main" Requires="a14">
-          <p:sp>
-            <p:nvSpPr>
-              <p:cNvPr id="3" name="Объект 2"/>
-              <p:cNvSpPr>
-                <a:spLocks noGrp="1"/>
-              </p:cNvSpPr>
-              <p:nvPr>
-                <p:ph idx="1"/>
-              </p:nvPr>
-            </p:nvSpPr>
-            <p:spPr/>
-            <p:txBody>
-              <a:bodyPr/>
-              <a:lstStyle/>
-              <a:p>
-                <a:pPr marL="114300" indent="0" algn="just">
-                  <a:buNone/>
-                </a:pPr>
-                <a14:m>
-                  <m:oMathPara xmlns:m="http://schemas.openxmlformats.org/officeDocument/2006/math">
-                    <m:oMathParaPr>
-                      <m:jc m:val="center"/>
-                    </m:oMathParaPr>
-                    <m:oMath xmlns:m="http://schemas.openxmlformats.org/officeDocument/2006/math">
-                      <m:r>
-                        <a:rPr lang="en-US" sz="2200" i="1"/>
-                        <m:t>𝐼</m:t>
-                      </m:r>
-                      <m:r>
-                        <a:rPr lang="en-US" sz="2200" i="1"/>
-                        <m:t>= </m:t>
-                      </m:r>
-                      <m:sSub>
-                        <m:sSubPr>
-                          <m:ctrlPr>
-                            <a:rPr lang="ru-RU" sz="2200" i="1"/>
-                          </m:ctrlPr>
-                        </m:sSubPr>
-                        <m:e>
-                          <m:r>
-                            <a:rPr lang="ru-RU" sz="2200" i="1"/>
-                            <m:t>𝐼</m:t>
-                          </m:r>
-                        </m:e>
-                        <m:sub>
-                          <m:r>
-                            <a:rPr lang="ru-RU" sz="2200" i="1"/>
-                            <m:t>𝐴</m:t>
-                          </m:r>
-                        </m:sub>
-                      </m:sSub>
-                      <m:r>
-                        <a:rPr lang="en-US" sz="2200" i="1"/>
-                        <m:t>+</m:t>
-                      </m:r>
-                      <m:sSub>
-                        <m:sSubPr>
-                          <m:ctrlPr>
-                            <a:rPr lang="ru-RU" sz="2200" i="1"/>
-                          </m:ctrlPr>
-                        </m:sSubPr>
-                        <m:e>
-                          <m:r>
-                            <a:rPr lang="ru-RU" sz="2200" i="1"/>
-                            <m:t>𝐼</m:t>
-                          </m:r>
-                        </m:e>
-                        <m:sub>
-                          <m:r>
-                            <a:rPr lang="en-US" sz="2200" i="1"/>
-                            <m:t>𝑚</m:t>
-                          </m:r>
-                        </m:sub>
-                      </m:sSub>
-                      <m:f>
-                        <m:fPr>
-                          <m:ctrlPr>
-                            <a:rPr lang="ru-RU" sz="2200" i="1"/>
-                          </m:ctrlPr>
-                        </m:fPr>
-                        <m:num>
-                          <m:d>
-                            <m:dPr>
-                              <m:begChr m:val="〈"/>
-                              <m:endChr m:val="〉"/>
-                              <m:ctrlPr>
-                                <a:rPr lang="ru-RU" sz="2200" i="1"/>
-                              </m:ctrlPr>
-                            </m:dPr>
-                            <m:e>
-                              <m:acc>
-                                <m:accPr>
-                                  <m:chr m:val="⃗"/>
-                                  <m:ctrlPr>
-                                    <a:rPr lang="ru-RU" sz="2200" i="1"/>
-                                  </m:ctrlPr>
-                                </m:accPr>
-                                <m:e>
-                                  <m:r>
-                                    <a:rPr lang="ru-RU" sz="2200" i="1"/>
-                                    <m:t>𝑁</m:t>
-                                  </m:r>
-                                </m:e>
-                              </m:acc>
-                              <m:r>
-                                <a:rPr lang="ru-RU" sz="2200" i="1"/>
-                                <m:t>, </m:t>
-                              </m:r>
-                              <m:acc>
-                                <m:accPr>
-                                  <m:chr m:val="⃗"/>
-                                  <m:ctrlPr>
-                                    <a:rPr lang="ru-RU" sz="2200" i="1"/>
-                                  </m:ctrlPr>
-                                </m:accPr>
-                                <m:e>
-                                  <m:r>
-                                    <a:rPr lang="ru-RU" sz="2200" i="1"/>
-                                    <m:t>𝐿</m:t>
-                                  </m:r>
-                                </m:e>
-                              </m:acc>
-                            </m:e>
-                          </m:d>
-                        </m:num>
-                        <m:den>
-                          <m:d>
-                            <m:dPr>
-                              <m:begChr m:val="|"/>
-                              <m:endChr m:val="|"/>
-                              <m:ctrlPr>
-                                <a:rPr lang="ru-RU" sz="2200" i="1"/>
-                              </m:ctrlPr>
-                            </m:dPr>
-                            <m:e>
-                              <m:acc>
-                                <m:accPr>
-                                  <m:chr m:val="⃗"/>
-                                  <m:ctrlPr>
-                                    <a:rPr lang="ru-RU" sz="2200" i="1"/>
-                                  </m:ctrlPr>
-                                </m:accPr>
-                                <m:e>
-                                  <m:r>
-                                    <a:rPr lang="ru-RU" sz="2200" i="1"/>
-                                    <m:t>𝑁</m:t>
-                                  </m:r>
-                                </m:e>
-                              </m:acc>
-                            </m:e>
-                          </m:d>
-                          <m:d>
-                            <m:dPr>
-                              <m:begChr m:val="|"/>
-                              <m:endChr m:val="|"/>
-                              <m:ctrlPr>
-                                <a:rPr lang="ru-RU" sz="2200" i="1"/>
-                              </m:ctrlPr>
-                            </m:dPr>
-                            <m:e>
-                              <m:acc>
-                                <m:accPr>
-                                  <m:chr m:val="⃗"/>
-                                  <m:ctrlPr>
-                                    <a:rPr lang="ru-RU" sz="2200" i="1"/>
-                                  </m:ctrlPr>
-                                </m:accPr>
-                                <m:e>
-                                  <m:r>
-                                    <a:rPr lang="ru-RU" sz="2200" i="1"/>
-                                    <m:t>𝐿</m:t>
-                                  </m:r>
-                                </m:e>
-                              </m:acc>
-                            </m:e>
-                          </m:d>
-                        </m:den>
-                      </m:f>
-                      <m:r>
-                        <a:rPr lang="en-US" sz="2200" i="1"/>
-                        <m:t>+</m:t>
-                      </m:r>
-                      <m:sSub>
-                        <m:sSubPr>
-                          <m:ctrlPr>
-                            <a:rPr lang="ru-RU" sz="2200" i="1"/>
-                          </m:ctrlPr>
-                        </m:sSubPr>
-                        <m:e>
-                          <m:r>
-                            <a:rPr lang="en-US" sz="2200" i="1"/>
-                            <m:t>𝐼</m:t>
-                          </m:r>
-                        </m:e>
-                        <m:sub>
-                          <m:r>
-                            <a:rPr lang="en-US" sz="2200" i="1"/>
-                            <m:t>𝑚</m:t>
-                          </m:r>
-                        </m:sub>
-                      </m:sSub>
-                      <m:sSup>
-                        <m:sSupPr>
-                          <m:ctrlPr>
-                            <a:rPr lang="ru-RU" sz="2200" i="1"/>
-                          </m:ctrlPr>
-                        </m:sSupPr>
-                        <m:e>
-                          <m:d>
-                            <m:dPr>
-                              <m:ctrlPr>
-                                <a:rPr lang="ru-RU" sz="2200" i="1"/>
-                              </m:ctrlPr>
-                            </m:dPr>
-                            <m:e>
-                              <m:f>
-                                <m:fPr>
-                                  <m:ctrlPr>
-                                    <a:rPr lang="ru-RU" sz="2200" i="1"/>
-                                  </m:ctrlPr>
-                                </m:fPr>
-                                <m:num>
-                                  <m:d>
-                                    <m:dPr>
-                                      <m:begChr m:val="⟨"/>
-                                      <m:endChr m:val="⟩"/>
-                                      <m:ctrlPr>
-                                        <a:rPr lang="ru-RU" sz="2200" i="1"/>
-                                      </m:ctrlPr>
-                                    </m:dPr>
-                                    <m:e>
-                                      <m:acc>
-                                        <m:accPr>
-                                          <m:chr m:val="⃗"/>
-                                          <m:ctrlPr>
-                                            <a:rPr lang="ru-RU" sz="2200" i="1"/>
-                                          </m:ctrlPr>
-                                        </m:accPr>
-                                        <m:e>
-                                          <m:r>
-                                            <a:rPr lang="en-US" sz="2200" i="1"/>
-                                            <m:t>𝑅</m:t>
-                                          </m:r>
-                                        </m:e>
-                                      </m:acc>
-                                      <m:r>
-                                        <a:rPr lang="en-US" sz="2200"/>
-                                        <m:t>, </m:t>
-                                      </m:r>
-                                      <m:acc>
-                                        <m:accPr>
-                                          <m:chr m:val="⃗"/>
-                                          <m:ctrlPr>
-                                            <a:rPr lang="ru-RU" sz="2200" i="1"/>
-                                          </m:ctrlPr>
-                                        </m:accPr>
-                                        <m:e>
-                                          <m:r>
-                                            <a:rPr lang="ru-RU" sz="2200" i="1"/>
-                                            <m:t>𝑉</m:t>
-                                          </m:r>
-                                        </m:e>
-                                      </m:acc>
-                                    </m:e>
-                                  </m:d>
-                                </m:num>
-                                <m:den>
-                                  <m:d>
-                                    <m:dPr>
-                                      <m:begChr m:val="|"/>
-                                      <m:endChr m:val="|"/>
-                                      <m:ctrlPr>
-                                        <a:rPr lang="ru-RU" sz="2200" i="1"/>
-                                      </m:ctrlPr>
-                                    </m:dPr>
-                                    <m:e>
-                                      <m:acc>
-                                        <m:accPr>
-                                          <m:chr m:val="⃗"/>
-                                          <m:ctrlPr>
-                                            <a:rPr lang="ru-RU" sz="2200" i="1"/>
-                                          </m:ctrlPr>
-                                        </m:accPr>
-                                        <m:e>
-                                          <m:r>
-                                            <a:rPr lang="en-US" sz="2200" i="1"/>
-                                            <m:t>𝑅</m:t>
-                                          </m:r>
-                                        </m:e>
-                                      </m:acc>
-                                    </m:e>
-                                  </m:d>
-                                  <m:d>
-                                    <m:dPr>
-                                      <m:begChr m:val="|"/>
-                                      <m:endChr m:val="|"/>
-                                      <m:ctrlPr>
-                                        <a:rPr lang="ru-RU" sz="2200" i="1"/>
-                                      </m:ctrlPr>
-                                    </m:dPr>
-                                    <m:e>
-                                      <m:acc>
-                                        <m:accPr>
-                                          <m:chr m:val="⃗"/>
-                                          <m:ctrlPr>
-                                            <a:rPr lang="ru-RU" sz="2200" i="1"/>
-                                          </m:ctrlPr>
-                                        </m:accPr>
-                                        <m:e>
-                                          <m:r>
-                                            <a:rPr lang="en-US" sz="2200" i="1"/>
-                                            <m:t>𝑉</m:t>
-                                          </m:r>
-                                        </m:e>
-                                      </m:acc>
-                                    </m:e>
-                                  </m:d>
-                                </m:den>
-                              </m:f>
-                            </m:e>
-                          </m:d>
-                        </m:e>
-                        <m:sup>
-                          <m:r>
-                            <a:rPr lang="en-US" sz="2200" i="1"/>
-                            <m:t>𝛽</m:t>
-                          </m:r>
-                        </m:sup>
-                      </m:sSup>
-                    </m:oMath>
-                  </m:oMathPara>
-                </a14:m>
-                <a:endParaRPr lang="ru-RU" sz="2200" dirty="0" smtClean="0"/>
-              </a:p>
-              <a:p>
-                <a:pPr marL="114300" indent="0" algn="just">
-                  <a:buNone/>
-                </a:pPr>
-                <a:endParaRPr lang="ru-RU" sz="2200" dirty="0"/>
-              </a:p>
-              <a:p>
-                <a:pPr marL="114300" indent="0">
-                  <a:buNone/>
-                </a:pPr>
-                <a:r>
-                  <a:rPr lang="ru-RU" sz="1800" dirty="0"/>
-                  <a:t>где </a:t>
-                </a:r>
-                <a14:m>
-                  <m:oMath xmlns:m="http://schemas.openxmlformats.org/officeDocument/2006/math">
-                    <m:sSub>
-                      <m:sSubPr>
-                        <m:ctrlPr>
-                          <a:rPr lang="ru-RU" sz="1800" i="1"/>
-                        </m:ctrlPr>
-                      </m:sSubPr>
-                      <m:e>
-                        <m:r>
-                          <a:rPr lang="ru-RU" sz="1800" i="1"/>
-                          <m:t>𝐼</m:t>
-                        </m:r>
-                      </m:e>
-                      <m:sub>
-                        <m:r>
-                          <a:rPr lang="en-US" sz="1800" i="1"/>
-                          <m:t>𝑚</m:t>
-                        </m:r>
-                      </m:sub>
-                    </m:sSub>
-                    <m:r>
-                      <a:rPr lang="ru-RU" sz="1800" i="1"/>
-                      <m:t>− </m:t>
-                    </m:r>
-                  </m:oMath>
-                </a14:m>
-                <a:r>
-                  <a:rPr lang="ru-RU" sz="1800" dirty="0"/>
-                  <a:t>интенсивность источника </a:t>
-                </a:r>
-                <a:r>
-                  <a:rPr lang="en-US" sz="1800" dirty="0"/>
-                  <a:t>m</a:t>
-                </a:r>
-                <a:r>
-                  <a:rPr lang="ru-RU" sz="1800" dirty="0"/>
-                  <a:t>,</a:t>
-                </a:r>
-              </a:p>
-              <a:p>
-                <a:pPr marL="114300" indent="0">
-                  <a:buNone/>
-                </a:pPr>
-                <a14:m>
-                  <m:oMath xmlns:m="http://schemas.openxmlformats.org/officeDocument/2006/math">
-                    <m:sSub>
-                      <m:sSubPr>
-                        <m:ctrlPr>
-                          <a:rPr lang="ru-RU" sz="1800" i="1"/>
-                        </m:ctrlPr>
-                      </m:sSubPr>
-                      <m:e>
-                        <m:r>
-                          <a:rPr lang="ru-RU" sz="1800" i="1"/>
-                          <m:t>𝐼</m:t>
-                        </m:r>
-                      </m:e>
-                      <m:sub>
-                        <m:r>
-                          <a:rPr lang="ru-RU" sz="1800" i="1"/>
-                          <m:t>𝐴</m:t>
-                        </m:r>
-                      </m:sub>
-                    </m:sSub>
-                    <m:r>
-                      <a:rPr lang="ru-RU" sz="1800" i="1"/>
-                      <m:t>−интенсивность окружающего освещения</m:t>
-                    </m:r>
-                  </m:oMath>
-                </a14:m>
-                <a:r>
-                  <a:rPr lang="ru-RU" sz="1800" i="1" dirty="0"/>
-                  <a:t>,</a:t>
-                </a:r>
-                <a:endParaRPr lang="ru-RU" sz="1800" dirty="0"/>
-              </a:p>
-              <a:p>
-                <a:pPr marL="114300" indent="0">
-                  <a:buNone/>
-                </a:pPr>
-                <a14:m>
-                  <m:oMath xmlns:m="http://schemas.openxmlformats.org/officeDocument/2006/math">
-                    <m:acc>
-                      <m:accPr>
-                        <m:chr m:val="⃗"/>
-                        <m:ctrlPr>
-                          <a:rPr lang="ru-RU" sz="1800" i="1"/>
-                        </m:ctrlPr>
-                      </m:accPr>
-                      <m:e>
-                        <m:r>
-                          <a:rPr lang="ru-RU" sz="1800" i="1"/>
-                          <m:t>𝐿</m:t>
-                        </m:r>
-                      </m:e>
-                    </m:acc>
-                    <m:r>
-                      <a:rPr lang="ru-RU" sz="1800" i="1"/>
-                      <m:t>−направление на источник света</m:t>
-                    </m:r>
-                  </m:oMath>
-                </a14:m>
-                <a:r>
-                  <a:rPr lang="ru-RU" sz="1800" i="1" dirty="0" smtClean="0"/>
-                  <a:t>,</a:t>
-                </a:r>
-                <a:endParaRPr lang="ru-RU" sz="1800" dirty="0"/>
-              </a:p>
-              <a:p>
-                <a:pPr marL="114300" indent="0">
-                  <a:buNone/>
-                </a:pPr>
-                <a:r>
-                  <a:rPr lang="ru-RU" sz="1800" i="1" dirty="0" smtClean="0"/>
-                  <a:t> </a:t>
-                </a:r>
-                <a14:m>
-                  <m:oMath xmlns:m="http://schemas.openxmlformats.org/officeDocument/2006/math">
-                    <m:acc>
-                      <m:accPr>
-                        <m:chr m:val="⃗"/>
-                        <m:ctrlPr>
-                          <a:rPr lang="ru-RU" sz="1800" i="1"/>
-                        </m:ctrlPr>
-                      </m:accPr>
-                      <m:e>
-                        <m:r>
-                          <a:rPr lang="ru-RU" sz="1800" i="1"/>
-                          <m:t>𝑁</m:t>
-                        </m:r>
-                        <m:r>
-                          <a:rPr lang="ru-RU" sz="1800" i="1"/>
-                          <m:t> </m:t>
-                        </m:r>
-                      </m:e>
-                    </m:acc>
-                    <m:r>
-                      <a:rPr lang="ru-RU" sz="1800" i="1"/>
-                      <m:t>–нормаль в данной точке,</m:t>
-                    </m:r>
-                  </m:oMath>
-                </a14:m>
-                <a:endParaRPr lang="ru-RU" sz="1800" dirty="0"/>
-              </a:p>
-              <a:p>
-                <a:pPr marL="114300" indent="0">
-                  <a:buNone/>
-                </a:pPr>
-                <a14:m>
-                  <m:oMath xmlns:m="http://schemas.openxmlformats.org/officeDocument/2006/math">
-                    <m:acc>
-                      <m:accPr>
-                        <m:chr m:val="⃗"/>
-                        <m:ctrlPr>
-                          <a:rPr lang="ru-RU" sz="1800" i="1"/>
-                        </m:ctrlPr>
-                      </m:accPr>
-                      <m:e>
-                        <m:r>
-                          <a:rPr lang="en-US" sz="1800" i="1"/>
-                          <m:t>𝑅</m:t>
-                        </m:r>
-                      </m:e>
-                    </m:acc>
-                    <m:r>
-                      <a:rPr lang="ru-RU" sz="1800" i="1"/>
-                      <m:t>=2</m:t>
-                    </m:r>
-                    <m:acc>
-                      <m:accPr>
-                        <m:chr m:val="⃗"/>
-                        <m:ctrlPr>
-                          <a:rPr lang="ru-RU" sz="1800" i="1"/>
-                        </m:ctrlPr>
-                      </m:accPr>
-                      <m:e>
-                        <m:r>
-                          <a:rPr lang="en-US" sz="1800" i="1"/>
-                          <m:t>𝑁</m:t>
-                        </m:r>
-                      </m:e>
-                    </m:acc>
-                    <m:d>
-                      <m:dPr>
-                        <m:begChr m:val="〈"/>
-                        <m:endChr m:val="〉"/>
-                        <m:ctrlPr>
-                          <a:rPr lang="ru-RU" sz="1800" i="1"/>
-                        </m:ctrlPr>
-                      </m:dPr>
-                      <m:e>
-                        <m:acc>
-                          <m:accPr>
-                            <m:chr m:val="⃗"/>
-                            <m:ctrlPr>
-                              <a:rPr lang="ru-RU" sz="1800" i="1"/>
-                            </m:ctrlPr>
-                          </m:accPr>
-                          <m:e>
-                            <m:r>
-                              <a:rPr lang="en-US" sz="1800" i="1"/>
-                              <m:t>𝑁</m:t>
-                            </m:r>
-                            <m:r>
-                              <a:rPr lang="ru-RU" sz="1800" i="1"/>
-                              <m:t>,</m:t>
-                            </m:r>
-                          </m:e>
-                        </m:acc>
-                        <m:r>
-                          <a:rPr lang="en-US" sz="1800" i="1"/>
-                          <m:t> </m:t>
-                        </m:r>
-                        <m:acc>
-                          <m:accPr>
-                            <m:chr m:val="⃗"/>
-                            <m:ctrlPr>
-                              <a:rPr lang="ru-RU" sz="1800" i="1"/>
-                            </m:ctrlPr>
-                          </m:accPr>
-                          <m:e>
-                            <m:r>
-                              <a:rPr lang="en-US" sz="1800" i="1"/>
-                              <m:t>𝐿</m:t>
-                            </m:r>
-                          </m:e>
-                        </m:acc>
-                      </m:e>
-                    </m:d>
-                    <m:r>
-                      <a:rPr lang="ru-RU" sz="1800" i="1"/>
-                      <m:t>− </m:t>
-                    </m:r>
-                    <m:acc>
-                      <m:accPr>
-                        <m:chr m:val="⃗"/>
-                        <m:ctrlPr>
-                          <a:rPr lang="ru-RU" sz="1800" i="1"/>
-                        </m:ctrlPr>
-                      </m:accPr>
-                      <m:e>
-                        <m:r>
-                          <a:rPr lang="en-US" sz="1800" i="1"/>
-                          <m:t>𝐿</m:t>
-                        </m:r>
-                      </m:e>
-                    </m:acc>
-                  </m:oMath>
-                </a14:m>
-                <a:r>
-                  <a:rPr lang="ru-RU" sz="1800" i="1" dirty="0"/>
-                  <a:t>,</a:t>
-                </a:r>
-                <a:endParaRPr lang="ru-RU" sz="1800" dirty="0"/>
-              </a:p>
-              <a:p>
-                <a:pPr marL="114300" indent="0">
-                  <a:buNone/>
-                </a:pPr>
-                <a14:m>
-                  <m:oMath xmlns:m="http://schemas.openxmlformats.org/officeDocument/2006/math">
-                    <m:acc>
-                      <m:accPr>
-                        <m:chr m:val="⃗"/>
-                        <m:ctrlPr>
-                          <a:rPr lang="ru-RU" sz="1800" i="1"/>
-                        </m:ctrlPr>
-                      </m:accPr>
-                      <m:e>
-                        <m:r>
-                          <a:rPr lang="en-US" sz="1800" i="1"/>
-                          <m:t>𝑉</m:t>
-                        </m:r>
-                      </m:e>
-                    </m:acc>
-                    <m:r>
-                      <a:rPr lang="ru-RU" sz="1800" i="1"/>
-                      <m:t>−вектор направления на наблюдателя</m:t>
-                    </m:r>
-                  </m:oMath>
-                </a14:m>
-                <a:r>
-                  <a:rPr lang="ru-RU" sz="1800" i="1" dirty="0"/>
-                  <a:t>,</a:t>
-                </a:r>
-                <a:endParaRPr lang="ru-RU" sz="1800" dirty="0"/>
-              </a:p>
-              <a:p>
-                <a:pPr marL="114300" indent="0">
-                  <a:buNone/>
-                </a:pPr>
-                <a14:m>
-                  <m:oMath xmlns:m="http://schemas.openxmlformats.org/officeDocument/2006/math">
-                    <m:r>
-                      <a:rPr lang="en-US" sz="1800" i="1"/>
-                      <m:t>𝛽</m:t>
-                    </m:r>
-                    <m:r>
-                      <a:rPr lang="ru-RU" sz="1800" i="1"/>
-                      <m:t>−коэффициент блеска</m:t>
-                    </m:r>
-                  </m:oMath>
-                </a14:m>
-                <a:r>
-                  <a:rPr lang="ru-RU" sz="1800" i="1" dirty="0"/>
-                  <a:t>.</a:t>
-                </a:r>
-                <a:endParaRPr lang="ru-RU" sz="1800" dirty="0"/>
-              </a:p>
-              <a:p>
-                <a:endParaRPr lang="ru-RU" dirty="0"/>
-              </a:p>
-            </p:txBody>
-          </p:sp>
-        </mc:Choice>
-        <mc:Fallback>
-          <p:sp>
-            <p:nvSpPr>
-              <p:cNvPr id="3" name="Объект 2"/>
-              <p:cNvSpPr>
-                <a:spLocks noGrp="1" noRot="1" noChangeAspect="1" noMove="1" noResize="1" noEditPoints="1" noAdjustHandles="1" noChangeArrowheads="1" noChangeShapeType="1" noTextEdit="1"/>
-              </p:cNvSpPr>
-              <p:nvPr>
-                <p:ph idx="1"/>
-              </p:nvPr>
-            </p:nvSpPr>
-            <p:spPr>
-              <a:blipFill rotWithShape="1">
-                <a:blip r:embed="rId2"/>
-                <a:stretch>
-                  <a:fillRect/>
-                </a:stretch>
-              </a:blipFill>
-            </p:spPr>
-            <p:txBody>
-              <a:bodyPr/>
-              <a:lstStyle/>
-              <a:p>
-                <a:r>
-                  <a:rPr lang="ru-RU">
-                    <a:noFill/>
-                  </a:rPr>
-                  <a:t> </a:t>
-                </a:r>
-              </a:p>
-            </p:txBody>
-          </p:sp>
-        </mc:Fallback>
-      </mc:AlternateContent>
+      <p:sp>
+        <p:nvSpPr>
+          <p:cNvPr id="3" name="Объект 2"/>
+          <p:cNvSpPr>
+            <a:spLocks noGrp="1"/>
+          </p:cNvSpPr>
+          <p:nvPr>
+            <p:ph idx="1"/>
+          </p:nvPr>
+        </p:nvSpPr>
+        <p:spPr>
+          <a:xfrm>
+            <a:off x="179512" y="1628800"/>
+            <a:ext cx="8784976" cy="4497363"/>
+          </a:xfrm>
+        </p:spPr>
+        <p:txBody>
+          <a:bodyPr>
+            <a:normAutofit/>
+          </a:bodyPr>
+          <a:lstStyle/>
+          <a:p>
+            <a:pPr marL="114300" indent="0">
+              <a:buNone/>
+            </a:pPr>
+            <a:r>
+              <a:rPr lang="en-US" sz="1800" dirty="0">
+                <a:latin typeface="Times New Roman" panose="02020603050405020304" pitchFamily="18" charset="0"/>
+                <a:cs typeface="Times New Roman" panose="02020603050405020304" pitchFamily="18" charset="0"/>
+              </a:rPr>
+              <a:t>f</a:t>
+            </a:r>
+            <a:r>
+              <a:rPr lang="en-US" sz="1800" dirty="0" smtClean="0">
+                <a:latin typeface="Times New Roman" panose="02020603050405020304" pitchFamily="18" charset="0"/>
+                <a:cs typeface="Times New Roman" panose="02020603050405020304" pitchFamily="18" charset="0"/>
+              </a:rPr>
+              <a:t>unction </a:t>
+            </a:r>
+            <a:r>
+              <a:rPr lang="en-US" sz="1800" dirty="0" err="1" smtClean="0">
+                <a:latin typeface="Times New Roman" panose="02020603050405020304" pitchFamily="18" charset="0"/>
+                <a:cs typeface="Times New Roman" panose="02020603050405020304" pitchFamily="18" charset="0"/>
+              </a:rPr>
+              <a:t>TraceRay</a:t>
+            </a:r>
+            <a:r>
+              <a:rPr lang="en-US" sz="1800" dirty="0" smtClean="0">
+                <a:latin typeface="Times New Roman" panose="02020603050405020304" pitchFamily="18" charset="0"/>
+                <a:cs typeface="Times New Roman" panose="02020603050405020304" pitchFamily="18" charset="0"/>
+              </a:rPr>
+              <a:t>(scene, ray, depth)</a:t>
+            </a:r>
+          </a:p>
+          <a:p>
+            <a:pPr marL="114300" indent="0">
+              <a:buNone/>
+            </a:pPr>
+            <a:r>
+              <a:rPr lang="en-US" sz="1800" dirty="0">
+                <a:latin typeface="Times New Roman" panose="02020603050405020304" pitchFamily="18" charset="0"/>
+                <a:cs typeface="Times New Roman" panose="02020603050405020304" pitchFamily="18" charset="0"/>
+              </a:rPr>
+              <a:t>	</a:t>
+            </a:r>
+            <a:r>
+              <a:rPr lang="en-US" sz="1800" dirty="0" smtClean="0">
+                <a:latin typeface="Times New Roman" panose="02020603050405020304" pitchFamily="18" charset="0"/>
+                <a:cs typeface="Times New Roman" panose="02020603050405020304" pitchFamily="18" charset="0"/>
+              </a:rPr>
+              <a:t>color </a:t>
+            </a:r>
+            <a:r>
+              <a:rPr lang="ru-RU" sz="1800" dirty="0">
+                <a:latin typeface="Times New Roman" panose="02020603050405020304" pitchFamily="18" charset="0"/>
+                <a:cs typeface="Times New Roman" panose="02020603050405020304" pitchFamily="18" charset="0"/>
+              </a:rPr>
+              <a:t>←</a:t>
+            </a:r>
+            <a:r>
+              <a:rPr lang="en-US" sz="1800" dirty="0" smtClean="0">
+                <a:latin typeface="Times New Roman" panose="02020603050405020304" pitchFamily="18" charset="0"/>
+                <a:cs typeface="Times New Roman" panose="02020603050405020304" pitchFamily="18" charset="0"/>
+              </a:rPr>
+              <a:t> 0;</a:t>
+            </a:r>
+          </a:p>
+          <a:p>
+            <a:pPr marL="114300" indent="0">
+              <a:buNone/>
+            </a:pPr>
+            <a:r>
+              <a:rPr lang="en-US" sz="1800" dirty="0">
+                <a:latin typeface="Times New Roman" panose="02020603050405020304" pitchFamily="18" charset="0"/>
+                <a:cs typeface="Times New Roman" panose="02020603050405020304" pitchFamily="18" charset="0"/>
+              </a:rPr>
+              <a:t>	</a:t>
+            </a:r>
+            <a:r>
+              <a:rPr lang="en-US" sz="1800" dirty="0" smtClean="0">
+                <a:latin typeface="Times New Roman" panose="02020603050405020304" pitchFamily="18" charset="0"/>
+                <a:cs typeface="Times New Roman" panose="02020603050405020304" pitchFamily="18" charset="0"/>
+              </a:rPr>
+              <a:t>P </a:t>
+            </a:r>
+            <a:r>
+              <a:rPr lang="ru-RU" sz="1800" dirty="0" smtClean="0">
+                <a:latin typeface="Times New Roman" panose="02020603050405020304" pitchFamily="18" charset="0"/>
+                <a:cs typeface="Times New Roman" panose="02020603050405020304" pitchFamily="18" charset="0"/>
+              </a:rPr>
+              <a:t>←</a:t>
+            </a:r>
+            <a:r>
+              <a:rPr lang="en-US" sz="1800" dirty="0" smtClean="0">
+                <a:latin typeface="Times New Roman" panose="02020603050405020304" pitchFamily="18" charset="0"/>
+                <a:cs typeface="Times New Roman" panose="02020603050405020304" pitchFamily="18" charset="0"/>
+              </a:rPr>
+              <a:t> </a:t>
+            </a:r>
+            <a:r>
+              <a:rPr lang="ru-RU" sz="1800" dirty="0" smtClean="0">
+                <a:latin typeface="Times New Roman" panose="02020603050405020304" pitchFamily="18" charset="0"/>
+                <a:cs typeface="Times New Roman" panose="02020603050405020304" pitchFamily="18" charset="0"/>
+              </a:rPr>
+              <a:t>ближайшая точка пересечения луча с объектами сцены</a:t>
+            </a:r>
+            <a:endParaRPr lang="en-US" sz="1800" dirty="0" smtClean="0">
+              <a:latin typeface="Times New Roman" panose="02020603050405020304" pitchFamily="18" charset="0"/>
+              <a:cs typeface="Times New Roman" panose="02020603050405020304" pitchFamily="18" charset="0"/>
+            </a:endParaRPr>
+          </a:p>
+          <a:p>
+            <a:pPr marL="114300" indent="0">
+              <a:buNone/>
+            </a:pPr>
+            <a:r>
+              <a:rPr lang="en-US" sz="1800" dirty="0">
+                <a:latin typeface="Times New Roman" panose="02020603050405020304" pitchFamily="18" charset="0"/>
+                <a:cs typeface="Times New Roman" panose="02020603050405020304" pitchFamily="18" charset="0"/>
+              </a:rPr>
+              <a:t>	</a:t>
+            </a:r>
+            <a:r>
+              <a:rPr lang="en-US" sz="1800" dirty="0" smtClean="0">
+                <a:latin typeface="Times New Roman" panose="02020603050405020304" pitchFamily="18" charset="0"/>
+                <a:cs typeface="Times New Roman" panose="02020603050405020304" pitchFamily="18" charset="0"/>
+              </a:rPr>
+              <a:t>if </a:t>
+            </a:r>
+            <a:r>
+              <a:rPr lang="ru-RU" sz="1800" dirty="0" smtClean="0">
+                <a:latin typeface="Times New Roman" panose="02020603050405020304" pitchFamily="18" charset="0"/>
+                <a:cs typeface="Times New Roman" panose="02020603050405020304" pitchFamily="18" charset="0"/>
+              </a:rPr>
+              <a:t>∃</a:t>
+            </a:r>
+            <a:r>
+              <a:rPr lang="en-US" sz="1800" dirty="0" smtClean="0">
+                <a:latin typeface="Times New Roman" panose="02020603050405020304" pitchFamily="18" charset="0"/>
+                <a:cs typeface="Times New Roman" panose="02020603050405020304" pitchFamily="18" charset="0"/>
+              </a:rPr>
+              <a:t> </a:t>
+            </a:r>
+            <a:r>
+              <a:rPr lang="ru-RU" sz="1800" dirty="0" smtClean="0">
+                <a:latin typeface="Times New Roman" panose="02020603050405020304" pitchFamily="18" charset="0"/>
+                <a:cs typeface="Times New Roman" panose="02020603050405020304" pitchFamily="18" charset="0"/>
+              </a:rPr>
+              <a:t>точка </a:t>
+            </a:r>
+            <a:r>
+              <a:rPr lang="en-US" sz="1800" dirty="0" smtClean="0">
+                <a:latin typeface="Times New Roman" panose="02020603050405020304" pitchFamily="18" charset="0"/>
+                <a:cs typeface="Times New Roman" panose="02020603050405020304" pitchFamily="18" charset="0"/>
+              </a:rPr>
+              <a:t>P then </a:t>
+            </a:r>
+          </a:p>
+          <a:p>
+            <a:pPr marL="114300" indent="0">
+              <a:buNone/>
+            </a:pPr>
+            <a:r>
+              <a:rPr lang="en-US" sz="1800" dirty="0">
+                <a:latin typeface="Times New Roman" panose="02020603050405020304" pitchFamily="18" charset="0"/>
+                <a:cs typeface="Times New Roman" panose="02020603050405020304" pitchFamily="18" charset="0"/>
+              </a:rPr>
+              <a:t>	</a:t>
+            </a:r>
+            <a:r>
+              <a:rPr lang="en-US" sz="1800" dirty="0" smtClean="0">
+                <a:latin typeface="Times New Roman" panose="02020603050405020304" pitchFamily="18" charset="0"/>
+                <a:cs typeface="Times New Roman" panose="02020603050405020304" pitchFamily="18" charset="0"/>
+              </a:rPr>
+              <a:t>	for all </a:t>
+            </a:r>
+            <a:r>
+              <a:rPr lang="ru-RU" sz="1800" dirty="0" smtClean="0">
+                <a:latin typeface="Times New Roman" panose="02020603050405020304" pitchFamily="18" charset="0"/>
+                <a:cs typeface="Times New Roman" panose="02020603050405020304" pitchFamily="18" charset="0"/>
+              </a:rPr>
+              <a:t>источник света </a:t>
+            </a:r>
+            <a:r>
+              <a:rPr lang="en-US" sz="1800" dirty="0" smtClean="0">
+                <a:latin typeface="Times New Roman" panose="02020603050405020304" pitchFamily="18" charset="0"/>
+                <a:cs typeface="Times New Roman" panose="02020603050405020304" pitchFamily="18" charset="0"/>
+              </a:rPr>
+              <a:t>do</a:t>
+            </a:r>
+          </a:p>
+          <a:p>
+            <a:pPr marL="114300" indent="0">
+              <a:buNone/>
+            </a:pPr>
+            <a:r>
+              <a:rPr lang="en-US" sz="1800" dirty="0">
+                <a:latin typeface="Times New Roman" panose="02020603050405020304" pitchFamily="18" charset="0"/>
+                <a:cs typeface="Times New Roman" panose="02020603050405020304" pitchFamily="18" charset="0"/>
+              </a:rPr>
+              <a:t>	</a:t>
+            </a:r>
+            <a:r>
+              <a:rPr lang="en-US" sz="1800" dirty="0" smtClean="0">
+                <a:latin typeface="Times New Roman" panose="02020603050405020304" pitchFamily="18" charset="0"/>
+                <a:cs typeface="Times New Roman" panose="02020603050405020304" pitchFamily="18" charset="0"/>
+              </a:rPr>
+              <a:t>		if </a:t>
+            </a:r>
+            <a:r>
+              <a:rPr lang="ru-RU" sz="1800" dirty="0" smtClean="0">
+                <a:latin typeface="Times New Roman" panose="02020603050405020304" pitchFamily="18" charset="0"/>
+                <a:cs typeface="Times New Roman" panose="02020603050405020304" pitchFamily="18" charset="0"/>
+              </a:rPr>
+              <a:t>источник света виден из точки </a:t>
+            </a:r>
+            <a:r>
+              <a:rPr lang="en-US" sz="1800" dirty="0" smtClean="0">
+                <a:latin typeface="Times New Roman" panose="02020603050405020304" pitchFamily="18" charset="0"/>
+                <a:cs typeface="Times New Roman" panose="02020603050405020304" pitchFamily="18" charset="0"/>
+              </a:rPr>
+              <a:t>P then</a:t>
+            </a:r>
+          </a:p>
+          <a:p>
+            <a:pPr marL="114300" indent="0">
+              <a:buNone/>
+            </a:pPr>
+            <a:r>
+              <a:rPr lang="en-US" sz="1800" dirty="0">
+                <a:latin typeface="Times New Roman" panose="02020603050405020304" pitchFamily="18" charset="0"/>
+                <a:cs typeface="Times New Roman" panose="02020603050405020304" pitchFamily="18" charset="0"/>
+              </a:rPr>
+              <a:t>	</a:t>
+            </a:r>
+            <a:r>
+              <a:rPr lang="en-US" sz="1800" dirty="0" smtClean="0">
+                <a:latin typeface="Times New Roman" panose="02020603050405020304" pitchFamily="18" charset="0"/>
+                <a:cs typeface="Times New Roman" panose="02020603050405020304" pitchFamily="18" charset="0"/>
+              </a:rPr>
+              <a:t>			color </a:t>
+            </a:r>
+            <a:r>
+              <a:rPr lang="ru-RU" sz="1800" dirty="0">
+                <a:latin typeface="Times New Roman" panose="02020603050405020304" pitchFamily="18" charset="0"/>
+                <a:cs typeface="Times New Roman" panose="02020603050405020304" pitchFamily="18" charset="0"/>
+              </a:rPr>
+              <a:t>←</a:t>
+            </a:r>
+            <a:r>
+              <a:rPr lang="en-US" sz="1800" dirty="0">
+                <a:latin typeface="Times New Roman" panose="02020603050405020304" pitchFamily="18" charset="0"/>
+                <a:cs typeface="Times New Roman" panose="02020603050405020304" pitchFamily="18" charset="0"/>
+              </a:rPr>
+              <a:t> </a:t>
+            </a:r>
+            <a:r>
+              <a:rPr lang="en-US" sz="1800" dirty="0" smtClean="0">
+                <a:latin typeface="Times New Roman" panose="02020603050405020304" pitchFamily="18" charset="0"/>
+                <a:cs typeface="Times New Roman" panose="02020603050405020304" pitchFamily="18" charset="0"/>
+              </a:rPr>
+              <a:t>color + diffuse part </a:t>
+            </a:r>
+            <a:r>
+              <a:rPr lang="ru-RU" sz="1800" dirty="0" smtClean="0">
+                <a:latin typeface="Times New Roman" panose="02020603050405020304" pitchFamily="18" charset="0"/>
+                <a:cs typeface="Times New Roman" panose="02020603050405020304" pitchFamily="18" charset="0"/>
+              </a:rPr>
+              <a:t>+ </a:t>
+            </a:r>
+            <a:r>
+              <a:rPr lang="en-US" sz="1800" dirty="0" smtClean="0">
+                <a:latin typeface="Times New Roman" panose="02020603050405020304" pitchFamily="18" charset="0"/>
+                <a:cs typeface="Times New Roman" panose="02020603050405020304" pitchFamily="18" charset="0"/>
+              </a:rPr>
+              <a:t>specular part;</a:t>
+            </a:r>
+            <a:endParaRPr lang="ru-RU" sz="1800" dirty="0" smtClean="0">
+              <a:latin typeface="Times New Roman" panose="02020603050405020304" pitchFamily="18" charset="0"/>
+              <a:cs typeface="Times New Roman" panose="02020603050405020304" pitchFamily="18" charset="0"/>
+            </a:endParaRPr>
+          </a:p>
+          <a:p>
+            <a:pPr marL="114300" indent="0">
+              <a:buNone/>
+            </a:pPr>
+            <a:r>
+              <a:rPr lang="ru-RU" sz="1800" dirty="0">
+                <a:latin typeface="Times New Roman" panose="02020603050405020304" pitchFamily="18" charset="0"/>
+                <a:cs typeface="Times New Roman" panose="02020603050405020304" pitchFamily="18" charset="0"/>
+              </a:rPr>
+              <a:t>	</a:t>
+            </a:r>
+            <a:r>
+              <a:rPr lang="ru-RU" sz="1800" dirty="0" smtClean="0">
+                <a:latin typeface="Times New Roman" panose="02020603050405020304" pitchFamily="18" charset="0"/>
+                <a:cs typeface="Times New Roman" panose="02020603050405020304" pitchFamily="18" charset="0"/>
+              </a:rPr>
+              <a:t>	</a:t>
+            </a:r>
+            <a:r>
+              <a:rPr lang="en-US" sz="1800" dirty="0" smtClean="0">
+                <a:latin typeface="Times New Roman" panose="02020603050405020304" pitchFamily="18" charset="0"/>
+                <a:cs typeface="Times New Roman" panose="02020603050405020304" pitchFamily="18" charset="0"/>
+              </a:rPr>
+              <a:t>if depth &gt; 0 then</a:t>
+            </a:r>
+          </a:p>
+          <a:p>
+            <a:pPr marL="114300" indent="0">
+              <a:buNone/>
+            </a:pPr>
+            <a:r>
+              <a:rPr lang="en-US" sz="1800" dirty="0">
+                <a:latin typeface="Times New Roman" panose="02020603050405020304" pitchFamily="18" charset="0"/>
+                <a:cs typeface="Times New Roman" panose="02020603050405020304" pitchFamily="18" charset="0"/>
+              </a:rPr>
+              <a:t>	</a:t>
+            </a:r>
+            <a:r>
+              <a:rPr lang="en-US" sz="1800" dirty="0" smtClean="0">
+                <a:latin typeface="Times New Roman" panose="02020603050405020304" pitchFamily="18" charset="0"/>
+                <a:cs typeface="Times New Roman" panose="02020603050405020304" pitchFamily="18" charset="0"/>
+              </a:rPr>
+              <a:t>	</a:t>
+            </a:r>
+            <a:r>
+              <a:rPr lang="en-US" sz="1800" dirty="0">
+                <a:latin typeface="Times New Roman" panose="02020603050405020304" pitchFamily="18" charset="0"/>
+                <a:cs typeface="Times New Roman" panose="02020603050405020304" pitchFamily="18" charset="0"/>
+              </a:rPr>
+              <a:t>	 </a:t>
+            </a:r>
+            <a:r>
+              <a:rPr lang="en-US" sz="1800" dirty="0" smtClean="0">
+                <a:latin typeface="Times New Roman" panose="02020603050405020304" pitchFamily="18" charset="0"/>
+                <a:cs typeface="Times New Roman" panose="02020603050405020304" pitchFamily="18" charset="0"/>
+              </a:rPr>
+              <a:t>color </a:t>
+            </a:r>
+            <a:r>
+              <a:rPr lang="ru-RU" sz="1800" dirty="0">
+                <a:latin typeface="Times New Roman" panose="02020603050405020304" pitchFamily="18" charset="0"/>
+                <a:cs typeface="Times New Roman" panose="02020603050405020304" pitchFamily="18" charset="0"/>
+              </a:rPr>
+              <a:t>← </a:t>
+            </a:r>
+            <a:r>
+              <a:rPr lang="en-US" sz="1800" dirty="0" err="1" smtClean="0">
+                <a:latin typeface="Times New Roman" panose="02020603050405020304" pitchFamily="18" charset="0"/>
+                <a:cs typeface="Times New Roman" panose="02020603050405020304" pitchFamily="18" charset="0"/>
+              </a:rPr>
+              <a:t>TraceRay</a:t>
+            </a:r>
+            <a:r>
+              <a:rPr lang="en-US" sz="1800" dirty="0" smtClean="0">
+                <a:latin typeface="Times New Roman" panose="02020603050405020304" pitchFamily="18" charset="0"/>
+                <a:cs typeface="Times New Roman" panose="02020603050405020304" pitchFamily="18" charset="0"/>
+              </a:rPr>
+              <a:t>(scene</a:t>
+            </a:r>
+            <a:r>
+              <a:rPr lang="en-US" sz="1800" dirty="0">
+                <a:latin typeface="Times New Roman" panose="02020603050405020304" pitchFamily="18" charset="0"/>
+                <a:cs typeface="Times New Roman" panose="02020603050405020304" pitchFamily="18" charset="0"/>
+              </a:rPr>
+              <a:t>, reflect(ray, N, P), depth - 1</a:t>
+            </a:r>
+            <a:r>
+              <a:rPr lang="en-US" sz="1800" dirty="0" smtClean="0">
+                <a:latin typeface="Times New Roman" panose="02020603050405020304" pitchFamily="18" charset="0"/>
+                <a:cs typeface="Times New Roman" panose="02020603050405020304" pitchFamily="18" charset="0"/>
+              </a:rPr>
+              <a:t>);</a:t>
+            </a:r>
+          </a:p>
+          <a:p>
+            <a:pPr marL="114300" indent="0">
+              <a:buNone/>
+            </a:pPr>
+            <a:r>
+              <a:rPr lang="en-US" sz="1800" dirty="0">
+                <a:latin typeface="Times New Roman" panose="02020603050405020304" pitchFamily="18" charset="0"/>
+                <a:cs typeface="Times New Roman" panose="02020603050405020304" pitchFamily="18" charset="0"/>
+              </a:rPr>
+              <a:t>	</a:t>
+            </a:r>
+            <a:r>
+              <a:rPr lang="en-US" sz="1800" dirty="0" smtClean="0">
+                <a:latin typeface="Times New Roman" panose="02020603050405020304" pitchFamily="18" charset="0"/>
+                <a:cs typeface="Times New Roman" panose="02020603050405020304" pitchFamily="18" charset="0"/>
+              </a:rPr>
+              <a:t>return color;</a:t>
+            </a:r>
+            <a:endParaRPr lang="ru-RU" sz="1800" dirty="0">
+              <a:latin typeface="Times New Roman" panose="02020603050405020304" pitchFamily="18" charset="0"/>
+              <a:cs typeface="Times New Roman" panose="02020603050405020304" pitchFamily="18" charset="0"/>
+            </a:endParaRPr>
+          </a:p>
+        </p:txBody>
+      </p:sp>
       <p:sp>
         <p:nvSpPr>
           <p:cNvPr id="4" name="Номер слайда 3"/>
@@ -7561,40 +5982,10 @@
           </a:p>
         </p:txBody>
       </p:sp>
-      <p:pic>
-        <p:nvPicPr>
-          <p:cNvPr id="6" name="Рисунок 5"/>
-          <p:cNvPicPr>
-            <a:picLocks noChangeAspect="1"/>
-          </p:cNvPicPr>
-          <p:nvPr/>
-        </p:nvPicPr>
-        <p:blipFill>
-          <a:blip r:embed="rId3">
-            <a:extLst>
-              <a:ext uri="{28A0092B-C50C-407E-A947-70E740481C1C}">
-                <a14:useLocalDpi xmlns:a14="http://schemas.microsoft.com/office/drawing/2010/main" val="0"/>
-              </a:ext>
-            </a:extLst>
-          </a:blip>
-          <a:stretch>
-            <a:fillRect/>
-          </a:stretch>
-        </p:blipFill>
-        <p:spPr>
-          <a:xfrm>
-            <a:off x="5868144" y="3225264"/>
-            <a:ext cx="2925160" cy="2097842"/>
-          </a:xfrm>
-          <a:prstGeom prst="rect">
-            <a:avLst/>
-          </a:prstGeom>
-        </p:spPr>
-      </p:pic>
     </p:spTree>
     <p:extLst>
       <p:ext uri="{BB962C8B-B14F-4D97-AF65-F5344CB8AC3E}">
-        <p14:creationId xmlns:p14="http://schemas.microsoft.com/office/powerpoint/2010/main" val="388645928"/>
+        <p14:creationId xmlns:p14="http://schemas.microsoft.com/office/powerpoint/2010/main" val="3661983501"/>
       </p:ext>
     </p:extLst>
   </p:cSld>
@@ -7644,286 +6035,10 @@
           <a:lstStyle/>
           <a:p>
             <a:r>
-              <a:rPr lang="ru-RU" dirty="0" smtClean="0">
-                <a:solidFill>
-                  <a:schemeClr val="tx1"/>
-                </a:solidFill>
-              </a:rPr>
-              <a:t>Алгоритм трассировки лучей</a:t>
-            </a:r>
-            <a:endParaRPr lang="ru-RU" dirty="0">
-              <a:solidFill>
-                <a:schemeClr val="tx1"/>
-              </a:solidFill>
-            </a:endParaRPr>
-          </a:p>
-        </p:txBody>
-      </p:sp>
-      <p:sp>
-        <p:nvSpPr>
-          <p:cNvPr id="3" name="Объект 2"/>
-          <p:cNvSpPr>
-            <a:spLocks noGrp="1"/>
-          </p:cNvSpPr>
-          <p:nvPr>
-            <p:ph idx="1"/>
-          </p:nvPr>
-        </p:nvSpPr>
-        <p:spPr>
-          <a:xfrm>
-            <a:off x="35496" y="1628800"/>
-            <a:ext cx="9217024" cy="4497363"/>
-          </a:xfrm>
-        </p:spPr>
-        <p:txBody>
-          <a:bodyPr>
-            <a:normAutofit/>
-          </a:bodyPr>
-          <a:lstStyle/>
-          <a:p>
-            <a:pPr marL="114300" indent="0">
-              <a:buNone/>
-            </a:pPr>
-            <a:r>
-              <a:rPr lang="en-US" sz="1800" dirty="0"/>
-              <a:t>f</a:t>
-            </a:r>
-            <a:r>
-              <a:rPr lang="en-US" sz="1800" dirty="0" smtClean="0"/>
-              <a:t>unction </a:t>
-            </a:r>
-            <a:r>
-              <a:rPr lang="en-US" sz="1800" dirty="0" err="1" smtClean="0"/>
-              <a:t>TraceRay</a:t>
-            </a:r>
-            <a:r>
-              <a:rPr lang="en-US" sz="1800" dirty="0" smtClean="0"/>
-              <a:t>(scene, ray, depth)</a:t>
-            </a:r>
-          </a:p>
-          <a:p>
-            <a:pPr marL="114300" indent="0">
-              <a:buNone/>
-            </a:pPr>
-            <a:r>
-              <a:rPr lang="en-US" sz="1800" dirty="0"/>
-              <a:t>	</a:t>
-            </a:r>
-            <a:r>
-              <a:rPr lang="en-US" sz="1800" dirty="0" smtClean="0"/>
-              <a:t>color </a:t>
-            </a:r>
-            <a:r>
-              <a:rPr lang="ru-RU" sz="1800" dirty="0"/>
-              <a:t>←</a:t>
-            </a:r>
-            <a:r>
-              <a:rPr lang="en-US" sz="1800" dirty="0" smtClean="0"/>
-              <a:t> 0;</a:t>
-            </a:r>
-          </a:p>
-          <a:p>
-            <a:pPr marL="114300" indent="0">
-              <a:buNone/>
-            </a:pPr>
-            <a:r>
-              <a:rPr lang="en-US" sz="1800" dirty="0"/>
-              <a:t>	</a:t>
-            </a:r>
-            <a:r>
-              <a:rPr lang="en-US" sz="1800" dirty="0" smtClean="0"/>
-              <a:t>P </a:t>
-            </a:r>
-            <a:r>
-              <a:rPr lang="ru-RU" sz="1800" dirty="0" smtClean="0"/>
-              <a:t>←</a:t>
-            </a:r>
-            <a:r>
-              <a:rPr lang="en-US" sz="1800" dirty="0" smtClean="0"/>
-              <a:t> </a:t>
-            </a:r>
-            <a:r>
-              <a:rPr lang="ru-RU" sz="1800" dirty="0" smtClean="0"/>
-              <a:t>ближайшая точка пересечения луча с объектами сцены</a:t>
-            </a:r>
-            <a:endParaRPr lang="en-US" sz="1800" dirty="0" smtClean="0"/>
-          </a:p>
-          <a:p>
-            <a:pPr marL="114300" indent="0">
-              <a:buNone/>
-            </a:pPr>
-            <a:r>
-              <a:rPr lang="en-US" sz="1800" dirty="0"/>
-              <a:t>	</a:t>
-            </a:r>
-            <a:r>
-              <a:rPr lang="en-US" sz="1800" dirty="0" smtClean="0"/>
-              <a:t>if </a:t>
-            </a:r>
-            <a:r>
-              <a:rPr lang="ru-RU" sz="1800" dirty="0" smtClean="0"/>
-              <a:t>∃</a:t>
-            </a:r>
-            <a:r>
-              <a:rPr lang="en-US" sz="1800" dirty="0" smtClean="0"/>
-              <a:t> </a:t>
-            </a:r>
-            <a:r>
-              <a:rPr lang="ru-RU" sz="1800" dirty="0" smtClean="0"/>
-              <a:t>точка </a:t>
-            </a:r>
-            <a:r>
-              <a:rPr lang="en-US" sz="1800" dirty="0" smtClean="0"/>
-              <a:t>P then </a:t>
-            </a:r>
-          </a:p>
-          <a:p>
-            <a:pPr marL="114300" indent="0">
-              <a:buNone/>
-            </a:pPr>
-            <a:r>
-              <a:rPr lang="en-US" sz="1800" dirty="0"/>
-              <a:t>	</a:t>
-            </a:r>
-            <a:r>
-              <a:rPr lang="en-US" sz="1800" dirty="0" smtClean="0"/>
-              <a:t>	for all </a:t>
-            </a:r>
-            <a:r>
-              <a:rPr lang="ru-RU" sz="1800" dirty="0" smtClean="0"/>
-              <a:t>источник света </a:t>
-            </a:r>
-            <a:r>
-              <a:rPr lang="en-US" sz="1800" dirty="0" smtClean="0"/>
-              <a:t>do</a:t>
-            </a:r>
-          </a:p>
-          <a:p>
-            <a:pPr marL="114300" indent="0">
-              <a:buNone/>
-            </a:pPr>
-            <a:r>
-              <a:rPr lang="en-US" sz="1800" dirty="0"/>
-              <a:t>	</a:t>
-            </a:r>
-            <a:r>
-              <a:rPr lang="en-US" sz="1800" dirty="0" smtClean="0"/>
-              <a:t>		if </a:t>
-            </a:r>
-            <a:r>
-              <a:rPr lang="ru-RU" sz="1800" dirty="0" smtClean="0"/>
-              <a:t>источник света виден из точки </a:t>
-            </a:r>
-            <a:r>
-              <a:rPr lang="en-US" sz="1800" dirty="0" smtClean="0"/>
-              <a:t>P then</a:t>
-            </a:r>
-          </a:p>
-          <a:p>
-            <a:pPr marL="114300" indent="0">
-              <a:buNone/>
-            </a:pPr>
-            <a:r>
-              <a:rPr lang="en-US" sz="1800" dirty="0"/>
-              <a:t>	</a:t>
-            </a:r>
-            <a:r>
-              <a:rPr lang="en-US" sz="1800" dirty="0" smtClean="0"/>
-              <a:t>			color </a:t>
-            </a:r>
-            <a:r>
-              <a:rPr lang="ru-RU" sz="1800" dirty="0"/>
-              <a:t>←</a:t>
-            </a:r>
-            <a:r>
-              <a:rPr lang="en-US" sz="1800" dirty="0"/>
-              <a:t> </a:t>
-            </a:r>
-            <a:r>
-              <a:rPr lang="en-US" sz="1800" dirty="0" smtClean="0"/>
-              <a:t>color + </a:t>
-            </a:r>
-            <a:r>
-              <a:rPr lang="ru-RU" sz="1800" dirty="0" smtClean="0"/>
-              <a:t>диффузная составляющая  + зеркальная составляющая</a:t>
-            </a:r>
-            <a:r>
-              <a:rPr lang="en-US" sz="1800" dirty="0" smtClean="0"/>
-              <a:t>;</a:t>
-            </a:r>
-            <a:endParaRPr lang="ru-RU" sz="1800" dirty="0" smtClean="0"/>
-          </a:p>
-          <a:p>
-            <a:pPr marL="114300" indent="0">
-              <a:buNone/>
-            </a:pPr>
-            <a:r>
-              <a:rPr lang="ru-RU" sz="1800" dirty="0"/>
-              <a:t>	</a:t>
-            </a:r>
-            <a:r>
-              <a:rPr lang="ru-RU" sz="1800" dirty="0" smtClean="0"/>
-              <a:t>	</a:t>
-            </a:r>
-            <a:r>
-              <a:rPr lang="en-US" sz="1800" dirty="0" smtClean="0"/>
-              <a:t>if depth &gt; 0 then</a:t>
-            </a:r>
-          </a:p>
-          <a:p>
-            <a:pPr marL="114300" indent="0">
-              <a:buNone/>
-            </a:pPr>
-            <a:r>
-              <a:rPr lang="en-US" sz="1800" dirty="0"/>
-              <a:t>	</a:t>
-            </a:r>
-            <a:r>
-              <a:rPr lang="en-US" sz="1800" dirty="0" smtClean="0"/>
-              <a:t>	</a:t>
-            </a:r>
-            <a:r>
-              <a:rPr lang="en-US" sz="1800" dirty="0"/>
-              <a:t>	 </a:t>
-            </a:r>
-            <a:r>
-              <a:rPr lang="en-US" sz="1800" dirty="0" smtClean="0"/>
-              <a:t>color </a:t>
-            </a:r>
-            <a:r>
-              <a:rPr lang="ru-RU" sz="1800" dirty="0"/>
-              <a:t>← </a:t>
-            </a:r>
-            <a:r>
-              <a:rPr lang="en-US" sz="1800" dirty="0" err="1" smtClean="0"/>
-              <a:t>TraceRay</a:t>
-            </a:r>
-            <a:r>
-              <a:rPr lang="en-US" sz="1800" dirty="0" smtClean="0"/>
-              <a:t>(scene</a:t>
-            </a:r>
-            <a:r>
-              <a:rPr lang="en-US" sz="1800" dirty="0"/>
-              <a:t>, reflect(ray, N, P), depth - 1</a:t>
-            </a:r>
-            <a:r>
-              <a:rPr lang="en-US" sz="1800" dirty="0" smtClean="0"/>
-              <a:t>);</a:t>
-            </a:r>
-          </a:p>
-          <a:p>
-            <a:pPr marL="114300" indent="0">
-              <a:buNone/>
-            </a:pPr>
-            <a:r>
-              <a:rPr lang="en-US" sz="1800" dirty="0"/>
-              <a:t>	</a:t>
-            </a:r>
-            <a:r>
-              <a:rPr lang="en-US" sz="1800" dirty="0" smtClean="0"/>
-              <a:t>return color;</a:t>
-            </a:r>
-            <a:endParaRPr lang="ru-RU" sz="1800" dirty="0"/>
+              <a:rPr lang="ru-RU" dirty="0" smtClean="0"/>
+              <a:t>Структура и состав классов</a:t>
+            </a:r>
+            <a:endParaRPr lang="ru-RU" dirty="0"/>
           </a:p>
         </p:txBody>
       </p:sp>
@@ -7950,10 +6065,47 @@
           </a:p>
         </p:txBody>
       </p:sp>
+      <p:pic>
+        <p:nvPicPr>
+          <p:cNvPr id="5" name="Объект 4" descr="C:\Users\zhigalkin\YandexDisk\Скриншоты\2020-12-08_22-04-39.png"/>
+          <p:cNvPicPr>
+            <a:picLocks noGrp="1"/>
+          </p:cNvPicPr>
+          <p:nvPr>
+            <p:ph idx="1"/>
+          </p:nvPr>
+        </p:nvPicPr>
+        <p:blipFill>
+          <a:blip r:embed="rId2">
+            <a:extLst>
+              <a:ext uri="{28A0092B-C50C-407E-A947-70E740481C1C}">
+                <a14:useLocalDpi xmlns:a14="http://schemas.microsoft.com/office/drawing/2010/main" val="0"/>
+              </a:ext>
+            </a:extLst>
+          </a:blip>
+          <a:srcRect/>
+          <a:stretch>
+            <a:fillRect/>
+          </a:stretch>
+        </p:blipFill>
+        <p:spPr bwMode="auto">
+          <a:xfrm>
+            <a:off x="467544" y="1412776"/>
+            <a:ext cx="8208912" cy="5040560"/>
+          </a:xfrm>
+          <a:prstGeom prst="rect">
+            <a:avLst/>
+          </a:prstGeom>
+          <a:noFill/>
+          <a:ln>
+            <a:noFill/>
+          </a:ln>
+        </p:spPr>
+      </p:pic>
     </p:spTree>
     <p:extLst>
       <p:ext uri="{BB962C8B-B14F-4D97-AF65-F5344CB8AC3E}">
-        <p14:creationId xmlns:p14="http://schemas.microsoft.com/office/powerpoint/2010/main" val="3661983501"/>
+        <p14:creationId xmlns:p14="http://schemas.microsoft.com/office/powerpoint/2010/main" val="967845393"/>
       </p:ext>
     </p:extLst>
   </p:cSld>
@@ -8003,17 +6155,45 @@
           <a:lstStyle/>
           <a:p>
             <a:r>
-              <a:rPr lang="ru-RU" dirty="0" smtClean="0">
-                <a:solidFill>
-                  <a:schemeClr val="tx1"/>
-                </a:solidFill>
-              </a:rPr>
-              <a:t>Интерфейс программы</a:t>
-            </a:r>
-            <a:endParaRPr lang="ru-RU" dirty="0">
-              <a:solidFill>
-                <a:schemeClr val="tx1"/>
-              </a:solidFill>
+              <a:rPr lang="ru-RU" dirty="0" smtClean="0"/>
+              <a:t>Особенности реализации</a:t>
+            </a:r>
+            <a:endParaRPr lang="ru-RU" dirty="0"/>
+          </a:p>
+        </p:txBody>
+      </p:sp>
+      <p:sp>
+        <p:nvSpPr>
+          <p:cNvPr id="3" name="Объект 2"/>
+          <p:cNvSpPr>
+            <a:spLocks noGrp="1"/>
+          </p:cNvSpPr>
+          <p:nvPr>
+            <p:ph idx="1"/>
+          </p:nvPr>
+        </p:nvSpPr>
+        <p:spPr/>
+        <p:txBody>
+          <a:bodyPr>
+            <a:normAutofit/>
+          </a:bodyPr>
+          <a:lstStyle/>
+          <a:p>
+            <a:pPr>
+              <a:lnSpc>
+                <a:spcPct val="150000"/>
+              </a:lnSpc>
+            </a:pPr>
+            <a:r>
+              <a:rPr lang="ru-RU" sz="2000" dirty="0" smtClean="0">
+                <a:latin typeface="Times New Roman" panose="02020603050405020304" pitchFamily="18" charset="0"/>
+                <a:cs typeface="Times New Roman" panose="02020603050405020304" pitchFamily="18" charset="0"/>
+              </a:rPr>
+              <a:t>Поскольку один из источников освещения, а именно, дисковый источник имеет собственные размеры, то пользователь может увидеть его на синтезированной сцене.</a:t>
+            </a:r>
+            <a:endParaRPr lang="ru-RU" sz="2000" dirty="0">
+              <a:latin typeface="Times New Roman" panose="02020603050405020304" pitchFamily="18" charset="0"/>
+              <a:cs typeface="Times New Roman" panose="02020603050405020304" pitchFamily="18" charset="0"/>
             </a:endParaRPr>
           </a:p>
         </p:txBody>
@@ -8043,13 +6223,11 @@
       </p:sp>
       <p:pic>
         <p:nvPicPr>
-          <p:cNvPr id="5" name="Объект 4" descr="C:\Users\zhigalkin\YandexDisk\Скриншоты\2020-12-08_22-43-13.png"/>
+          <p:cNvPr id="2052" name="Picture 4" descr="C:\Users\zhigalkin\OneDrive\Desktop\2.png"/>
           <p:cNvPicPr>
-            <a:picLocks noGrp="1"/>
+            <a:picLocks noChangeAspect="1" noChangeArrowheads="1"/>
           </p:cNvPicPr>
-          <p:nvPr>
-            <p:ph idx="1"/>
-          </p:nvPr>
+          <p:nvPr/>
         </p:nvPicPr>
         <p:blipFill>
           <a:blip r:embed="rId2">
@@ -8066,22 +6244,69 @@
         </p:blipFill>
         <p:spPr bwMode="auto">
           <a:xfrm>
-            <a:off x="784272" y="1752600"/>
-            <a:ext cx="7575455" cy="4373563"/>
+            <a:off x="827584" y="3193392"/>
+            <a:ext cx="3105150" cy="3124200"/>
           </a:xfrm>
           <a:prstGeom prst="rect">
             <a:avLst/>
           </a:prstGeom>
           <a:noFill/>
-          <a:ln>
-            <a:noFill/>
-          </a:ln>
+          <a:extLst>
+            <a:ext uri="{909E8E84-426E-40DD-AFC4-6F175D3DCCD1}">
+              <a14:hiddenFill xmlns:a14="http://schemas.microsoft.com/office/drawing/2010/main">
+                <a:solidFill>
+                  <a:srgbClr val="FFFFFF"/>
+                </a:solidFill>
+              </a14:hiddenFill>
+            </a:ext>
+          </a:extLst>
+        </p:spPr>
+      </p:pic>
+      <p:pic>
+        <p:nvPicPr>
+          <p:cNvPr id="1027" name="Picture 3" descr="C:\Users\zhigalkin\OneDrive\Desktop\222.jpg"/>
+          <p:cNvPicPr>
+            <a:picLocks noChangeAspect="1" noChangeArrowheads="1"/>
+          </p:cNvPicPr>
+          <p:nvPr/>
+        </p:nvPicPr>
+        <p:blipFill>
+          <a:blip r:embed="rId3" cstate="print">
+            <a:extLst>
+              <a:ext uri="{28A0092B-C50C-407E-A947-70E740481C1C}">
+                <a14:useLocalDpi xmlns:a14="http://schemas.microsoft.com/office/drawing/2010/main" val="0"/>
+              </a:ext>
+            </a:extLst>
+          </a:blip>
+          <a:srcRect/>
+          <a:stretch>
+            <a:fillRect/>
+          </a:stretch>
+        </p:blipFill>
+        <p:spPr bwMode="auto">
+          <a:xfrm>
+            <a:off x="4849187" y="2996952"/>
+            <a:ext cx="3240360" cy="3220674"/>
+          </a:xfrm>
+          <a:prstGeom prst="rect">
+            <a:avLst/>
+          </a:prstGeom>
+          <a:noFill/>
+          <a:extLst>
+            <a:ext uri="{909E8E84-426E-40DD-AFC4-6F175D3DCCD1}">
+              <a14:hiddenFill xmlns:a14="http://schemas.microsoft.com/office/drawing/2010/main">
+                <a:solidFill>
+                  <a:srgbClr val="FFFFFF"/>
+                </a:solidFill>
+              </a14:hiddenFill>
+            </a:ext>
+          </a:extLst>
         </p:spPr>
       </p:pic>
     </p:spTree>
     <p:extLst>
       <p:ext uri="{BB962C8B-B14F-4D97-AF65-F5344CB8AC3E}">
-        <p14:creationId xmlns:p14="http://schemas.microsoft.com/office/powerpoint/2010/main" val="1258823812"/>
+        <p14:creationId xmlns:p14="http://schemas.microsoft.com/office/powerpoint/2010/main" val="2850962394"/>
       </p:ext>
     </p:extLst>
   </p:cSld>
@@ -8127,18 +6352,12 @@
         </p:nvSpPr>
         <p:spPr/>
         <p:txBody>
-          <a:bodyPr>
-            <a:normAutofit fontScale="90000"/>
-          </a:bodyPr>
-          <a:lstStyle/>
-          <a:p>
-            <a:r>
-              <a:rPr lang="ru-RU" dirty="0" smtClean="0">
-                <a:solidFill>
-                  <a:schemeClr val="tx1"/>
-                </a:solidFill>
-              </a:rPr>
-              <a:t>Исследование визуальных характеристик</a:t>
+          <a:bodyPr/>
+          <a:lstStyle/>
+          <a:p>
+            <a:r>
+              <a:rPr lang="ru-RU" dirty="0" smtClean="0"/>
+              <a:t>Пример работы </a:t>
             </a:r>
             <a:endParaRPr lang="ru-RU" dirty="0">
               <a:solidFill>
@@ -8148,11 +6367,34 @@
           </a:p>
         </p:txBody>
       </p:sp>
+      <p:sp>
+        <p:nvSpPr>
+          <p:cNvPr id="4" name="Номер слайда 3"/>
+          <p:cNvSpPr>
+            <a:spLocks noGrp="1"/>
+          </p:cNvSpPr>
+          <p:nvPr>
+            <p:ph type="sldNum" sz="quarter" idx="12"/>
+          </p:nvPr>
+        </p:nvSpPr>
+        <p:spPr/>
+        <p:txBody>
+          <a:bodyPr/>
+          <a:lstStyle/>
+          <a:p>
+            <a:fld id="{B19B0651-EE4F-4900-A07F-96A6BFA9D0F0}" type="slidenum">
+              <a:rPr lang="ru-RU" smtClean="0"/>
+              <a:t>8</a:t>
+            </a:fld>
+            <a:endParaRPr lang="ru-RU"/>
+          </a:p>
+        </p:txBody>
+      </p:sp>
       <p:pic>
         <p:nvPicPr>
-          <p:cNvPr id="5" name="Объект 4"/>
+          <p:cNvPr id="6" name="Объект 5" descr="C:\Users\zhigalkin\YandexDisk\Скриншоты\2020-12-09_00-02-37.png"/>
           <p:cNvPicPr>
-            <a:picLocks noGrp="1" noChangeAspect="1"/>
+            <a:picLocks noGrp="1"/>
           </p:cNvPicPr>
           <p:nvPr>
             <p:ph idx="1"/>
@@ -8166,44 +6408,29 @@
               </a:ext>
             </a:extLst>
           </a:blip>
+          <a:srcRect/>
           <a:stretch>
             <a:fillRect/>
           </a:stretch>
         </p:blipFill>
-        <p:spPr>
+        <p:spPr bwMode="auto">
           <a:xfrm>
-            <a:off x="1349795" y="1752600"/>
-            <a:ext cx="6444409" cy="4373563"/>
+            <a:off x="2339752" y="1628800"/>
+            <a:ext cx="4509262" cy="4525963"/>
           </a:xfrm>
+          <a:prstGeom prst="rect">
+            <a:avLst/>
+          </a:prstGeom>
+          <a:noFill/>
+          <a:ln>
+            <a:noFill/>
+          </a:ln>
         </p:spPr>
       </p:pic>
-      <p:sp>
-        <p:nvSpPr>
-          <p:cNvPr id="4" name="Номер слайда 3"/>
-          <p:cNvSpPr>
-            <a:spLocks noGrp="1"/>
-          </p:cNvSpPr>
-          <p:nvPr>
-            <p:ph type="sldNum" sz="quarter" idx="12"/>
-          </p:nvPr>
-        </p:nvSpPr>
-        <p:spPr/>
-        <p:txBody>
-          <a:bodyPr/>
-          <a:lstStyle/>
-          <a:p>
-            <a:fld id="{B19B0651-EE4F-4900-A07F-96A6BFA9D0F0}" type="slidenum">
-              <a:rPr lang="ru-RU" smtClean="0"/>
-              <a:t>8</a:t>
-            </a:fld>
-            <a:endParaRPr lang="ru-RU"/>
-          </a:p>
-        </p:txBody>
-      </p:sp>
     </p:spTree>
     <p:extLst>
       <p:ext uri="{BB962C8B-B14F-4D97-AF65-F5344CB8AC3E}">
-        <p14:creationId xmlns:p14="http://schemas.microsoft.com/office/powerpoint/2010/main" val="3360335101"/>
+        <p14:creationId xmlns:p14="http://schemas.microsoft.com/office/powerpoint/2010/main" val="1258823812"/>
       </p:ext>
     </p:extLst>
   </p:cSld>
@@ -8250,18 +6477,10 @@
         <p:spPr/>
         <p:txBody>
           <a:bodyPr>
-            <a:normAutofit fontScale="90000"/>
+            <a:normAutofit/>
           </a:bodyPr>
           <a:lstStyle/>
           <a:p>
-            <a:r>
-              <a:rPr lang="ru-RU" dirty="0" smtClean="0">
-                <a:solidFill>
-                  <a:schemeClr val="tx1"/>
-                </a:solidFill>
-              </a:rPr>
-              <a:t>Исследование временных характеристик</a:t>
-            </a:r>
             <a:endParaRPr lang="ru-RU" dirty="0">
               <a:solidFill>
                 <a:schemeClr val="tx1"/>
@@ -8270,34 +6489,11 @@
           </a:p>
         </p:txBody>
       </p:sp>
-      <p:sp>
-        <p:nvSpPr>
-          <p:cNvPr id="4" name="Номер слайда 3"/>
-          <p:cNvSpPr>
-            <a:spLocks noGrp="1"/>
-          </p:cNvSpPr>
-          <p:nvPr>
-            <p:ph type="sldNum" sz="quarter" idx="12"/>
-          </p:nvPr>
-        </p:nvSpPr>
-        <p:spPr/>
-        <p:txBody>
-          <a:bodyPr/>
-          <a:lstStyle/>
-          <a:p>
-            <a:fld id="{B19B0651-EE4F-4900-A07F-96A6BFA9D0F0}" type="slidenum">
-              <a:rPr lang="ru-RU" smtClean="0"/>
-              <a:t>9</a:t>
-            </a:fld>
-            <a:endParaRPr lang="ru-RU"/>
-          </a:p>
-        </p:txBody>
-      </p:sp>
       <p:pic>
         <p:nvPicPr>
-          <p:cNvPr id="5" name="Объект 4" descr="C:\Users\zhigalkin\YandexDisk\Скриншоты\2020-12-08_23-34-07.png"/>
+          <p:cNvPr id="5" name="Объект 4"/>
           <p:cNvPicPr>
-            <a:picLocks noGrp="1"/>
+            <a:picLocks noGrp="1" noChangeAspect="1"/>
           </p:cNvPicPr>
           <p:nvPr>
             <p:ph idx="1"/>
@@ -8311,143 +6507,44 @@
               </a:ext>
             </a:extLst>
           </a:blip>
-          <a:srcRect/>
           <a:stretch>
             <a:fillRect/>
           </a:stretch>
         </p:blipFill>
-        <p:spPr bwMode="auto">
+        <p:spPr>
           <a:xfrm>
-            <a:off x="323528" y="1772816"/>
-            <a:ext cx="5328592" cy="4824536"/>
+            <a:off x="683568" y="764704"/>
+            <a:ext cx="7776864" cy="5277846"/>
           </a:xfrm>
-          <a:prstGeom prst="rect">
-            <a:avLst/>
-          </a:prstGeom>
-          <a:noFill/>
-          <a:ln>
-            <a:noFill/>
-          </a:ln>
         </p:spPr>
       </p:pic>
       <p:sp>
         <p:nvSpPr>
-          <p:cNvPr id="6" name="Заголовок 1"/>
-          <p:cNvSpPr txBox="1">
-            <a:spLocks/>
-          </p:cNvSpPr>
-          <p:nvPr/>
-        </p:nvSpPr>
-        <p:spPr>
-          <a:xfrm>
-            <a:off x="5580112" y="1772816"/>
-            <a:ext cx="3312368" cy="4536504"/>
-          </a:xfrm>
-          <a:prstGeom prst="rect">
-            <a:avLst/>
-          </a:prstGeom>
-        </p:spPr>
-        <p:txBody>
-          <a:bodyPr vert="horz" lIns="91440" tIns="45720" rIns="91440" bIns="45720" rtlCol="0" anchor="ctr">
-            <a:normAutofit fontScale="97500"/>
-          </a:bodyPr>
-          <a:lstStyle>
-            <a:lvl1pPr algn="ctr" defTabSz="914400" rtl="0" eaLnBrk="1" latinLnBrk="0" hangingPunct="1">
-              <a:spcBef>
-                <a:spcPct val="0"/>
-              </a:spcBef>
-              <a:buNone/>
-              <a:defRPr sz="3500" kern="1200" cap="all" baseline="0">
-                <a:solidFill>
-                  <a:schemeClr val="accent1">
-                    <a:lumMod val="75000"/>
-                  </a:schemeClr>
-                </a:solidFill>
-                <a:latin typeface="+mj-lt"/>
-                <a:ea typeface="+mj-ea"/>
-                <a:cs typeface="+mj-cs"/>
-              </a:defRPr>
-            </a:lvl1pPr>
-          </a:lstStyle>
-          <a:p>
-            <a:pPr algn="l"/>
-            <a:endParaRPr lang="ru-RU" sz="1800" dirty="0">
-              <a:solidFill>
-                <a:schemeClr val="tx1"/>
-              </a:solidFill>
-            </a:endParaRPr>
-          </a:p>
-        </p:txBody>
-      </p:sp>
-      <p:sp>
-        <p:nvSpPr>
-          <p:cNvPr id="7" name="TextBox 6"/>
-          <p:cNvSpPr txBox="1"/>
-          <p:nvPr/>
-        </p:nvSpPr>
-        <p:spPr>
-          <a:xfrm>
-            <a:off x="5724128" y="1797720"/>
-            <a:ext cx="3168352" cy="2862322"/>
-          </a:xfrm>
-          <a:prstGeom prst="rect">
-            <a:avLst/>
-          </a:prstGeom>
-          <a:noFill/>
-        </p:spPr>
-        <p:txBody>
-          <a:bodyPr wrap="square" rtlCol="0">
-            <a:spAutoFit/>
-          </a:bodyPr>
-          <a:lstStyle/>
-          <a:p>
-            <a:pPr algn="just"/>
-            <a:r>
-              <a:rPr lang="ru-RU" dirty="0" smtClean="0"/>
-              <a:t>Исследование проводилось на ноутбуке с процессором </a:t>
-            </a:r>
-            <a:r>
-              <a:rPr lang="ru-RU" dirty="0" err="1"/>
-              <a:t>Intel</a:t>
-            </a:r>
-            <a:r>
-              <a:rPr lang="ru-RU" dirty="0"/>
-              <a:t>(R) </a:t>
-            </a:r>
-            <a:r>
-              <a:rPr lang="ru-RU" dirty="0" err="1"/>
-              <a:t>Core</a:t>
-            </a:r>
-            <a:r>
-              <a:rPr lang="ru-RU" dirty="0"/>
-              <a:t>(TM) i3-8130U CPU 2.20 </a:t>
-            </a:r>
-            <a:r>
-              <a:rPr lang="ru-RU" dirty="0" err="1"/>
-              <a:t>GHz</a:t>
-            </a:r>
-            <a:r>
-              <a:rPr lang="ru-RU" dirty="0"/>
-              <a:t> с 4 логическими ядрами под управлением </a:t>
-            </a:r>
-            <a:r>
-              <a:rPr lang="ru-RU" dirty="0" err="1"/>
-              <a:t>Windows</a:t>
-            </a:r>
-            <a:r>
-              <a:rPr lang="ru-RU" dirty="0"/>
-              <a:t> 10 с 8 Гб оперативной памяти.</a:t>
-            </a:r>
-          </a:p>
-          <a:p>
-            <a:endParaRPr lang="ru-RU" dirty="0"/>
+          <p:cNvPr id="4" name="Номер слайда 3"/>
+          <p:cNvSpPr>
+            <a:spLocks noGrp="1"/>
+          </p:cNvSpPr>
+          <p:nvPr>
+            <p:ph type="sldNum" sz="quarter" idx="12"/>
+          </p:nvPr>
+        </p:nvSpPr>
+        <p:spPr/>
+        <p:txBody>
+          <a:bodyPr/>
+          <a:lstStyle/>
+          <a:p>
+            <a:fld id="{B19B0651-EE4F-4900-A07F-96A6BFA9D0F0}" type="slidenum">
+              <a:rPr lang="ru-RU" smtClean="0"/>
+              <a:t>9</a:t>
+            </a:fld>
+            <a:endParaRPr lang="ru-RU"/>
           </a:p>
         </p:txBody>
       </p:sp>
     </p:spTree>
     <p:extLst>
       <p:ext uri="{BB962C8B-B14F-4D97-AF65-F5344CB8AC3E}">
-        <p14:creationId xmlns:p14="http://schemas.microsoft.com/office/powerpoint/2010/main" val="3149524206"/>
+        <p14:creationId xmlns:p14="http://schemas.microsoft.com/office/powerpoint/2010/main" val="3360335101"/>
       </p:ext>
     </p:extLst>
   </p:cSld>
@@ -8465,9 +6562,9 @@
 </file>
 
 <file path=ppt/theme/theme1.xml><?xml version="1.0" encoding="utf-8"?>
-<a:theme xmlns:a="http://schemas.openxmlformats.org/drawingml/2006/main" name="Аптека">
+<a:theme xmlns:a="http://schemas.openxmlformats.org/drawingml/2006/main" name="Тема Office">
   <a:themeElements>
-    <a:clrScheme name="Аптека">
+    <a:clrScheme name="Стандартная">
       <a:dk1>
         <a:sysClr val="windowText" lastClr="000000"/>
       </a:dk1>
@@ -8475,48 +6572,48 @@
         <a:sysClr val="window" lastClr="FFFFFF"/>
       </a:lt1>
       <a:dk2>
-        <a:srgbClr val="564B3C"/>
+        <a:srgbClr val="1F497D"/>
       </a:dk2>
       <a:lt2>
-        <a:srgbClr val="ECEDD1"/>
+        <a:srgbClr val="EEECE1"/>
       </a:lt2>
       <a:accent1>
-        <a:srgbClr val="93A299"/>
+        <a:srgbClr val="4F81BD"/>
       </a:accent1>
       <a:accent2>
-        <a:srgbClr val="CF543F"/>
+        <a:srgbClr val="C0504D"/>
       </a:accent2>
       <a:accent3>
-        <a:srgbClr val="B5AE53"/>
+        <a:srgbClr val="9BBB59"/>
       </a:accent3>
       <a:accent4>
-        <a:srgbClr val="848058"/>
+        <a:srgbClr val="8064A2"/>
       </a:accent4>
       <a:accent5>
-        <a:srgbClr val="E8B54D"/>
+        <a:srgbClr val="4BACC6"/>
       </a:accent5>
       <a:accent6>
-        <a:srgbClr val="786C71"/>
+        <a:srgbClr val="F79646"/>
       </a:accent6>
       <a:hlink>
-        <a:srgbClr val="CCCC00"/>
+        <a:srgbClr val="0000FF"/>
       </a:hlink>
       <a:folHlink>
-        <a:srgbClr val="B2B2B2"/>
+        <a:srgbClr val="800080"/>
       </a:folHlink>
     </a:clrScheme>
-    <a:fontScheme name="Аптека">
+    <a:fontScheme name="Стандартная">
       <a:majorFont>
-        <a:latin typeface="Book Antiqua"/>
+        <a:latin typeface="Calibri"/>
         <a:ea typeface=""/>
         <a:cs typeface=""/>
-        <a:font script="Jpan" typeface="HGS明朝B"/>
-        <a:font script="Hang" typeface="HY견명조"/>
+        <a:font script="Jpan" typeface="ＭＳ Ｐゴシック"/>
+        <a:font script="Hang" typeface="맑은 고딕"/>
         <a:font script="Hans" typeface="宋体"/>
         <a:font script="Hant" typeface="新細明體"/>
         <a:font script="Arab" typeface="Times New Roman"/>
-        <a:font script="Hebr" typeface="David"/>
-        <a:font script="Thai" typeface="EucrosiaUPC"/>
+        <a:font script="Hebr" typeface="Times New Roman"/>
+        <a:font script="Thai" typeface="Angsana New"/>
         <a:font script="Ethi" typeface="Nyala"/>
         <a:font script="Beng" typeface="Vrinda"/>
         <a:font script="Gujr" typeface="Shruti"/>
@@ -8542,16 +6639,16 @@
         <a:font script="Geor" typeface="Sylfaen"/>
       </a:majorFont>
       <a:minorFont>
-        <a:latin typeface="Century Gothic"/>
+        <a:latin typeface="Calibri"/>
         <a:ea typeface=""/>
         <a:cs typeface=""/>
-        <a:font script="Jpan" typeface="ＭＳ ゴシック"/>
-        <a:font script="Hang" typeface="HY견명조"/>
-        <a:font script="Hans" typeface="幼圆"/>
-        <a:font script="Hant" typeface="微軟正黑體"/>
-        <a:font script="Arab" typeface="Tahoma"/>
-        <a:font script="Hebr" typeface="Gisha"/>
-        <a:font script="Thai" typeface="DilleniaUPC"/>
+        <a:font script="Jpan" typeface="ＭＳ Ｐゴシック"/>
+        <a:font script="Hang" typeface="맑은 고딕"/>
+        <a:font script="Hans" typeface="宋体"/>
+        <a:font script="Hant" typeface="新細明體"/>
+        <a:font script="Arab" typeface="Arial"/>
+        <a:font script="Hebr" typeface="Arial"/>
+        <a:font script="Thai" typeface="Cordia New"/>
         <a:font script="Ethi" typeface="Nyala"/>
         <a:font script="Beng" typeface="Vrinda"/>
         <a:font script="Gujr" typeface="Shruti"/>
@@ -8572,12 +6669,12 @@
         <a:font script="Laoo" typeface="DokChampa"/>
         <a:font script="Sinh" typeface="Iskoola Pota"/>
         <a:font script="Mong" typeface="Mongolian Baiti"/>
-        <a:font script="Viet" typeface="Verdana"/>
+        <a:font script="Viet" typeface="Arial"/>
         <a:font script="Uigh" typeface="Microsoft Uighur"/>
         <a:font script="Geor" typeface="Sylfaen"/>
       </a:minorFont>
     </a:fontScheme>
-    <a:fmtScheme name="Аптека">
+    <a:fmtScheme name="Стандартная">
       <a:fillStyleLst>
         <a:solidFill>
           <a:schemeClr val="phClr"/>
@@ -8586,90 +6683,47 @@
           <a:gsLst>
             <a:gs pos="0">
               <a:schemeClr val="phClr">
-                <a:tint val="1000"/>
-                <a:satMod val="100000"/>
+                <a:tint val="50000"/>
+                <a:satMod val="300000"/>
               </a:schemeClr>
             </a:gs>
-            <a:gs pos="68000">
+            <a:gs pos="35000">
               <a:schemeClr val="phClr">
-                <a:tint val="77000"/>
-                <a:satMod val="100000"/>
-              </a:schemeClr>
-            </a:gs>
-            <a:gs pos="81000">
-              <a:schemeClr val="phClr">
-                <a:tint val="79000"/>
-                <a:satMod val="100000"/>
-              </a:schemeClr>
-            </a:gs>
-            <a:gs pos="86000">
-              <a:schemeClr val="phClr">
-                <a:tint val="73000"/>
-                <a:satMod val="100000"/>
+                <a:tint val="37000"/>
+                <a:satMod val="300000"/>
               </a:schemeClr>
             </a:gs>
             <a:gs pos="100000">
               <a:schemeClr val="phClr">
-                <a:tint val="35000"/>
-                <a:satMod val="100000"/>
+                <a:tint val="15000"/>
+                <a:satMod val="350000"/>
               </a:schemeClr>
             </a:gs>
           </a:gsLst>
-          <a:lin ang="5400000" scaled="0"/>
+          <a:lin ang="16200000" scaled="1"/>
         </a:gradFill>
         <a:gradFill rotWithShape="1">
           <a:gsLst>
             <a:gs pos="0">
               <a:schemeClr val="phClr">
-                <a:tint val="73000"/>
-                <a:shade val="100000"/>
-                <a:satMod val="150000"/>
-              </a:schemeClr>
-            </a:gs>
-            <a:gs pos="25000">
-              <a:schemeClr val="phClr">
-                <a:tint val="96000"/>
-                <a:shade val="80000"/>
-                <a:satMod val="105000"/>
-              </a:schemeClr>
-            </a:gs>
-            <a:gs pos="38000">
-              <a:schemeClr val="phClr">
-                <a:tint val="96000"/>
-                <a:shade val="59000"/>
-                <a:satMod val="120000"/>
-              </a:schemeClr>
-            </a:gs>
-            <a:gs pos="55000">
-              <a:schemeClr val="phClr">
-                <a:tint val="100000"/>
-                <a:shade val="57000"/>
-                <a:satMod val="120000"/>
+                <a:shade val="51000"/>
+                <a:satMod val="130000"/>
               </a:schemeClr>
             </a:gs>
             <a:gs pos="80000">
               <a:schemeClr val="phClr">
-                <a:tint val="100000"/>
-                <a:shade val="56000"/>
-                <a:satMod val="145000"/>
-              </a:schemeClr>
-            </a:gs>
-            <a:gs pos="88000">
-              <a:schemeClr val="phClr">
-                <a:tint val="100000"/>
-                <a:shade val="63000"/>
-                <a:satMod val="160000"/>
+                <a:shade val="93000"/>
+                <a:satMod val="130000"/>
               </a:schemeClr>
             </a:gs>
             <a:gs pos="100000">
               <a:schemeClr val="phClr">
-                <a:tint val="99000"/>
-                <a:shade val="100000"/>
-                <a:satMod val="155000"/>
+                <a:shade val="94000"/>
+                <a:satMod val="135000"/>
               </a:schemeClr>
             </a:gs>
           </a:gsLst>
-          <a:lin ang="5400000" scaled="0"/>
+          <a:lin ang="16200000" scaled="0"/>
         </a:gradFill>
       </a:fillStyleLst>
       <a:lnStyleLst>
@@ -8697,55 +6751,41 @@
       </a:lnStyleLst>
       <a:effectStyleLst>
         <a:effectStyle>
-          <a:effectLst/>
-        </a:effectStyle>
-        <a:effectStyle>
-          <a:effectLst/>
-          <a:scene3d>
-            <a:camera prst="orthographicFront">
-              <a:rot lat="0" lon="0" rev="0"/>
-            </a:camera>
-            <a:lightRig rig="glow" dir="tl">
-              <a:rot lat="0" lon="0" rev="1800000"/>
-            </a:lightRig>
-          </a:scene3d>
-          <a:sp3d contourW="10160" prstMaterial="dkEdge">
-            <a:bevelT w="0" h="0" prst="angle"/>
-            <a:contourClr>
-              <a:schemeClr val="phClr">
-                <a:shade val="30000"/>
-                <a:satMod val="150000"/>
-              </a:schemeClr>
-            </a:contourClr>
-          </a:sp3d>
+          <a:effectLst>
+            <a:outerShdw blurRad="40000" dist="20000" dir="5400000" rotWithShape="0">
+              <a:srgbClr val="000000">
+                <a:alpha val="38000"/>
+              </a:srgbClr>
+            </a:outerShdw>
+          </a:effectLst>
         </a:effectStyle>
         <a:effectStyle>
           <a:effectLst>
-            <a:glow rad="50800">
-              <a:schemeClr val="phClr">
-                <a:tint val="68000"/>
-                <a:shade val="93000"/>
-                <a:alpha val="37000"/>
-                <a:satMod val="250000"/>
-              </a:schemeClr>
-            </a:glow>
+            <a:outerShdw blurRad="40000" dist="23000" dir="5400000" rotWithShape="0">
+              <a:srgbClr val="000000">
+                <a:alpha val="35000"/>
+              </a:srgbClr>
+            </a:outerShdw>
+          </a:effectLst>
+        </a:effectStyle>
+        <a:effectStyle>
+          <a:effectLst>
+            <a:outerShdw blurRad="40000" dist="23000" dir="5400000" rotWithShape="0">
+              <a:srgbClr val="000000">
+                <a:alpha val="35000"/>
+              </a:srgbClr>
+            </a:outerShdw>
           </a:effectLst>
           <a:scene3d>
             <a:camera prst="orthographicFront">
               <a:rot lat="0" lon="0" rev="0"/>
             </a:camera>
-            <a:lightRig rig="glow" dir="t">
-              <a:rot lat="0" lon="0" rev="1800000"/>
+            <a:lightRig rig="threePt" dir="t">
+              <a:rot lat="0" lon="0" rev="1200000"/>
             </a:lightRig>
           </a:scene3d>
-          <a:sp3d contourW="10160" prstMaterial="dkEdge">
-            <a:bevelT w="20320" h="19050" prst="angle"/>
-            <a:contourClr>
-              <a:schemeClr val="phClr">
-                <a:shade val="30000"/>
-                <a:satMod val="150000"/>
-              </a:schemeClr>
-            </a:contourClr>
+          <a:sp3d>
+            <a:bevelT w="63500" h="25400"/>
           </a:sp3d>
         </a:effectStyle>
       </a:effectStyleLst>
@@ -8753,27 +6793,51 @@
         <a:solidFill>
           <a:schemeClr val="phClr"/>
         </a:solidFill>
-        <a:solidFill>
-          <a:schemeClr val="phClr">
-            <a:tint val="93000"/>
-            <a:satMod val="140000"/>
-          </a:schemeClr>
-        </a:solidFill>
-        <a:blipFill rotWithShape="1">
-          <a:blip xmlns:r="http://schemas.openxmlformats.org/officeDocument/2006/relationships" r:embed="rId1">
-            <a:duotone>
+        <a:gradFill rotWithShape="1">
+          <a:gsLst>
+            <a:gs pos="0">
               <a:schemeClr val="phClr">
-                <a:tint val="70000"/>
-                <a:satMod val="170000"/>
+                <a:tint val="40000"/>
+                <a:satMod val="350000"/>
               </a:schemeClr>
+            </a:gs>
+            <a:gs pos="40000">
               <a:schemeClr val="phClr">
-                <a:shade val="70000"/>
-                <a:satMod val="130000"/>
+                <a:tint val="45000"/>
+                <a:shade val="99000"/>
+                <a:satMod val="350000"/>
               </a:schemeClr>
-            </a:duotone>
-          </a:blip>
-          <a:tile tx="0" ty="0" sx="100000" sy="100000" flip="none" algn="tl"/>
-        </a:blipFill>
+            </a:gs>
+            <a:gs pos="100000">
+              <a:schemeClr val="phClr">
+                <a:shade val="20000"/>
+                <a:satMod val="255000"/>
+              </a:schemeClr>
+            </a:gs>
+          </a:gsLst>
+          <a:path path="circle">
+            <a:fillToRect l="50000" t="-80000" r="50000" b="180000"/>
+          </a:path>
+        </a:gradFill>
+        <a:gradFill rotWithShape="1">
+          <a:gsLst>
+            <a:gs pos="0">
+              <a:schemeClr val="phClr">
+                <a:tint val="80000"/>
+                <a:satMod val="300000"/>
+              </a:schemeClr>
+            </a:gs>
+            <a:gs pos="100000">
+              <a:schemeClr val="phClr">
+                <a:shade val="30000"/>
+                <a:satMod val="200000"/>
+              </a:schemeClr>
+            </a:gs>
+          </a:gsLst>
+          <a:path path="circle">
+            <a:fillToRect l="50000" t="50000" r="50000" b="50000"/>
+          </a:path>
+        </a:gradFill>
       </a:bgFillStyleLst>
     </a:fmtScheme>
   </a:themeElements>
